--- a/ui/ui.pptx
+++ b/ui/ui.pptx
@@ -113,6 +113,22 @@
       </a:defRPr>
     </a:lvl9pPr>
   </p:defaultTextStyle>
+  <p:extLst>
+    <p:ext uri="{EFAFB233-063F-42B5-8137-9DF3F51BA10A}">
+      <p15:sldGuideLst xmlns:p15="http://schemas.microsoft.com/office/powerpoint/2012/main">
+        <p15:guide id="1" orient="horz" pos="2160">
+          <p15:clr>
+            <a:srgbClr val="A4A3A4"/>
+          </p15:clr>
+        </p15:guide>
+        <p15:guide id="2" pos="2880">
+          <p15:clr>
+            <a:srgbClr val="A4A3A4"/>
+          </p15:clr>
+        </p15:guide>
+      </p15:sldGuideLst>
+    </p:ext>
+  </p:extLst>
 </p:presentation>
 </file>
 
@@ -297,7 +313,7 @@
           <a:p>
             <a:fld id="{5DCAF180-5887-7749-9EDF-C36462973B5E}" type="datetimeFigureOut">
               <a:rPr kumimoji="1" lang="zh-CN" altLang="en-US" smtClean="0"/>
-              <a:t>15/8/28</a:t>
+              <a:t>2015/8/31</a:t>
             </a:fld>
             <a:endParaRPr kumimoji="1" lang="zh-CN" altLang="en-US"/>
           </a:p>
@@ -467,7 +483,7 @@
           <a:p>
             <a:fld id="{5DCAF180-5887-7749-9EDF-C36462973B5E}" type="datetimeFigureOut">
               <a:rPr kumimoji="1" lang="zh-CN" altLang="en-US" smtClean="0"/>
-              <a:t>15/8/28</a:t>
+              <a:t>2015/8/31</a:t>
             </a:fld>
             <a:endParaRPr kumimoji="1" lang="zh-CN" altLang="en-US"/>
           </a:p>
@@ -647,7 +663,7 @@
           <a:p>
             <a:fld id="{5DCAF180-5887-7749-9EDF-C36462973B5E}" type="datetimeFigureOut">
               <a:rPr kumimoji="1" lang="zh-CN" altLang="en-US" smtClean="0"/>
-              <a:t>15/8/28</a:t>
+              <a:t>2015/8/31</a:t>
             </a:fld>
             <a:endParaRPr kumimoji="1" lang="zh-CN" altLang="en-US"/>
           </a:p>
@@ -817,7 +833,7 @@
           <a:p>
             <a:fld id="{5DCAF180-5887-7749-9EDF-C36462973B5E}" type="datetimeFigureOut">
               <a:rPr kumimoji="1" lang="zh-CN" altLang="en-US" smtClean="0"/>
-              <a:t>15/8/28</a:t>
+              <a:t>2015/8/31</a:t>
             </a:fld>
             <a:endParaRPr kumimoji="1" lang="zh-CN" altLang="en-US"/>
           </a:p>
@@ -1063,7 +1079,7 @@
           <a:p>
             <a:fld id="{5DCAF180-5887-7749-9EDF-C36462973B5E}" type="datetimeFigureOut">
               <a:rPr kumimoji="1" lang="zh-CN" altLang="en-US" smtClean="0"/>
-              <a:t>15/8/28</a:t>
+              <a:t>2015/8/31</a:t>
             </a:fld>
             <a:endParaRPr kumimoji="1" lang="zh-CN" altLang="en-US"/>
           </a:p>
@@ -1351,7 +1367,7 @@
           <a:p>
             <a:fld id="{5DCAF180-5887-7749-9EDF-C36462973B5E}" type="datetimeFigureOut">
               <a:rPr kumimoji="1" lang="zh-CN" altLang="en-US" smtClean="0"/>
-              <a:t>15/8/28</a:t>
+              <a:t>2015/8/31</a:t>
             </a:fld>
             <a:endParaRPr kumimoji="1" lang="zh-CN" altLang="en-US"/>
           </a:p>
@@ -1773,7 +1789,7 @@
           <a:p>
             <a:fld id="{5DCAF180-5887-7749-9EDF-C36462973B5E}" type="datetimeFigureOut">
               <a:rPr kumimoji="1" lang="zh-CN" altLang="en-US" smtClean="0"/>
-              <a:t>15/8/28</a:t>
+              <a:t>2015/8/31</a:t>
             </a:fld>
             <a:endParaRPr kumimoji="1" lang="zh-CN" altLang="en-US"/>
           </a:p>
@@ -1891,7 +1907,7 @@
           <a:p>
             <a:fld id="{5DCAF180-5887-7749-9EDF-C36462973B5E}" type="datetimeFigureOut">
               <a:rPr kumimoji="1" lang="zh-CN" altLang="en-US" smtClean="0"/>
-              <a:t>15/8/28</a:t>
+              <a:t>2015/8/31</a:t>
             </a:fld>
             <a:endParaRPr kumimoji="1" lang="zh-CN" altLang="en-US"/>
           </a:p>
@@ -1986,7 +2002,7 @@
           <a:p>
             <a:fld id="{5DCAF180-5887-7749-9EDF-C36462973B5E}" type="datetimeFigureOut">
               <a:rPr kumimoji="1" lang="zh-CN" altLang="en-US" smtClean="0"/>
-              <a:t>15/8/28</a:t>
+              <a:t>2015/8/31</a:t>
             </a:fld>
             <a:endParaRPr kumimoji="1" lang="zh-CN" altLang="en-US"/>
           </a:p>
@@ -2263,7 +2279,7 @@
           <a:p>
             <a:fld id="{5DCAF180-5887-7749-9EDF-C36462973B5E}" type="datetimeFigureOut">
               <a:rPr kumimoji="1" lang="zh-CN" altLang="en-US" smtClean="0"/>
-              <a:t>15/8/28</a:t>
+              <a:t>2015/8/31</a:t>
             </a:fld>
             <a:endParaRPr kumimoji="1" lang="zh-CN" altLang="en-US"/>
           </a:p>
@@ -2516,7 +2532,7 @@
           <a:p>
             <a:fld id="{5DCAF180-5887-7749-9EDF-C36462973B5E}" type="datetimeFigureOut">
               <a:rPr kumimoji="1" lang="zh-CN" altLang="en-US" smtClean="0"/>
-              <a:t>15/8/28</a:t>
+              <a:t>2015/8/31</a:t>
             </a:fld>
             <a:endParaRPr kumimoji="1" lang="zh-CN" altLang="en-US"/>
           </a:p>
@@ -2729,7 +2745,7 @@
           <a:p>
             <a:fld id="{5DCAF180-5887-7749-9EDF-C36462973B5E}" type="datetimeFigureOut">
               <a:rPr kumimoji="1" lang="zh-CN" altLang="en-US" smtClean="0"/>
-              <a:t>15/8/28</a:t>
+              <a:t>2015/8/31</a:t>
             </a:fld>
             <a:endParaRPr kumimoji="1" lang="zh-CN" altLang="en-US"/>
           </a:p>
@@ -3156,6 +3172,13 @@
   <p:clrMapOvr>
     <a:masterClrMapping/>
   </p:clrMapOvr>
+  <p:timing>
+    <p:tnLst>
+      <p:par>
+        <p:cTn id="1" dur="indefinite" restart="never" nodeType="tmRoot"/>
+      </p:par>
+    </p:tnLst>
+  </p:timing>
 </p:sld>
 </file>
 
@@ -3212,7 +3235,7 @@
   <p:timing>
     <p:tnLst>
       <p:par>
-        <p:cTn xmlns:p14="http://schemas.microsoft.com/office/powerpoint/2010/main" id="1" dur="indefinite" restart="never" nodeType="tmRoot"/>
+        <p:cTn id="1" dur="indefinite" restart="never" nodeType="tmRoot"/>
       </p:par>
     </p:tnLst>
   </p:timing>
@@ -3264,54 +3287,20 @@
                 <a:latin typeface="Hannotate SC Regular"/>
                 <a:cs typeface="Hannotate SC Regular"/>
               </a:rPr>
-              <a:t>每日签到</a:t>
-            </a:r>
-            <a:r>
-              <a:rPr kumimoji="1" lang="zh-CN" altLang="en-US" sz="2400" dirty="0" smtClean="0"/>
-              <a:t>最简单易用的习惯养成工具</a:t>
-            </a:r>
-            <a:endParaRPr kumimoji="1" lang="zh-CN" altLang="en-US" sz="2400" dirty="0"/>
-          </a:p>
-        </p:txBody>
-      </p:sp>
-      <p:sp>
-        <p:nvSpPr>
-          <p:cNvPr id="5" name="正偏差 4">
-            <a:hlinkClick r:id="rId2" action="ppaction://hlinksldjump"/>
-            <a:hlinkHover r:id="" action="ppaction://noaction" highlightClick="1"/>
-          </p:cNvPr>
-          <p:cNvSpPr/>
-          <p:nvPr/>
-        </p:nvSpPr>
-        <p:spPr>
-          <a:xfrm>
-            <a:off x="6945420" y="1929910"/>
-            <a:ext cx="357820" cy="387351"/>
-          </a:xfrm>
-          <a:prstGeom prst="mathPlus">
-            <a:avLst/>
-          </a:prstGeom>
-        </p:spPr>
-        <p:style>
-          <a:lnRef idx="1">
-            <a:schemeClr val="accent1"/>
-          </a:lnRef>
-          <a:fillRef idx="3">
-            <a:schemeClr val="accent1"/>
-          </a:fillRef>
-          <a:effectRef idx="2">
-            <a:schemeClr val="accent1"/>
-          </a:effectRef>
-          <a:fontRef idx="minor">
-            <a:schemeClr val="lt1"/>
-          </a:fontRef>
-        </p:style>
-        <p:txBody>
-          <a:bodyPr rtlCol="0" anchor="ctr"/>
-          <a:lstStyle/>
-          <a:p>
-            <a:pPr algn="ctr"/>
-            <a:endParaRPr kumimoji="1" lang="zh-CN" altLang="en-US"/>
+              <a:t>每日</a:t>
+            </a:r>
+            <a:r>
+              <a:rPr kumimoji="1" lang="zh-CN" altLang="en-US" dirty="0" smtClean="0">
+                <a:latin typeface="Hannotate SC Regular"/>
+                <a:cs typeface="Hannotate SC Regular"/>
+              </a:rPr>
+              <a:t>签到</a:t>
+            </a:r>
+            <a:r>
+              <a:rPr kumimoji="1" lang="zh-CN" altLang="en-US" sz="1600" i="1" dirty="0" smtClean="0"/>
+              <a:t>养成好习惯，戒除坏习惯</a:t>
+            </a:r>
+            <a:endParaRPr kumimoji="1" lang="zh-CN" altLang="en-US" sz="1600" i="1" dirty="0"/>
           </a:p>
         </p:txBody>
       </p:sp>
@@ -3324,14 +3313,14 @@
           <p:nvPr>
             <p:extLst>
               <p:ext uri="{D42A27DB-BD31-4B8C-83A1-F6EECF244321}">
-                <p14:modId xmlns:p14="http://schemas.microsoft.com/office/powerpoint/2010/main" val="1170573924"/>
+                <p14:modId xmlns:p14="http://schemas.microsoft.com/office/powerpoint/2010/main" val="2724945340"/>
               </p:ext>
             </p:extLst>
           </p:nvPr>
         </p:nvGraphicFramePr>
         <p:xfrm>
-          <a:off x="640393" y="2470393"/>
-          <a:ext cx="7617468" cy="2387599"/>
+          <a:off x="640395" y="1719895"/>
+          <a:ext cx="7502940" cy="2001520"/>
         </p:xfrm>
         <a:graphic>
           <a:graphicData uri="http://schemas.openxmlformats.org/drawingml/2006/table">
@@ -3340,16 +3329,14 @@
                 <a:tableStyleId>{5C22544A-7EE6-4342-B048-85BDC9FD1C3A}</a:tableStyleId>
               </a:tblPr>
               <a:tblGrid>
-                <a:gridCol w="1470622"/>
-                <a:gridCol w="692058"/>
-                <a:gridCol w="692058"/>
-                <a:gridCol w="692058"/>
-                <a:gridCol w="692058"/>
-                <a:gridCol w="692058"/>
-                <a:gridCol w="692058"/>
-                <a:gridCol w="692058"/>
-                <a:gridCol w="651220"/>
-                <a:gridCol w="651220"/>
+                <a:gridCol w="1747260"/>
+                <a:gridCol w="822240"/>
+                <a:gridCol w="822240"/>
+                <a:gridCol w="822240"/>
+                <a:gridCol w="822240"/>
+                <a:gridCol w="822240"/>
+                <a:gridCol w="822240"/>
+                <a:gridCol w="822240"/>
               </a:tblGrid>
               <a:tr h="370840">
                 <a:tc>
@@ -3374,18 +3361,6 @@
                       </a:r>
                       <a:endParaRPr lang="en-US" altLang="zh-CN" dirty="0" smtClean="0"/>
                     </a:p>
-                    <a:p>
-                      <a:pPr algn="ctr"/>
-                      <a:r>
-                        <a:rPr lang="zh-CN" altLang="zh-CN" sz="1600" b="0" dirty="0" smtClean="0"/>
-                        <a:t>8</a:t>
-                      </a:r>
-                      <a:r>
-                        <a:rPr lang="en-US" altLang="zh-CN" sz="1600" b="0" dirty="0" smtClean="0"/>
-                        <a:t>.24</a:t>
-                      </a:r>
-                      <a:endParaRPr lang="zh-CN" altLang="en-US" sz="1600" b="0" dirty="0"/>
-                    </a:p>
                   </a:txBody>
                   <a:tcPr/>
                 </a:tc>
@@ -3401,18 +3376,6 @@
                       </a:r>
                       <a:endParaRPr lang="en-US" altLang="zh-CN" dirty="0" smtClean="0"/>
                     </a:p>
-                    <a:p>
-                      <a:pPr algn="ctr"/>
-                      <a:r>
-                        <a:rPr lang="zh-CN" altLang="zh-CN" sz="1600" b="0" dirty="0" smtClean="0"/>
-                        <a:t>8</a:t>
-                      </a:r>
-                      <a:r>
-                        <a:rPr lang="en-US" altLang="zh-CN" sz="1600" b="0" dirty="0" smtClean="0"/>
-                        <a:t>.25</a:t>
-                      </a:r>
-                      <a:endParaRPr lang="zh-CN" altLang="en-US" sz="1600" b="0" dirty="0"/>
-                    </a:p>
                   </a:txBody>
                   <a:tcPr/>
                 </a:tc>
@@ -3428,17 +3391,20 @@
                       </a:r>
                       <a:endParaRPr lang="en-US" altLang="zh-CN" dirty="0" smtClean="0"/>
                     </a:p>
+                  </a:txBody>
+                  <a:tcPr/>
+                </a:tc>
+                <a:tc>
+                  <a:txBody>
+                    <a:bodyPr/>
+                    <a:lstStyle/>
                     <a:p>
                       <a:pPr algn="ctr"/>
                       <a:r>
-                        <a:rPr lang="zh-CN" altLang="zh-CN" sz="1600" b="0" dirty="0" smtClean="0"/>
-                        <a:t>8</a:t>
-                      </a:r>
-                      <a:r>
-                        <a:rPr lang="en-US" altLang="zh-CN" sz="1600" b="0" dirty="0" smtClean="0"/>
-                        <a:t>.26</a:t>
-                      </a:r>
-                      <a:endParaRPr lang="zh-CN" altLang="en-US" sz="1600" b="0" dirty="0"/>
+                        <a:rPr lang="zh-CN" altLang="en-US" smtClean="0"/>
+                        <a:t>周四</a:t>
+                      </a:r>
+                      <a:endParaRPr lang="en-US" altLang="zh-CN" dirty="0" smtClean="0"/>
                     </a:p>
                   </a:txBody>
                   <a:tcPr/>
@@ -3450,11 +3416,110 @@
                     <a:p>
                       <a:pPr algn="ctr"/>
                       <a:r>
+                        <a:rPr lang="zh-CN" altLang="en-US" smtClean="0"/>
+                        <a:t>周五</a:t>
+                      </a:r>
+                      <a:endParaRPr lang="en-US" altLang="zh-CN" dirty="0" smtClean="0"/>
+                    </a:p>
+                  </a:txBody>
+                  <a:tcPr/>
+                </a:tc>
+                <a:tc>
+                  <a:txBody>
+                    <a:bodyPr/>
+                    <a:lstStyle/>
+                    <a:p>
+                      <a:pPr algn="ctr"/>
+                      <a:r>
                         <a:rPr lang="zh-CN" altLang="en-US" dirty="0" smtClean="0"/>
-                        <a:t>周四</a:t>
+                        <a:t>周六</a:t>
                       </a:r>
                       <a:endParaRPr lang="en-US" altLang="zh-CN" dirty="0" smtClean="0"/>
                     </a:p>
+                  </a:txBody>
+                  <a:tcPr/>
+                </a:tc>
+                <a:tc>
+                  <a:txBody>
+                    <a:bodyPr/>
+                    <a:lstStyle/>
+                    <a:p>
+                      <a:pPr algn="ctr"/>
+                      <a:r>
+                        <a:rPr lang="zh-CN" altLang="en-US" dirty="0" smtClean="0"/>
+                        <a:t>周日</a:t>
+                      </a:r>
+                      <a:endParaRPr lang="en-US" altLang="zh-CN" dirty="0" smtClean="0"/>
+                    </a:p>
+                  </a:txBody>
+                  <a:tcPr/>
+                </a:tc>
+              </a:tr>
+              <a:tr h="370840">
+                <a:tc>
+                  <a:txBody>
+                    <a:bodyPr/>
+                    <a:lstStyle/>
+                    <a:p>
+                      <a:r>
+                        <a:rPr lang="en-US" altLang="zh-CN" sz="1400" dirty="0" smtClean="0">
+                          <a:solidFill>
+                            <a:srgbClr val="FF0000"/>
+                          </a:solidFill>
+                        </a:rPr>
+                        <a:t>11</a:t>
+                      </a:r>
+                      <a:r>
+                        <a:rPr lang="zh-CN" altLang="en-US" sz="1400" dirty="0" smtClean="0">
+                          <a:solidFill>
+                            <a:srgbClr val="FF0000"/>
+                          </a:solidFill>
+                        </a:rPr>
+                        <a:t>点前睡觉</a:t>
+                      </a:r>
+                      <a:endParaRPr lang="zh-CN" altLang="en-US" sz="1400" dirty="0">
+                        <a:solidFill>
+                          <a:srgbClr val="FF0000"/>
+                        </a:solidFill>
+                      </a:endParaRPr>
+                    </a:p>
+                  </a:txBody>
+                  <a:tcPr/>
+                </a:tc>
+                <a:tc>
+                  <a:txBody>
+                    <a:bodyPr/>
+                    <a:lstStyle/>
+                    <a:p>
+                      <a:pPr algn="ctr"/>
+                      <a:endParaRPr lang="zh-CN" altLang="en-US" dirty="0">
+                        <a:solidFill>
+                          <a:srgbClr val="FF0000"/>
+                        </a:solidFill>
+                      </a:endParaRPr>
+                    </a:p>
+                  </a:txBody>
+                  <a:tcPr anchor="ctr" anchorCtr="1"/>
+                </a:tc>
+                <a:tc>
+                  <a:txBody>
+                    <a:bodyPr/>
+                    <a:lstStyle/>
+                    <a:p>
+                      <a:pPr algn="ctr"/>
+                      <a:endParaRPr lang="zh-CN" altLang="en-US" dirty="0">
+                        <a:solidFill>
+                          <a:srgbClr val="FF0000"/>
+                        </a:solidFill>
+                      </a:endParaRPr>
+                    </a:p>
+                  </a:txBody>
+                  <a:tcPr anchor="ctr" anchorCtr="1"/>
+                </a:tc>
+                <a:tc>
+                  <a:txBody>
+                    <a:bodyPr/>
+                    <a:lstStyle/>
                     <a:p>
                       <a:pPr marL="0" marR="0" indent="0" algn="ctr" defTabSz="457200" rtl="0" eaLnBrk="1" fontAlgn="auto" latinLnBrk="0" hangingPunct="1">
                         <a:lnSpc>
@@ -3474,162 +3539,25 @@
                         <a:defRPr/>
                       </a:pPr>
                       <a:r>
-                        <a:rPr lang="zh-CN" altLang="zh-CN" sz="1600" b="0" dirty="0" smtClean="0"/>
-                        <a:t>8</a:t>
-                      </a:r>
-                      <a:r>
-                        <a:rPr lang="en-US" altLang="zh-CN" sz="1600" b="0" dirty="0" smtClean="0"/>
-                        <a:t>.</a:t>
-                      </a:r>
-                      <a:r>
-                        <a:rPr lang="en-US" altLang="zh-CN" sz="1600" b="0" dirty="0" smtClean="0"/>
-                        <a:t>27</a:t>
-                      </a:r>
-                      <a:endParaRPr lang="zh-CN" altLang="en-US" sz="1600" b="0" dirty="0" smtClean="0"/>
-                    </a:p>
-                  </a:txBody>
-                  <a:tcPr/>
-                </a:tc>
-                <a:tc>
-                  <a:txBody>
-                    <a:bodyPr/>
-                    <a:lstStyle/>
-                    <a:p>
-                      <a:pPr algn="ctr"/>
-                      <a:r>
-                        <a:rPr lang="zh-CN" altLang="en-US" dirty="0" smtClean="0"/>
-                        <a:t>周五</a:t>
-                      </a:r>
-                      <a:endParaRPr lang="en-US" altLang="zh-CN" dirty="0" smtClean="0"/>
-                    </a:p>
-                    <a:p>
-                      <a:pPr algn="ctr"/>
-                      <a:r>
-                        <a:rPr lang="zh-CN" altLang="zh-CN" sz="1600" b="0" dirty="0" smtClean="0"/>
-                        <a:t>8</a:t>
-                      </a:r>
-                      <a:r>
-                        <a:rPr lang="en-US" altLang="zh-CN" sz="1600" b="0" dirty="0" smtClean="0"/>
-                        <a:t>.28</a:t>
-                      </a:r>
-                      <a:endParaRPr lang="zh-CN" altLang="en-US" sz="1600" b="0" dirty="0"/>
-                    </a:p>
-                  </a:txBody>
-                  <a:tcPr/>
-                </a:tc>
-                <a:tc>
-                  <a:txBody>
-                    <a:bodyPr/>
-                    <a:lstStyle/>
-                    <a:p>
-                      <a:pPr algn="ctr"/>
-                      <a:r>
-                        <a:rPr lang="zh-CN" altLang="en-US" dirty="0" smtClean="0"/>
-                        <a:t>周六</a:t>
-                      </a:r>
-                      <a:endParaRPr lang="en-US" altLang="zh-CN" dirty="0" smtClean="0"/>
-                    </a:p>
-                    <a:p>
-                      <a:pPr algn="ctr"/>
-                      <a:r>
-                        <a:rPr lang="zh-CN" altLang="zh-CN" sz="1600" b="0" dirty="0" smtClean="0"/>
-                        <a:t>8</a:t>
-                      </a:r>
-                      <a:r>
-                        <a:rPr lang="en-US" altLang="zh-CN" sz="1600" b="0" dirty="0" smtClean="0"/>
-                        <a:t>.29</a:t>
-                      </a:r>
-                      <a:endParaRPr lang="zh-CN" altLang="en-US" sz="1600" b="0" dirty="0"/>
-                    </a:p>
-                  </a:txBody>
-                  <a:tcPr/>
-                </a:tc>
-                <a:tc>
-                  <a:txBody>
-                    <a:bodyPr/>
-                    <a:lstStyle/>
-                    <a:p>
-                      <a:pPr algn="ctr"/>
-                      <a:r>
-                        <a:rPr lang="zh-CN" altLang="en-US" dirty="0" smtClean="0"/>
-                        <a:t>周日</a:t>
-                      </a:r>
-                      <a:endParaRPr lang="en-US" altLang="zh-CN" dirty="0" smtClean="0"/>
-                    </a:p>
-                    <a:p>
-                      <a:pPr algn="ctr"/>
-                      <a:r>
-                        <a:rPr lang="zh-CN" altLang="zh-CN" sz="1600" b="0" dirty="0" smtClean="0"/>
-                        <a:t>8</a:t>
-                      </a:r>
-                      <a:r>
-                        <a:rPr lang="en-US" altLang="zh-CN" sz="1600" b="0" dirty="0" smtClean="0"/>
-                        <a:t>.30</a:t>
-                      </a:r>
-                      <a:endParaRPr lang="zh-CN" altLang="en-US" sz="1600" b="0" dirty="0"/>
-                    </a:p>
-                  </a:txBody>
-                  <a:tcPr/>
-                </a:tc>
-                <a:tc>
-                  <a:txBody>
-                    <a:bodyPr/>
-                    <a:lstStyle/>
-                    <a:p>
-                      <a:r>
-                        <a:rPr lang="zh-CN" altLang="en-US" dirty="0" smtClean="0"/>
-                        <a:t>总共</a:t>
-                      </a:r>
-                      <a:endParaRPr lang="zh-CN" altLang="en-US" dirty="0"/>
-                    </a:p>
-                  </a:txBody>
-                  <a:tcPr anchor="ctr" anchorCtr="1"/>
-                </a:tc>
-                <a:tc>
-                  <a:txBody>
-                    <a:bodyPr/>
-                    <a:lstStyle/>
-                    <a:p>
-                      <a:r>
-                        <a:rPr lang="zh-CN" altLang="en-US" dirty="0" smtClean="0"/>
-                        <a:t>连续</a:t>
-                      </a:r>
-                      <a:endParaRPr lang="zh-CN" altLang="en-US" dirty="0"/>
-                    </a:p>
-                  </a:txBody>
-                  <a:tcPr anchor="ctr" anchorCtr="1"/>
-                </a:tc>
-              </a:tr>
-              <a:tr h="370840">
-                <a:tc>
-                  <a:txBody>
-                    <a:bodyPr/>
-                    <a:lstStyle/>
-                    <a:p>
-                      <a:r>
-                        <a:rPr lang="en-US" altLang="zh-CN" sz="1400" dirty="0" smtClean="0">
+                        <a:rPr lang="zh-CN" altLang="en-US" sz="1800" dirty="0" smtClean="0">
                           <a:solidFill>
                             <a:srgbClr val="FF0000"/>
                           </a:solidFill>
+                          <a:latin typeface="Zapf Dingbats"/>
+                          <a:ea typeface="Zapf Dingbats"/>
+                          <a:cs typeface="Zapf Dingbats"/>
+                          <a:sym typeface="Zapf Dingbats"/>
                         </a:rPr>
-                        <a:t>11</a:t>
-                      </a:r>
-                      <a:r>
-                        <a:rPr lang="zh-CN" altLang="en-US" sz="1400" dirty="0" smtClean="0">
-                          <a:solidFill>
-                            <a:srgbClr val="FF0000"/>
-                          </a:solidFill>
-                        </a:rPr>
-                        <a:t>点前睡觉</a:t>
-                      </a:r>
-                      <a:endParaRPr lang="zh-CN" altLang="en-US" sz="1400" dirty="0">
+                        <a:t>✔</a:t>
+                      </a:r>
+                      <a:endParaRPr lang="zh-CN" altLang="en-US" sz="1800" dirty="0" smtClean="0">
                         <a:solidFill>
                           <a:srgbClr val="FF0000"/>
                         </a:solidFill>
                       </a:endParaRPr>
                     </a:p>
                   </a:txBody>
-                  <a:tcPr/>
+                  <a:tcPr anchor="ctr" anchorCtr="1"/>
                 </a:tc>
                 <a:tc>
                   <a:txBody>
@@ -3660,6 +3588,60 @@
                     </a:p>
                   </a:txBody>
                   <a:tcPr anchor="ctr" anchorCtr="1"/>
+                </a:tc>
+                <a:tc>
+                  <a:txBody>
+                    <a:bodyPr/>
+                    <a:lstStyle/>
+                    <a:p>
+                      <a:pPr algn="ctr"/>
+                      <a:endParaRPr lang="zh-CN" altLang="en-US">
+                        <a:solidFill>
+                          <a:srgbClr val="FF0000"/>
+                        </a:solidFill>
+                      </a:endParaRPr>
+                    </a:p>
+                  </a:txBody>
+                  <a:tcPr anchor="ctr" anchorCtr="1"/>
+                </a:tc>
+                <a:tc>
+                  <a:txBody>
+                    <a:bodyPr/>
+                    <a:lstStyle/>
+                    <a:p>
+                      <a:pPr algn="ctr"/>
+                      <a:endParaRPr lang="zh-CN" altLang="en-US">
+                        <a:solidFill>
+                          <a:srgbClr val="FF0000"/>
+                        </a:solidFill>
+                      </a:endParaRPr>
+                    </a:p>
+                  </a:txBody>
+                  <a:tcPr anchor="ctr" anchorCtr="1"/>
+                </a:tc>
+              </a:tr>
+              <a:tr h="370840">
+                <a:tc>
+                  <a:txBody>
+                    <a:bodyPr/>
+                    <a:lstStyle/>
+                    <a:p>
+                      <a:r>
+                        <a:rPr lang="zh-CN" altLang="en-US" sz="1400" dirty="0" smtClean="0">
+                          <a:solidFill>
+                            <a:srgbClr val="FF0000"/>
+                          </a:solidFill>
+                        </a:rPr>
+                        <a:t>睡前总结，为第二天规划</a:t>
+                      </a:r>
+                      <a:endParaRPr lang="zh-CN" altLang="en-US" sz="1400" dirty="0">
+                        <a:solidFill>
+                          <a:srgbClr val="FF0000"/>
+                        </a:solidFill>
+                      </a:endParaRPr>
+                    </a:p>
+                  </a:txBody>
+                  <a:tcPr/>
                 </a:tc>
                 <a:tc>
                   <a:txBody>
@@ -3709,134 +3691,6 @@
                     <a:bodyPr/>
                     <a:lstStyle/>
                     <a:p>
-                      <a:pPr algn="ctr"/>
-                      <a:endParaRPr lang="zh-CN" altLang="en-US" dirty="0">
-                        <a:solidFill>
-                          <a:srgbClr val="FF0000"/>
-                        </a:solidFill>
-                      </a:endParaRPr>
-                    </a:p>
-                  </a:txBody>
-                  <a:tcPr anchor="ctr" anchorCtr="1"/>
-                </a:tc>
-                <a:tc>
-                  <a:txBody>
-                    <a:bodyPr/>
-                    <a:lstStyle/>
-                    <a:p>
-                      <a:pPr algn="ctr"/>
-                      <a:endParaRPr lang="zh-CN" altLang="en-US" dirty="0">
-                        <a:solidFill>
-                          <a:srgbClr val="FF0000"/>
-                        </a:solidFill>
-                      </a:endParaRPr>
-                    </a:p>
-                  </a:txBody>
-                  <a:tcPr anchor="ctr" anchorCtr="1"/>
-                </a:tc>
-                <a:tc>
-                  <a:txBody>
-                    <a:bodyPr/>
-                    <a:lstStyle/>
-                    <a:p>
-                      <a:pPr algn="ctr"/>
-                      <a:endParaRPr lang="zh-CN" altLang="en-US">
-                        <a:solidFill>
-                          <a:srgbClr val="FF0000"/>
-                        </a:solidFill>
-                      </a:endParaRPr>
-                    </a:p>
-                  </a:txBody>
-                  <a:tcPr anchor="ctr" anchorCtr="1"/>
-                </a:tc>
-                <a:tc>
-                  <a:txBody>
-                    <a:bodyPr/>
-                    <a:lstStyle/>
-                    <a:p>
-                      <a:pPr algn="ctr"/>
-                      <a:endParaRPr lang="zh-CN" altLang="en-US">
-                        <a:solidFill>
-                          <a:srgbClr val="FF0000"/>
-                        </a:solidFill>
-                      </a:endParaRPr>
-                    </a:p>
-                  </a:txBody>
-                  <a:tcPr anchor="ctr" anchorCtr="1"/>
-                </a:tc>
-                <a:tc>
-                  <a:txBody>
-                    <a:bodyPr/>
-                    <a:lstStyle/>
-                    <a:p>
-                      <a:r>
-                        <a:rPr lang="en-US" altLang="zh-CN" dirty="0" smtClean="0">
-                          <a:solidFill>
-                            <a:srgbClr val="FF0000"/>
-                          </a:solidFill>
-                        </a:rPr>
-                        <a:t>20</a:t>
-                      </a:r>
-                      <a:endParaRPr lang="zh-CN" altLang="en-US" dirty="0">
-                        <a:solidFill>
-                          <a:srgbClr val="FF0000"/>
-                        </a:solidFill>
-                      </a:endParaRPr>
-                    </a:p>
-                  </a:txBody>
-                  <a:tcPr anchor="ctr" anchorCtr="1"/>
-                </a:tc>
-                <a:tc>
-                  <a:txBody>
-                    <a:bodyPr/>
-                    <a:lstStyle/>
-                    <a:p>
-                      <a:r>
-                        <a:rPr lang="en-US" altLang="zh-CN" dirty="0" smtClean="0">
-                          <a:solidFill>
-                            <a:srgbClr val="FF0000"/>
-                          </a:solidFill>
-                        </a:rPr>
-                        <a:t>1</a:t>
-                      </a:r>
-                      <a:endParaRPr lang="zh-CN" altLang="en-US" dirty="0">
-                        <a:solidFill>
-                          <a:srgbClr val="FF0000"/>
-                        </a:solidFill>
-                      </a:endParaRPr>
-                    </a:p>
-                  </a:txBody>
-                  <a:tcPr anchor="ctr" anchorCtr="1"/>
-                </a:tc>
-              </a:tr>
-              <a:tr h="370840">
-                <a:tc>
-                  <a:txBody>
-                    <a:bodyPr/>
-                    <a:lstStyle/>
-                    <a:p>
-                      <a:r>
-                        <a:rPr lang="zh-CN" altLang="en-US" sz="1400" dirty="0" smtClean="0">
-                          <a:solidFill>
-                            <a:srgbClr val="FF0000"/>
-                          </a:solidFill>
-                        </a:rPr>
-                        <a:t>睡前总结，为第二天规划</a:t>
-                      </a:r>
-                      <a:endParaRPr lang="zh-CN" altLang="en-US" sz="1400" dirty="0">
-                        <a:solidFill>
-                          <a:srgbClr val="FF0000"/>
-                        </a:solidFill>
-                      </a:endParaRPr>
-                    </a:p>
-                  </a:txBody>
-                  <a:tcPr/>
-                </a:tc>
-                <a:tc>
-                  <a:txBody>
-                    <a:bodyPr/>
-                    <a:lstStyle/>
-                    <a:p>
                       <a:pPr marL="0" marR="0" indent="0" algn="ctr" defTabSz="457200" rtl="0" eaLnBrk="1" fontAlgn="auto" latinLnBrk="0" hangingPunct="1">
                         <a:lnSpc>
                           <a:spcPct val="100000"/>
@@ -4009,6 +3863,60 @@
                     <a:bodyPr/>
                     <a:lstStyle/>
                     <a:p>
+                      <a:pPr algn="ctr"/>
+                      <a:endParaRPr lang="zh-CN" altLang="en-US" dirty="0">
+                        <a:solidFill>
+                          <a:srgbClr val="FF0000"/>
+                        </a:solidFill>
+                      </a:endParaRPr>
+                    </a:p>
+                  </a:txBody>
+                  <a:tcPr anchor="ctr" anchorCtr="1"/>
+                </a:tc>
+                <a:tc>
+                  <a:txBody>
+                    <a:bodyPr/>
+                    <a:lstStyle/>
+                    <a:p>
+                      <a:pPr algn="ctr"/>
+                      <a:endParaRPr lang="zh-CN" altLang="en-US" dirty="0">
+                        <a:solidFill>
+                          <a:srgbClr val="FF0000"/>
+                        </a:solidFill>
+                      </a:endParaRPr>
+                    </a:p>
+                  </a:txBody>
+                  <a:tcPr anchor="ctr" anchorCtr="1"/>
+                </a:tc>
+              </a:tr>
+              <a:tr h="370840">
+                <a:tc>
+                  <a:txBody>
+                    <a:bodyPr/>
+                    <a:lstStyle/>
+                    <a:p>
+                      <a:r>
+                        <a:rPr lang="zh-CN" altLang="en-US" sz="1400" dirty="0" smtClean="0">
+                          <a:solidFill>
+                            <a:srgbClr val="FF0000"/>
+                          </a:solidFill>
+                        </a:rPr>
+                        <a:t>运动半小时</a:t>
+                      </a:r>
+                      <a:endParaRPr lang="zh-CN" altLang="en-US" sz="1400" dirty="0">
+                        <a:solidFill>
+                          <a:srgbClr val="FF0000"/>
+                        </a:solidFill>
+                      </a:endParaRPr>
+                    </a:p>
+                  </a:txBody>
+                  <a:tcPr/>
+                </a:tc>
+                <a:tc>
+                  <a:txBody>
+                    <a:bodyPr/>
+                    <a:lstStyle/>
+                    <a:p>
                       <a:pPr marL="0" marR="0" indent="0" algn="ctr" defTabSz="457200" rtl="0" eaLnBrk="1" fontAlgn="auto" latinLnBrk="0" hangingPunct="1">
                         <a:lnSpc>
                           <a:spcPct val="100000"/>
@@ -4052,104 +3960,6 @@
                     <a:bodyPr/>
                     <a:lstStyle/>
                     <a:p>
-                      <a:pPr algn="ctr"/>
-                      <a:endParaRPr lang="zh-CN" altLang="en-US" dirty="0">
-                        <a:solidFill>
-                          <a:srgbClr val="FF0000"/>
-                        </a:solidFill>
-                      </a:endParaRPr>
-                    </a:p>
-                  </a:txBody>
-                  <a:tcPr anchor="ctr" anchorCtr="1"/>
-                </a:tc>
-                <a:tc>
-                  <a:txBody>
-                    <a:bodyPr/>
-                    <a:lstStyle/>
-                    <a:p>
-                      <a:pPr algn="ctr"/>
-                      <a:endParaRPr lang="zh-CN" altLang="en-US" dirty="0">
-                        <a:solidFill>
-                          <a:srgbClr val="FF0000"/>
-                        </a:solidFill>
-                      </a:endParaRPr>
-                    </a:p>
-                  </a:txBody>
-                  <a:tcPr anchor="ctr" anchorCtr="1"/>
-                </a:tc>
-                <a:tc>
-                  <a:txBody>
-                    <a:bodyPr/>
-                    <a:lstStyle/>
-                    <a:p>
-                      <a:r>
-                        <a:rPr lang="en-US" altLang="zh-CN" dirty="0" smtClean="0">
-                          <a:solidFill>
-                            <a:srgbClr val="FF0000"/>
-                          </a:solidFill>
-                        </a:rPr>
-                        <a:t>400</a:t>
-                      </a:r>
-                      <a:endParaRPr lang="zh-CN" altLang="en-US" dirty="0">
-                        <a:solidFill>
-                          <a:srgbClr val="FF0000"/>
-                        </a:solidFill>
-                      </a:endParaRPr>
-                    </a:p>
-                  </a:txBody>
-                  <a:tcPr anchor="ctr" anchorCtr="1"/>
-                </a:tc>
-                <a:tc>
-                  <a:txBody>
-                    <a:bodyPr/>
-                    <a:lstStyle/>
-                    <a:p>
-                      <a:r>
-                        <a:rPr lang="en-US" altLang="zh-CN" dirty="0" smtClean="0">
-                          <a:solidFill>
-                            <a:srgbClr val="FF0000"/>
-                          </a:solidFill>
-                        </a:rPr>
-                        <a:t>30</a:t>
-                      </a:r>
-                      <a:endParaRPr lang="zh-CN" altLang="en-US" dirty="0">
-                        <a:solidFill>
-                          <a:srgbClr val="FF0000"/>
-                        </a:solidFill>
-                      </a:endParaRPr>
-                    </a:p>
-                  </a:txBody>
-                  <a:tcPr anchor="ctr" anchorCtr="1"/>
-                </a:tc>
-              </a:tr>
-              <a:tr h="370840">
-                <a:tc>
-                  <a:txBody>
-                    <a:bodyPr/>
-                    <a:lstStyle/>
-                    <a:p>
-                      <a:r>
-                        <a:rPr lang="zh-CN" altLang="en-US" sz="1400" dirty="0" smtClean="0">
-                          <a:solidFill>
-                            <a:srgbClr val="FF0000"/>
-                          </a:solidFill>
-                        </a:rPr>
-                        <a:t>运动半小时</a:t>
-                      </a:r>
-                      <a:endParaRPr lang="zh-CN" altLang="en-US" sz="1400" dirty="0">
-                        <a:solidFill>
-                          <a:srgbClr val="FF0000"/>
-                        </a:solidFill>
-                      </a:endParaRPr>
-                    </a:p>
-                  </a:txBody>
-                  <a:tcPr/>
-                </a:tc>
-                <a:tc>
-                  <a:txBody>
-                    <a:bodyPr/>
-                    <a:lstStyle/>
-                    <a:p>
                       <a:pPr marL="0" marR="0" indent="0" algn="ctr" defTabSz="457200" rtl="0" eaLnBrk="1" fontAlgn="auto" latinLnBrk="0" hangingPunct="1">
                         <a:lnSpc>
                           <a:spcPct val="100000"/>
@@ -4279,6 +4089,117 @@
                     <a:bodyPr/>
                     <a:lstStyle/>
                     <a:p>
+                      <a:pPr algn="ctr"/>
+                      <a:endParaRPr lang="zh-CN" altLang="en-US" dirty="0">
+                        <a:solidFill>
+                          <a:srgbClr val="FF0000"/>
+                        </a:solidFill>
+                      </a:endParaRPr>
+                    </a:p>
+                  </a:txBody>
+                  <a:tcPr anchor="ctr" anchorCtr="1"/>
+                </a:tc>
+                <a:tc>
+                  <a:txBody>
+                    <a:bodyPr/>
+                    <a:lstStyle/>
+                    <a:p>
+                      <a:pPr algn="ctr"/>
+                      <a:endParaRPr lang="zh-CN" altLang="en-US" dirty="0">
+                        <a:solidFill>
+                          <a:srgbClr val="FF0000"/>
+                        </a:solidFill>
+                      </a:endParaRPr>
+                    </a:p>
+                  </a:txBody>
+                  <a:tcPr anchor="ctr" anchorCtr="1"/>
+                </a:tc>
+                <a:tc>
+                  <a:txBody>
+                    <a:bodyPr/>
+                    <a:lstStyle/>
+                    <a:p>
+                      <a:pPr algn="ctr"/>
+                      <a:endParaRPr lang="zh-CN" altLang="en-US" dirty="0">
+                        <a:solidFill>
+                          <a:srgbClr val="FF0000"/>
+                        </a:solidFill>
+                      </a:endParaRPr>
+                    </a:p>
+                  </a:txBody>
+                  <a:tcPr anchor="ctr" anchorCtr="1"/>
+                </a:tc>
+              </a:tr>
+              <a:tr h="370840">
+                <a:tc>
+                  <a:txBody>
+                    <a:bodyPr/>
+                    <a:lstStyle/>
+                    <a:p>
+                      <a:r>
+                        <a:rPr lang="zh-CN" altLang="en-US" sz="1400" dirty="0" smtClean="0">
+                          <a:solidFill>
+                            <a:srgbClr val="1F497D"/>
+                          </a:solidFill>
+                        </a:rPr>
+                        <a:t>看小说超过半小时</a:t>
+                      </a:r>
+                      <a:endParaRPr lang="zh-CN" altLang="en-US" sz="1400" dirty="0">
+                        <a:solidFill>
+                          <a:srgbClr val="1F497D"/>
+                        </a:solidFill>
+                      </a:endParaRPr>
+                    </a:p>
+                  </a:txBody>
+                  <a:tcPr/>
+                </a:tc>
+                <a:tc>
+                  <a:txBody>
+                    <a:bodyPr/>
+                    <a:lstStyle/>
+                    <a:p>
+                      <a:pPr algn="ctr"/>
+                      <a:r>
+                        <a:rPr lang="zh-CN" altLang="en-US" dirty="0" smtClean="0">
+                          <a:solidFill>
+                            <a:srgbClr val="1F497D"/>
+                          </a:solidFill>
+                          <a:latin typeface="Zapf Dingbats"/>
+                          <a:ea typeface="Zapf Dingbats"/>
+                          <a:cs typeface="Zapf Dingbats"/>
+                          <a:sym typeface="Zapf Dingbats"/>
+                        </a:rPr>
+                        <a:t>✖</a:t>
+                      </a:r>
+                      <a:endParaRPr lang="zh-CN" altLang="en-US" dirty="0">
+                        <a:solidFill>
+                          <a:srgbClr val="1F497D"/>
+                        </a:solidFill>
+                      </a:endParaRPr>
+                    </a:p>
+                  </a:txBody>
+                  <a:tcPr anchor="ctr" anchorCtr="1"/>
+                </a:tc>
+                <a:tc>
+                  <a:txBody>
+                    <a:bodyPr/>
+                    <a:lstStyle/>
+                    <a:p>
+                      <a:pPr algn="ctr"/>
+                      <a:endParaRPr lang="zh-CN" altLang="en-US" dirty="0">
+                        <a:solidFill>
+                          <a:srgbClr val="1F497D"/>
+                        </a:solidFill>
+                      </a:endParaRPr>
+                    </a:p>
+                  </a:txBody>
+                  <a:tcPr anchor="ctr" anchorCtr="1"/>
+                </a:tc>
+                <a:tc>
+                  <a:txBody>
+                    <a:bodyPr/>
+                    <a:lstStyle/>
+                    <a:p>
                       <a:pPr marL="0" marR="0" indent="0" algn="ctr" defTabSz="457200" rtl="0" eaLnBrk="1" fontAlgn="auto" latinLnBrk="0" hangingPunct="1">
                         <a:lnSpc>
                           <a:spcPct val="100000"/>
@@ -4297,146 +4218,6 @@
                         <a:defRPr/>
                       </a:pPr>
                       <a:r>
-                        <a:rPr lang="zh-CN" altLang="en-US" sz="1800" dirty="0" smtClean="0">
-                          <a:solidFill>
-                            <a:srgbClr val="FF0000"/>
-                          </a:solidFill>
-                          <a:latin typeface="Zapf Dingbats"/>
-                          <a:ea typeface="Zapf Dingbats"/>
-                          <a:cs typeface="Zapf Dingbats"/>
-                          <a:sym typeface="Zapf Dingbats"/>
-                        </a:rPr>
-                        <a:t>✔</a:t>
-                      </a:r>
-                      <a:endParaRPr lang="zh-CN" altLang="en-US" sz="1800" dirty="0" smtClean="0">
-                        <a:solidFill>
-                          <a:srgbClr val="FF0000"/>
-                        </a:solidFill>
-                      </a:endParaRPr>
-                    </a:p>
-                  </a:txBody>
-                  <a:tcPr anchor="ctr" anchorCtr="1"/>
-                </a:tc>
-                <a:tc>
-                  <a:txBody>
-                    <a:bodyPr/>
-                    <a:lstStyle/>
-                    <a:p>
-                      <a:pPr algn="ctr"/>
-                      <a:endParaRPr lang="zh-CN" altLang="en-US" dirty="0">
-                        <a:solidFill>
-                          <a:srgbClr val="FF0000"/>
-                        </a:solidFill>
-                      </a:endParaRPr>
-                    </a:p>
-                  </a:txBody>
-                  <a:tcPr anchor="ctr" anchorCtr="1"/>
-                </a:tc>
-                <a:tc>
-                  <a:txBody>
-                    <a:bodyPr/>
-                    <a:lstStyle/>
-                    <a:p>
-                      <a:pPr algn="ctr"/>
-                      <a:endParaRPr lang="zh-CN" altLang="en-US" dirty="0">
-                        <a:solidFill>
-                          <a:srgbClr val="FF0000"/>
-                        </a:solidFill>
-                      </a:endParaRPr>
-                    </a:p>
-                  </a:txBody>
-                  <a:tcPr anchor="ctr" anchorCtr="1"/>
-                </a:tc>
-                <a:tc>
-                  <a:txBody>
-                    <a:bodyPr/>
-                    <a:lstStyle/>
-                    <a:p>
-                      <a:pPr algn="ctr"/>
-                      <a:endParaRPr lang="zh-CN" altLang="en-US" dirty="0">
-                        <a:solidFill>
-                          <a:srgbClr val="FF0000"/>
-                        </a:solidFill>
-                      </a:endParaRPr>
-                    </a:p>
-                  </a:txBody>
-                  <a:tcPr anchor="ctr" anchorCtr="1"/>
-                </a:tc>
-                <a:tc>
-                  <a:txBody>
-                    <a:bodyPr/>
-                    <a:lstStyle/>
-                    <a:p>
-                      <a:r>
-                        <a:rPr lang="en-US" altLang="zh-CN" dirty="0" smtClean="0">
-                          <a:solidFill>
-                            <a:srgbClr val="FF0000"/>
-                          </a:solidFill>
-                        </a:rPr>
-                        <a:t>40</a:t>
-                      </a:r>
-                      <a:endParaRPr lang="zh-CN" altLang="en-US" dirty="0">
-                        <a:solidFill>
-                          <a:srgbClr val="FF0000"/>
-                        </a:solidFill>
-                      </a:endParaRPr>
-                    </a:p>
-                  </a:txBody>
-                  <a:tcPr anchor="ctr" anchorCtr="1"/>
-                </a:tc>
-                <a:tc>
-                  <a:txBody>
-                    <a:bodyPr/>
-                    <a:lstStyle/>
-                    <a:p>
-                      <a:r>
-                        <a:rPr lang="en-US" altLang="zh-CN" dirty="0" smtClean="0">
-                          <a:solidFill>
-                            <a:srgbClr val="FF0000"/>
-                          </a:solidFill>
-                        </a:rPr>
-                        <a:t>5</a:t>
-                      </a:r>
-                      <a:endParaRPr lang="zh-CN" altLang="en-US" dirty="0">
-                        <a:solidFill>
-                          <a:srgbClr val="FF0000"/>
-                        </a:solidFill>
-                      </a:endParaRPr>
-                    </a:p>
-                  </a:txBody>
-                  <a:tcPr anchor="ctr" anchorCtr="1"/>
-                </a:tc>
-              </a:tr>
-              <a:tr h="370840">
-                <a:tc>
-                  <a:txBody>
-                    <a:bodyPr/>
-                    <a:lstStyle/>
-                    <a:p>
-                      <a:r>
-                        <a:rPr lang="zh-CN" altLang="en-US" sz="1400" dirty="0" smtClean="0">
-                          <a:solidFill>
-                            <a:srgbClr val="1F497D"/>
-                          </a:solidFill>
-                        </a:rPr>
-                        <a:t>看小说超过半小时</a:t>
-                      </a:r>
-                      <a:endParaRPr lang="zh-CN" altLang="en-US" sz="1400" dirty="0">
-                        <a:solidFill>
-                          <a:srgbClr val="1F497D"/>
-                        </a:solidFill>
-                      </a:endParaRPr>
-                    </a:p>
-                  </a:txBody>
-                  <a:tcPr/>
-                </a:tc>
-                <a:tc>
-                  <a:txBody>
-                    <a:bodyPr/>
-                    <a:lstStyle/>
-                    <a:p>
-                      <a:pPr algn="ctr"/>
-                      <a:r>
                         <a:rPr lang="zh-CN" altLang="en-US" dirty="0" smtClean="0">
                           <a:solidFill>
                             <a:srgbClr val="1F497D"/>
@@ -4448,7 +4229,7 @@
                         </a:rPr>
                         <a:t>✖</a:t>
                       </a:r>
-                      <a:endParaRPr lang="zh-CN" altLang="en-US" dirty="0">
+                      <a:endParaRPr lang="zh-CN" altLang="en-US" dirty="0" smtClean="0">
                         <a:solidFill>
                           <a:srgbClr val="1F497D"/>
                         </a:solidFill>
@@ -4477,49 +4258,6 @@
                     <a:bodyPr/>
                     <a:lstStyle/>
                     <a:p>
-                      <a:pPr marL="0" marR="0" indent="0" algn="ctr" defTabSz="457200" rtl="0" eaLnBrk="1" fontAlgn="auto" latinLnBrk="0" hangingPunct="1">
-                        <a:lnSpc>
-                          <a:spcPct val="100000"/>
-                        </a:lnSpc>
-                        <a:spcBef>
-                          <a:spcPts val="0"/>
-                        </a:spcBef>
-                        <a:spcAft>
-                          <a:spcPts val="0"/>
-                        </a:spcAft>
-                        <a:buClrTx/>
-                        <a:buSzTx/>
-                        <a:buFontTx/>
-                        <a:buNone/>
-                        <a:tabLst/>
-                        <a:defRPr/>
-                      </a:pPr>
-                      <a:r>
-                        <a:rPr lang="zh-CN" altLang="en-US" dirty="0" smtClean="0">
-                          <a:solidFill>
-                            <a:srgbClr val="1F497D"/>
-                          </a:solidFill>
-                          <a:latin typeface="Zapf Dingbats"/>
-                          <a:ea typeface="Zapf Dingbats"/>
-                          <a:cs typeface="Zapf Dingbats"/>
-                          <a:sym typeface="Zapf Dingbats"/>
-                        </a:rPr>
-                        <a:t>✖</a:t>
-                      </a:r>
-                      <a:endParaRPr lang="zh-CN" altLang="en-US" dirty="0" smtClean="0">
-                        <a:solidFill>
-                          <a:srgbClr val="1F497D"/>
-                        </a:solidFill>
-                      </a:endParaRPr>
-                    </a:p>
-                  </a:txBody>
-                  <a:tcPr anchor="ctr" anchorCtr="1"/>
-                </a:tc>
-                <a:tc>
-                  <a:txBody>
-                    <a:bodyPr/>
-                    <a:lstStyle/>
-                    <a:p>
                       <a:pPr algn="ctr"/>
                       <a:endParaRPr lang="zh-CN" altLang="en-US" dirty="0">
                         <a:solidFill>
@@ -4560,65 +4298,6 @@
                   </a:txBody>
                   <a:tcPr anchor="ctr" anchorCtr="1"/>
                 </a:tc>
-                <a:tc>
-                  <a:txBody>
-                    <a:bodyPr/>
-                    <a:lstStyle/>
-                    <a:p>
-                      <a:pPr algn="ctr"/>
-                      <a:endParaRPr lang="zh-CN" altLang="en-US" dirty="0">
-                        <a:solidFill>
-                          <a:srgbClr val="1F497D"/>
-                        </a:solidFill>
-                      </a:endParaRPr>
-                    </a:p>
-                  </a:txBody>
-                  <a:tcPr anchor="ctr" anchorCtr="1"/>
-                </a:tc>
-                <a:tc>
-                  <a:txBody>
-                    <a:bodyPr/>
-                    <a:lstStyle/>
-                    <a:p>
-                      <a:r>
-                        <a:rPr lang="en-US" altLang="zh-CN" sz="1800" dirty="0" smtClean="0">
-                          <a:solidFill>
-                            <a:srgbClr val="000090"/>
-                          </a:solidFill>
-                        </a:rPr>
-                        <a:t>30</a:t>
-                      </a:r>
-                      <a:endParaRPr lang="zh-CN" altLang="en-US" sz="1800" dirty="0">
-                        <a:solidFill>
-                          <a:srgbClr val="000090"/>
-                        </a:solidFill>
-                      </a:endParaRPr>
-                    </a:p>
-                  </a:txBody>
-                  <a:tcPr anchor="ctr" anchorCtr="1"/>
-                </a:tc>
-                <a:tc>
-                  <a:txBody>
-                    <a:bodyPr/>
-                    <a:lstStyle/>
-                    <a:p>
-                      <a:r>
-                        <a:rPr lang="en-US" altLang="zh-CN" sz="1800" dirty="0" smtClean="0">
-                          <a:solidFill>
-                            <a:srgbClr val="000090"/>
-                          </a:solidFill>
-                        </a:rPr>
-                        <a:t>1</a:t>
-                      </a:r>
-                      <a:endParaRPr lang="zh-CN" altLang="en-US" sz="1800" dirty="0">
-                        <a:solidFill>
-                          <a:srgbClr val="000090"/>
-                        </a:solidFill>
-                      </a:endParaRPr>
-                    </a:p>
-                  </a:txBody>
-                  <a:tcPr anchor="ctr" anchorCtr="1"/>
-                </a:tc>
               </a:tr>
             </a:tbl>
           </a:graphicData>
@@ -4626,244 +4305,8 @@
       </p:graphicFrame>
       <p:sp>
         <p:nvSpPr>
-          <p:cNvPr id="7" name="右箭头 6"/>
-          <p:cNvSpPr/>
-          <p:nvPr/>
-        </p:nvSpPr>
-        <p:spPr>
-          <a:xfrm>
-            <a:off x="1815728" y="2713019"/>
-            <a:ext cx="246692" cy="129075"/>
-          </a:xfrm>
-          <a:prstGeom prst="rightArrow">
-            <a:avLst/>
-          </a:prstGeom>
-          <a:solidFill>
-            <a:schemeClr val="accent6">
-              <a:lumMod val="75000"/>
-            </a:schemeClr>
-          </a:solidFill>
-          <a:ln>
-            <a:noFill/>
-          </a:ln>
-        </p:spPr>
-        <p:style>
-          <a:lnRef idx="1">
-            <a:schemeClr val="accent1"/>
-          </a:lnRef>
-          <a:fillRef idx="3">
-            <a:schemeClr val="accent1"/>
-          </a:fillRef>
-          <a:effectRef idx="2">
-            <a:schemeClr val="accent1"/>
-          </a:effectRef>
-          <a:fontRef idx="minor">
-            <a:schemeClr val="lt1"/>
-          </a:fontRef>
-        </p:style>
-        <p:txBody>
-          <a:bodyPr rtlCol="0" anchor="ctr"/>
-          <a:lstStyle/>
-          <a:p>
-            <a:pPr algn="ctr"/>
-            <a:endParaRPr kumimoji="1" lang="zh-CN" altLang="en-US"/>
-          </a:p>
-        </p:txBody>
-      </p:sp>
-      <p:sp>
-        <p:nvSpPr>
-          <p:cNvPr id="8" name="右箭头 7"/>
-          <p:cNvSpPr/>
-          <p:nvPr/>
-        </p:nvSpPr>
-        <p:spPr>
-          <a:xfrm flipH="1">
-            <a:off x="887420" y="2713019"/>
-            <a:ext cx="246692" cy="129075"/>
-          </a:xfrm>
-          <a:prstGeom prst="rightArrow">
-            <a:avLst/>
-          </a:prstGeom>
-          <a:solidFill>
-            <a:schemeClr val="accent6">
-              <a:lumMod val="75000"/>
-            </a:schemeClr>
-          </a:solidFill>
-          <a:ln>
-            <a:noFill/>
-          </a:ln>
-        </p:spPr>
-        <p:style>
-          <a:lnRef idx="1">
-            <a:schemeClr val="accent1"/>
-          </a:lnRef>
-          <a:fillRef idx="3">
-            <a:schemeClr val="accent1"/>
-          </a:fillRef>
-          <a:effectRef idx="2">
-            <a:schemeClr val="accent1"/>
-          </a:effectRef>
-          <a:fontRef idx="minor">
-            <a:schemeClr val="lt1"/>
-          </a:fontRef>
-        </p:style>
-        <p:txBody>
-          <a:bodyPr rtlCol="0" anchor="ctr"/>
-          <a:lstStyle/>
-          <a:p>
-            <a:pPr algn="ctr"/>
-            <a:endParaRPr kumimoji="1" lang="zh-CN" altLang="en-US"/>
-          </a:p>
-        </p:txBody>
-      </p:sp>
-      <p:sp>
-        <p:nvSpPr>
-          <p:cNvPr id="9" name="椭圆 8"/>
-          <p:cNvSpPr/>
-          <p:nvPr/>
-        </p:nvSpPr>
-        <p:spPr>
-          <a:xfrm rot="2014728">
-            <a:off x="4966081" y="2441112"/>
-            <a:ext cx="538480" cy="642364"/>
-          </a:xfrm>
-          <a:prstGeom prst="ellipse">
-            <a:avLst/>
-          </a:prstGeom>
-          <a:noFill/>
-          <a:ln>
-            <a:solidFill>
-              <a:srgbClr val="FF0000"/>
-            </a:solidFill>
-          </a:ln>
-        </p:spPr>
-        <p:style>
-          <a:lnRef idx="1">
-            <a:schemeClr val="accent1"/>
-          </a:lnRef>
-          <a:fillRef idx="3">
-            <a:schemeClr val="accent1"/>
-          </a:fillRef>
-          <a:effectRef idx="2">
-            <a:schemeClr val="accent1"/>
-          </a:effectRef>
-          <a:fontRef idx="minor">
-            <a:schemeClr val="lt1"/>
-          </a:fontRef>
-        </p:style>
-        <p:txBody>
-          <a:bodyPr/>
-          <a:lstStyle/>
-          <a:p>
-            <a:endParaRPr lang="zh-CN" altLang="en-US"/>
-          </a:p>
-        </p:txBody>
-      </p:sp>
-      <p:sp>
-        <p:nvSpPr>
-          <p:cNvPr id="17" name="圆角矩形 16"/>
-          <p:cNvSpPr/>
-          <p:nvPr/>
-        </p:nvSpPr>
-        <p:spPr>
-          <a:xfrm>
-            <a:off x="1251415" y="2700630"/>
-            <a:ext cx="458996" cy="179658"/>
-          </a:xfrm>
-          <a:prstGeom prst="roundRect">
-            <a:avLst/>
-          </a:prstGeom>
-          <a:solidFill>
-            <a:srgbClr val="FFFF00"/>
-          </a:solidFill>
-        </p:spPr>
-        <p:style>
-          <a:lnRef idx="1">
-            <a:schemeClr val="accent1"/>
-          </a:lnRef>
-          <a:fillRef idx="3">
-            <a:schemeClr val="accent1"/>
-          </a:fillRef>
-          <a:effectRef idx="2">
-            <a:schemeClr val="accent1"/>
-          </a:effectRef>
-          <a:fontRef idx="minor">
-            <a:schemeClr val="lt1"/>
-          </a:fontRef>
-        </p:style>
-        <p:txBody>
-          <a:bodyPr lIns="0" tIns="0" rIns="0" bIns="0" rtlCol="0" anchor="ctr" anchorCtr="1">
-            <a:normAutofit fontScale="77500" lnSpcReduction="20000"/>
-          </a:bodyPr>
-          <a:lstStyle/>
-          <a:p>
-            <a:pPr algn="ctr"/>
-            <a:r>
-              <a:rPr kumimoji="1" lang="zh-CN" altLang="en-US" sz="1400" dirty="0" smtClean="0">
-                <a:solidFill>
-                  <a:schemeClr val="tx1">
-                    <a:lumMod val="50000"/>
-                    <a:lumOff val="50000"/>
-                  </a:schemeClr>
-                </a:solidFill>
-              </a:rPr>
-              <a:t>回今天</a:t>
-            </a:r>
-            <a:endParaRPr kumimoji="1" lang="zh-CN" altLang="en-US" sz="1400" dirty="0">
-              <a:solidFill>
-                <a:schemeClr val="tx1">
-                  <a:lumMod val="50000"/>
-                  <a:lumOff val="50000"/>
-                </a:schemeClr>
-              </a:solidFill>
-            </a:endParaRPr>
-          </a:p>
-        </p:txBody>
-      </p:sp>
-      <p:sp>
-        <p:nvSpPr>
-          <p:cNvPr id="20" name="多文档 19">
-            <a:hlinkClick r:id="rId3" action="ppaction://hlinksldjump"/>
-          </p:cNvPr>
-          <p:cNvSpPr/>
-          <p:nvPr/>
-        </p:nvSpPr>
-        <p:spPr>
-          <a:xfrm>
-            <a:off x="7645735" y="1956234"/>
-            <a:ext cx="278762" cy="335165"/>
-          </a:xfrm>
-          <a:prstGeom prst="flowChartMultidocument">
-            <a:avLst/>
-          </a:prstGeom>
-        </p:spPr>
-        <p:style>
-          <a:lnRef idx="1">
-            <a:schemeClr val="accent1"/>
-          </a:lnRef>
-          <a:fillRef idx="3">
-            <a:schemeClr val="accent1"/>
-          </a:fillRef>
-          <a:effectRef idx="2">
-            <a:schemeClr val="accent1"/>
-          </a:effectRef>
-          <a:fontRef idx="minor">
-            <a:schemeClr val="lt1"/>
-          </a:fontRef>
-        </p:style>
-        <p:txBody>
-          <a:bodyPr rtlCol="0" anchor="ctr"/>
-          <a:lstStyle/>
-          <a:p>
-            <a:pPr algn="ctr"/>
-            <a:endParaRPr kumimoji="1" lang="zh-CN" altLang="en-US"/>
-          </a:p>
-        </p:txBody>
-      </p:sp>
-      <p:sp>
-        <p:nvSpPr>
           <p:cNvPr id="21" name="矩形 20">
-            <a:hlinkClick r:id="rId4" action="ppaction://hlinksldjump"/>
+            <a:hlinkClick r:id="rId2" action="ppaction://hlinksldjump"/>
           </p:cNvPr>
           <p:cNvSpPr/>
           <p:nvPr/>
@@ -4916,7 +4359,7 @@
       <p:sp>
         <p:nvSpPr>
           <p:cNvPr id="22" name="矩形 21">
-            <a:hlinkClick r:id="rId5" action="ppaction://hlinksldjump"/>
+            <a:hlinkClick r:id="rId3" action="ppaction://hlinksldjump"/>
           </p:cNvPr>
           <p:cNvSpPr/>
           <p:nvPr/>
@@ -4968,21 +4411,19 @@
       </p:sp>
       <p:sp>
         <p:nvSpPr>
-          <p:cNvPr id="23" name="椭圆形标注 22"/>
+          <p:cNvPr id="13" name="矩形 12"/>
           <p:cNvSpPr/>
           <p:nvPr/>
         </p:nvSpPr>
         <p:spPr>
           <a:xfrm>
-            <a:off x="1438101" y="1649910"/>
-            <a:ext cx="1248637" cy="612648"/>
+            <a:off x="1585834" y="4158357"/>
+            <a:ext cx="2184709" cy="408127"/>
           </a:xfrm>
-          <a:prstGeom prst="wedgeEllipseCallout">
-            <a:avLst>
-              <a:gd name="adj1" fmla="val -45721"/>
-              <a:gd name="adj2" fmla="val 130859"/>
-            </a:avLst>
+          <a:prstGeom prst="rect">
+            <a:avLst/>
           </a:prstGeom>
+          <a:noFill/>
         </p:spPr>
         <p:style>
           <a:lnRef idx="1">
@@ -4999,15 +4440,448 @@
           </a:fontRef>
         </p:style>
         <p:txBody>
-          <a:bodyPr rtlCol="0" anchor="ctr"/>
+          <a:bodyPr lIns="36000" rIns="36000" rtlCol="0" anchor="ctr"/>
+          <a:lstStyle/>
+          <a:p>
+            <a:r>
+              <a:rPr kumimoji="1" lang="zh-CN" altLang="en-US" sz="1600" dirty="0" smtClean="0">
+                <a:solidFill>
+                  <a:srgbClr val="7F7F7F"/>
+                </a:solidFill>
+              </a:rPr>
+              <a:t>用户名或手机号或邮箱</a:t>
+            </a:r>
+            <a:endParaRPr kumimoji="1" lang="zh-CN" altLang="en-US" sz="1600" dirty="0">
+              <a:solidFill>
+                <a:srgbClr val="7F7F7F"/>
+              </a:solidFill>
+            </a:endParaRPr>
+          </a:p>
+        </p:txBody>
+      </p:sp>
+      <p:sp>
+        <p:nvSpPr>
+          <p:cNvPr id="14" name="矩形 13"/>
+          <p:cNvSpPr/>
+          <p:nvPr/>
+        </p:nvSpPr>
+        <p:spPr>
+          <a:xfrm>
+            <a:off x="1585834" y="5040295"/>
+            <a:ext cx="2184709" cy="408127"/>
+          </a:xfrm>
+          <a:prstGeom prst="rect">
+            <a:avLst/>
+          </a:prstGeom>
+          <a:noFill/>
+        </p:spPr>
+        <p:style>
+          <a:lnRef idx="1">
+            <a:schemeClr val="accent1"/>
+          </a:lnRef>
+          <a:fillRef idx="3">
+            <a:schemeClr val="accent1"/>
+          </a:fillRef>
+          <a:effectRef idx="2">
+            <a:schemeClr val="accent1"/>
+          </a:effectRef>
+          <a:fontRef idx="minor">
+            <a:schemeClr val="lt1"/>
+          </a:fontRef>
+        </p:style>
+        <p:txBody>
+          <a:bodyPr lIns="36000" rIns="36000" rtlCol="0" anchor="ctr"/>
+          <a:lstStyle/>
+          <a:p>
+            <a:r>
+              <a:rPr kumimoji="1" lang="zh-CN" altLang="en-US" sz="1600" dirty="0" smtClean="0">
+                <a:solidFill>
+                  <a:srgbClr val="7F7F7F"/>
+                </a:solidFill>
+              </a:rPr>
+              <a:t>密码</a:t>
+            </a:r>
+            <a:endParaRPr kumimoji="1" lang="zh-CN" altLang="en-US" sz="1600" dirty="0">
+              <a:solidFill>
+                <a:srgbClr val="7F7F7F"/>
+              </a:solidFill>
+            </a:endParaRPr>
+          </a:p>
+        </p:txBody>
+      </p:sp>
+      <p:sp>
+        <p:nvSpPr>
+          <p:cNvPr id="15" name="矩形 14"/>
+          <p:cNvSpPr/>
+          <p:nvPr/>
+        </p:nvSpPr>
+        <p:spPr>
+          <a:xfrm>
+            <a:off x="1674747" y="5830643"/>
+            <a:ext cx="630871" cy="408127"/>
+          </a:xfrm>
+          <a:prstGeom prst="rect">
+            <a:avLst/>
+          </a:prstGeom>
+          <a:noFill/>
+        </p:spPr>
+        <p:style>
+          <a:lnRef idx="1">
+            <a:schemeClr val="accent1"/>
+          </a:lnRef>
+          <a:fillRef idx="3">
+            <a:schemeClr val="accent1"/>
+          </a:fillRef>
+          <a:effectRef idx="2">
+            <a:schemeClr val="accent1"/>
+          </a:effectRef>
+          <a:fontRef idx="minor">
+            <a:schemeClr val="lt1"/>
+          </a:fontRef>
+        </p:style>
+        <p:txBody>
+          <a:bodyPr lIns="36000" rIns="36000" rtlCol="0" anchor="ctr"/>
           <a:lstStyle/>
           <a:p>
             <a:pPr algn="ctr"/>
             <a:r>
-              <a:rPr kumimoji="1" lang="zh-CN" altLang="en-US" sz="1100" dirty="0" smtClean="0"/>
-              <a:t>今天没有在界面上时展示</a:t>
-            </a:r>
-            <a:endParaRPr kumimoji="1" lang="zh-CN" altLang="en-US" sz="1100" dirty="0"/>
+              <a:rPr kumimoji="1" lang="zh-CN" altLang="en-US" dirty="0" smtClean="0">
+                <a:solidFill>
+                  <a:srgbClr val="008000"/>
+                </a:solidFill>
+              </a:rPr>
+              <a:t>登录</a:t>
+            </a:r>
+            <a:endParaRPr kumimoji="1" lang="zh-CN" altLang="en-US" dirty="0">
+              <a:solidFill>
+                <a:srgbClr val="008000"/>
+              </a:solidFill>
+            </a:endParaRPr>
+          </a:p>
+        </p:txBody>
+      </p:sp>
+      <p:sp>
+        <p:nvSpPr>
+          <p:cNvPr id="16" name="矩形 15"/>
+          <p:cNvSpPr/>
+          <p:nvPr/>
+        </p:nvSpPr>
+        <p:spPr>
+          <a:xfrm>
+            <a:off x="2587304" y="5861906"/>
+            <a:ext cx="1371692" cy="408127"/>
+          </a:xfrm>
+          <a:prstGeom prst="rect">
+            <a:avLst/>
+          </a:prstGeom>
+          <a:noFill/>
+          <a:ln>
+            <a:noFill/>
+          </a:ln>
+        </p:spPr>
+        <p:style>
+          <a:lnRef idx="1">
+            <a:schemeClr val="accent1"/>
+          </a:lnRef>
+          <a:fillRef idx="3">
+            <a:schemeClr val="accent1"/>
+          </a:fillRef>
+          <a:effectRef idx="2">
+            <a:schemeClr val="accent1"/>
+          </a:effectRef>
+          <a:fontRef idx="minor">
+            <a:schemeClr val="lt1"/>
+          </a:fontRef>
+        </p:style>
+        <p:txBody>
+          <a:bodyPr lIns="36000" rIns="36000" rtlCol="0" anchor="ctr"/>
+          <a:lstStyle/>
+          <a:p>
+            <a:pPr algn="ctr"/>
+            <a:r>
+              <a:rPr kumimoji="1" lang="zh-CN" altLang="en-US" sz="1400" dirty="0" smtClean="0">
+                <a:solidFill>
+                  <a:srgbClr val="008000"/>
+                </a:solidFill>
+              </a:rPr>
+              <a:t>没有账号？</a:t>
+            </a:r>
+            <a:r>
+              <a:rPr kumimoji="1" lang="zh-CN" altLang="en-US" sz="1400" u="sng" dirty="0" smtClean="0">
+                <a:solidFill>
+                  <a:srgbClr val="008000"/>
+                </a:solidFill>
+              </a:rPr>
+              <a:t>注册</a:t>
+            </a:r>
+            <a:endParaRPr kumimoji="1" lang="zh-CN" altLang="en-US" sz="1400" u="sng" dirty="0">
+              <a:solidFill>
+                <a:srgbClr val="008000"/>
+              </a:solidFill>
+            </a:endParaRPr>
+          </a:p>
+        </p:txBody>
+      </p:sp>
+      <p:sp>
+        <p:nvSpPr>
+          <p:cNvPr id="18" name="矩形 17"/>
+          <p:cNvSpPr/>
+          <p:nvPr/>
+        </p:nvSpPr>
+        <p:spPr>
+          <a:xfrm>
+            <a:off x="5244634" y="4230042"/>
+            <a:ext cx="2184709" cy="408127"/>
+          </a:xfrm>
+          <a:prstGeom prst="rect">
+            <a:avLst/>
+          </a:prstGeom>
+          <a:noFill/>
+        </p:spPr>
+        <p:style>
+          <a:lnRef idx="1">
+            <a:schemeClr val="accent1"/>
+          </a:lnRef>
+          <a:fillRef idx="3">
+            <a:schemeClr val="accent1"/>
+          </a:fillRef>
+          <a:effectRef idx="2">
+            <a:schemeClr val="accent1"/>
+          </a:effectRef>
+          <a:fontRef idx="minor">
+            <a:schemeClr val="lt1"/>
+          </a:fontRef>
+        </p:style>
+        <p:txBody>
+          <a:bodyPr lIns="36000" rIns="36000" rtlCol="0" anchor="ctr"/>
+          <a:lstStyle/>
+          <a:p>
+            <a:r>
+              <a:rPr kumimoji="1" lang="zh-CN" altLang="en-US" sz="1600" dirty="0" smtClean="0">
+                <a:solidFill>
+                  <a:srgbClr val="7F7F7F"/>
+                </a:solidFill>
+              </a:rPr>
+              <a:t>用户名</a:t>
+            </a:r>
+            <a:endParaRPr kumimoji="1" lang="zh-CN" altLang="en-US" sz="1600" dirty="0">
+              <a:solidFill>
+                <a:srgbClr val="7F7F7F"/>
+              </a:solidFill>
+            </a:endParaRPr>
+          </a:p>
+        </p:txBody>
+      </p:sp>
+      <p:sp>
+        <p:nvSpPr>
+          <p:cNvPr id="19" name="矩形 18"/>
+          <p:cNvSpPr/>
+          <p:nvPr/>
+        </p:nvSpPr>
+        <p:spPr>
+          <a:xfrm>
+            <a:off x="5244634" y="5463240"/>
+            <a:ext cx="2184709" cy="408127"/>
+          </a:xfrm>
+          <a:prstGeom prst="rect">
+            <a:avLst/>
+          </a:prstGeom>
+          <a:noFill/>
+        </p:spPr>
+        <p:style>
+          <a:lnRef idx="1">
+            <a:schemeClr val="accent1"/>
+          </a:lnRef>
+          <a:fillRef idx="3">
+            <a:schemeClr val="accent1"/>
+          </a:fillRef>
+          <a:effectRef idx="2">
+            <a:schemeClr val="accent1"/>
+          </a:effectRef>
+          <a:fontRef idx="minor">
+            <a:schemeClr val="lt1"/>
+          </a:fontRef>
+        </p:style>
+        <p:txBody>
+          <a:bodyPr lIns="36000" rIns="36000" rtlCol="0" anchor="ctr"/>
+          <a:lstStyle/>
+          <a:p>
+            <a:r>
+              <a:rPr kumimoji="1" lang="zh-CN" altLang="en-US" sz="1600" dirty="0" smtClean="0">
+                <a:solidFill>
+                  <a:srgbClr val="7F7F7F"/>
+                </a:solidFill>
+              </a:rPr>
+              <a:t>密码</a:t>
+            </a:r>
+            <a:endParaRPr kumimoji="1" lang="zh-CN" altLang="en-US" sz="1600" dirty="0">
+              <a:solidFill>
+                <a:srgbClr val="7F7F7F"/>
+              </a:solidFill>
+            </a:endParaRPr>
+          </a:p>
+        </p:txBody>
+      </p:sp>
+      <p:sp>
+        <p:nvSpPr>
+          <p:cNvPr id="24" name="矩形 23"/>
+          <p:cNvSpPr/>
+          <p:nvPr/>
+        </p:nvSpPr>
+        <p:spPr>
+          <a:xfrm>
+            <a:off x="5248402" y="6284575"/>
+            <a:ext cx="630871" cy="408127"/>
+          </a:xfrm>
+          <a:prstGeom prst="rect">
+            <a:avLst/>
+          </a:prstGeom>
+          <a:noFill/>
+        </p:spPr>
+        <p:style>
+          <a:lnRef idx="1">
+            <a:schemeClr val="accent1"/>
+          </a:lnRef>
+          <a:fillRef idx="3">
+            <a:schemeClr val="accent1"/>
+          </a:fillRef>
+          <a:effectRef idx="2">
+            <a:schemeClr val="accent1"/>
+          </a:effectRef>
+          <a:fontRef idx="minor">
+            <a:schemeClr val="lt1"/>
+          </a:fontRef>
+        </p:style>
+        <p:txBody>
+          <a:bodyPr lIns="36000" rIns="36000" rtlCol="0" anchor="ctr"/>
+          <a:lstStyle/>
+          <a:p>
+            <a:pPr algn="ctr"/>
+            <a:r>
+              <a:rPr kumimoji="1" lang="zh-CN" altLang="en-US" dirty="0" smtClean="0">
+                <a:solidFill>
+                  <a:srgbClr val="008000"/>
+                </a:solidFill>
+              </a:rPr>
+              <a:t>注册</a:t>
+            </a:r>
+            <a:endParaRPr kumimoji="1" lang="zh-CN" altLang="en-US" dirty="0">
+              <a:solidFill>
+                <a:srgbClr val="008000"/>
+              </a:solidFill>
+            </a:endParaRPr>
+          </a:p>
+        </p:txBody>
+      </p:sp>
+      <p:sp>
+        <p:nvSpPr>
+          <p:cNvPr id="25" name="矩形 24"/>
+          <p:cNvSpPr/>
+          <p:nvPr/>
+        </p:nvSpPr>
+        <p:spPr>
+          <a:xfrm>
+            <a:off x="6160959" y="6315838"/>
+            <a:ext cx="1439250" cy="408127"/>
+          </a:xfrm>
+          <a:prstGeom prst="rect">
+            <a:avLst/>
+          </a:prstGeom>
+          <a:noFill/>
+          <a:ln>
+            <a:noFill/>
+          </a:ln>
+        </p:spPr>
+        <p:style>
+          <a:lnRef idx="1">
+            <a:schemeClr val="accent1"/>
+          </a:lnRef>
+          <a:fillRef idx="3">
+            <a:schemeClr val="accent1"/>
+          </a:fillRef>
+          <a:effectRef idx="2">
+            <a:schemeClr val="accent1"/>
+          </a:effectRef>
+          <a:fontRef idx="minor">
+            <a:schemeClr val="lt1"/>
+          </a:fontRef>
+        </p:style>
+        <p:txBody>
+          <a:bodyPr lIns="36000" rIns="36000" rtlCol="0" anchor="ctr"/>
+          <a:lstStyle/>
+          <a:p>
+            <a:pPr algn="ctr"/>
+            <a:r>
+              <a:rPr kumimoji="1" lang="zh-CN" altLang="en-US" sz="1400" dirty="0" smtClean="0">
+                <a:solidFill>
+                  <a:srgbClr val="008000"/>
+                </a:solidFill>
+              </a:rPr>
+              <a:t>已有账号？</a:t>
+            </a:r>
+            <a:r>
+              <a:rPr kumimoji="1" lang="zh-CN" altLang="en-US" sz="1400" u="sng" dirty="0" smtClean="0">
+                <a:solidFill>
+                  <a:srgbClr val="008000"/>
+                </a:solidFill>
+              </a:rPr>
+              <a:t>登录</a:t>
+            </a:r>
+            <a:endParaRPr kumimoji="1" lang="zh-CN" altLang="en-US" sz="1400" u="sng" dirty="0">
+              <a:solidFill>
+                <a:srgbClr val="008000"/>
+              </a:solidFill>
+            </a:endParaRPr>
+          </a:p>
+        </p:txBody>
+      </p:sp>
+      <p:sp>
+        <p:nvSpPr>
+          <p:cNvPr id="26" name="矩形 25"/>
+          <p:cNvSpPr/>
+          <p:nvPr/>
+        </p:nvSpPr>
+        <p:spPr>
+          <a:xfrm>
+            <a:off x="5248402" y="4828272"/>
+            <a:ext cx="2184709" cy="408127"/>
+          </a:xfrm>
+          <a:prstGeom prst="rect">
+            <a:avLst/>
+          </a:prstGeom>
+          <a:noFill/>
+        </p:spPr>
+        <p:style>
+          <a:lnRef idx="1">
+            <a:schemeClr val="accent1"/>
+          </a:lnRef>
+          <a:fillRef idx="3">
+            <a:schemeClr val="accent1"/>
+          </a:fillRef>
+          <a:effectRef idx="2">
+            <a:schemeClr val="accent1"/>
+          </a:effectRef>
+          <a:fontRef idx="minor">
+            <a:schemeClr val="lt1"/>
+          </a:fontRef>
+        </p:style>
+        <p:txBody>
+          <a:bodyPr lIns="36000" rIns="36000" rtlCol="0" anchor="ctr"/>
+          <a:lstStyle/>
+          <a:p>
+            <a:r>
+              <a:rPr kumimoji="1" lang="zh-CN" altLang="en-US" sz="1600" dirty="0" smtClean="0">
+                <a:solidFill>
+                  <a:srgbClr val="7F7F7F"/>
+                </a:solidFill>
+              </a:rPr>
+              <a:t>邮箱</a:t>
+            </a:r>
+            <a:endParaRPr kumimoji="1" lang="zh-CN" altLang="en-US" sz="1600" dirty="0">
+              <a:solidFill>
+                <a:srgbClr val="7F7F7F"/>
+              </a:solidFill>
+            </a:endParaRPr>
           </a:p>
         </p:txBody>
       </p:sp>
@@ -5024,7 +4898,7 @@
   <p:timing>
     <p:tnLst>
       <p:par>
-        <p:cTn xmlns:p14="http://schemas.microsoft.com/office/powerpoint/2010/main" id="1" dur="indefinite" restart="never" nodeType="tmRoot"/>
+        <p:cTn id="1" dur="indefinite" restart="never" nodeType="tmRoot"/>
       </p:par>
     </p:tnLst>
   </p:timing>
@@ -5143,7 +5017,7 @@
         </p:nvGraphicFramePr>
         <p:xfrm>
           <a:off x="640393" y="2470393"/>
-          <a:ext cx="7617468" cy="2387599"/>
+          <a:ext cx="7617468" cy="2387600"/>
         </p:xfrm>
         <a:graphic>
           <a:graphicData uri="http://schemas.openxmlformats.org/drawingml/2006/table">
@@ -5291,11 +5165,7 @@
                       </a:r>
                       <a:r>
                         <a:rPr lang="en-US" altLang="zh-CN" sz="1600" b="0" dirty="0" smtClean="0"/>
-                        <a:t>.</a:t>
-                      </a:r>
-                      <a:r>
-                        <a:rPr lang="en-US" altLang="zh-CN" sz="1600" b="0" dirty="0" smtClean="0"/>
-                        <a:t>27</a:t>
+                        <a:t>.27</a:t>
                       </a:r>
                       <a:endParaRPr lang="zh-CN" altLang="en-US" sz="1600" b="0" dirty="0" smtClean="0"/>
                     </a:p>
@@ -6896,7 +6766,7 @@
   <p:timing>
     <p:tnLst>
       <p:par>
-        <p:cTn xmlns:p14="http://schemas.microsoft.com/office/powerpoint/2010/main" id="1" dur="indefinite" restart="never" nodeType="tmRoot"/>
+        <p:cTn id="1" dur="indefinite" restart="never" nodeType="tmRoot"/>
       </p:par>
     </p:tnLst>
   </p:timing>
@@ -6937,7 +6807,7 @@
           <a:p>
             <a:r>
               <a:rPr kumimoji="1" lang="zh-CN" altLang="en-US" dirty="0" smtClean="0"/>
-              <a:t>新增目标</a:t>
+              <a:t>新增项目</a:t>
             </a:r>
             <a:endParaRPr kumimoji="1" lang="zh-CN" altLang="en-US" dirty="0"/>
           </a:p>
@@ -7378,14 +7248,14 @@
           <a:p>
             <a:pPr algn="ctr"/>
             <a:r>
-              <a:rPr kumimoji="1" lang="zh-CN" altLang="en-US" dirty="0" smtClean="0">
+              <a:rPr kumimoji="1" lang="zh-CN" altLang="en-US" strike="sngStrike" dirty="0" smtClean="0">
                 <a:solidFill>
                   <a:srgbClr val="008000"/>
                 </a:solidFill>
               </a:rPr>
               <a:t>休息时间</a:t>
             </a:r>
-            <a:endParaRPr kumimoji="1" lang="zh-CN" altLang="en-US" dirty="0">
+            <a:endParaRPr kumimoji="1" lang="zh-CN" altLang="en-US" strike="sngStrike" dirty="0">
               <a:solidFill>
                 <a:srgbClr val="008000"/>
               </a:solidFill>
@@ -7432,7 +7302,7 @@
           <a:p>
             <a:pPr algn="ctr"/>
             <a:r>
-              <a:rPr lang="zh-CN" altLang="en-US" sz="1400" b="0" i="0" dirty="0" smtClean="0">
+              <a:rPr lang="zh-CN" altLang="en-US" sz="1400" b="0" i="0" strike="sngStrike" dirty="0" smtClean="0">
                 <a:solidFill>
                   <a:schemeClr val="tx1"/>
                 </a:solidFill>
@@ -7443,14 +7313,14 @@
               <a:t>☐</a:t>
             </a:r>
             <a:r>
-              <a:rPr kumimoji="1" lang="zh-CN" altLang="en-US" sz="1400" dirty="0" smtClean="0">
+              <a:rPr kumimoji="1" lang="zh-CN" altLang="en-US" sz="1400" strike="sngStrike" dirty="0" smtClean="0">
                 <a:solidFill>
                   <a:srgbClr val="008000"/>
                 </a:solidFill>
               </a:rPr>
               <a:t>周一</a:t>
             </a:r>
-            <a:endParaRPr kumimoji="1" lang="zh-CN" altLang="en-US" sz="1400" dirty="0">
+            <a:endParaRPr kumimoji="1" lang="zh-CN" altLang="en-US" sz="1400" strike="sngStrike" dirty="0">
               <a:solidFill>
                 <a:srgbClr val="008000"/>
               </a:solidFill>
@@ -7497,7 +7367,7 @@
           <a:p>
             <a:pPr algn="ctr"/>
             <a:r>
-              <a:rPr lang="zh-CN" altLang="en-US" sz="1400" b="0" i="0" dirty="0" smtClean="0">
+              <a:rPr lang="zh-CN" altLang="en-US" sz="1400" b="0" i="0" strike="sngStrike" dirty="0" smtClean="0">
                 <a:solidFill>
                   <a:srgbClr val="000000"/>
                 </a:solidFill>
@@ -7508,14 +7378,14 @@
               <a:t></a:t>
             </a:r>
             <a:r>
-              <a:rPr kumimoji="1" lang="zh-CN" altLang="en-US" sz="1400" dirty="0" smtClean="0">
+              <a:rPr kumimoji="1" lang="zh-CN" altLang="en-US" sz="1400" strike="sngStrike" dirty="0" smtClean="0">
                 <a:solidFill>
                   <a:srgbClr val="008000"/>
                 </a:solidFill>
               </a:rPr>
               <a:t>周六</a:t>
             </a:r>
-            <a:endParaRPr kumimoji="1" lang="zh-CN" altLang="en-US" sz="1400" dirty="0">
+            <a:endParaRPr kumimoji="1" lang="zh-CN" altLang="en-US" sz="1400" strike="sngStrike" dirty="0">
               <a:solidFill>
                 <a:srgbClr val="008000"/>
               </a:solidFill>
@@ -7562,7 +7432,7 @@
           <a:p>
             <a:pPr algn="ctr"/>
             <a:r>
-              <a:rPr lang="zh-CN" altLang="en-US" sz="1400" b="0" i="0" dirty="0" smtClean="0">
+              <a:rPr lang="zh-CN" altLang="en-US" sz="1400" b="0" i="0" strike="sngStrike" dirty="0" smtClean="0">
                 <a:solidFill>
                   <a:srgbClr val="000000"/>
                 </a:solidFill>
@@ -7573,14 +7443,14 @@
               <a:t></a:t>
             </a:r>
             <a:r>
-              <a:rPr kumimoji="1" lang="zh-CN" altLang="en-US" sz="1400" dirty="0" smtClean="0">
+              <a:rPr kumimoji="1" lang="zh-CN" altLang="en-US" sz="1400" strike="sngStrike" dirty="0" smtClean="0">
                 <a:solidFill>
                   <a:srgbClr val="008000"/>
                 </a:solidFill>
               </a:rPr>
               <a:t>周日</a:t>
             </a:r>
-            <a:endParaRPr kumimoji="1" lang="zh-CN" altLang="en-US" sz="1400" dirty="0">
+            <a:endParaRPr kumimoji="1" lang="zh-CN" altLang="en-US" sz="1400" strike="sngStrike" dirty="0">
               <a:solidFill>
                 <a:srgbClr val="008000"/>
               </a:solidFill>
@@ -7627,7 +7497,7 @@
           <a:p>
             <a:pPr algn="ctr"/>
             <a:r>
-              <a:rPr lang="zh-CN" altLang="en-US" sz="1400" b="0" i="0" dirty="0" smtClean="0">
+              <a:rPr lang="zh-CN" altLang="en-US" sz="1400" b="0" i="0" strike="sngStrike" dirty="0" smtClean="0">
                 <a:solidFill>
                   <a:schemeClr val="tx1"/>
                 </a:solidFill>
@@ -7638,14 +7508,14 @@
               <a:t>☐</a:t>
             </a:r>
             <a:r>
-              <a:rPr kumimoji="1" lang="zh-CN" altLang="en-US" sz="1400" dirty="0" smtClean="0">
+              <a:rPr kumimoji="1" lang="zh-CN" altLang="en-US" sz="1400" strike="sngStrike" dirty="0" smtClean="0">
                 <a:solidFill>
                   <a:srgbClr val="008000"/>
                 </a:solidFill>
               </a:rPr>
               <a:t>周二</a:t>
             </a:r>
-            <a:endParaRPr kumimoji="1" lang="zh-CN" altLang="en-US" sz="1400" dirty="0">
+            <a:endParaRPr kumimoji="1" lang="zh-CN" altLang="en-US" sz="1400" strike="sngStrike" dirty="0">
               <a:solidFill>
                 <a:srgbClr val="008000"/>
               </a:solidFill>
@@ -7692,7 +7562,7 @@
           <a:p>
             <a:pPr algn="ctr"/>
             <a:r>
-              <a:rPr lang="zh-CN" altLang="en-US" sz="1400" b="0" i="0" dirty="0" smtClean="0">
+              <a:rPr lang="zh-CN" altLang="en-US" sz="1400" b="0" i="0" strike="sngStrike" dirty="0" smtClean="0">
                 <a:solidFill>
                   <a:schemeClr val="tx1"/>
                 </a:solidFill>
@@ -7703,14 +7573,14 @@
               <a:t>☐</a:t>
             </a:r>
             <a:r>
-              <a:rPr kumimoji="1" lang="zh-CN" altLang="en-US" sz="1400" dirty="0" smtClean="0">
+              <a:rPr kumimoji="1" lang="zh-CN" altLang="en-US" sz="1400" strike="sngStrike" dirty="0" smtClean="0">
                 <a:solidFill>
                   <a:srgbClr val="008000"/>
                 </a:solidFill>
               </a:rPr>
               <a:t>周三</a:t>
             </a:r>
-            <a:endParaRPr kumimoji="1" lang="zh-CN" altLang="en-US" sz="1400" dirty="0">
+            <a:endParaRPr kumimoji="1" lang="zh-CN" altLang="en-US" sz="1400" strike="sngStrike" dirty="0">
               <a:solidFill>
                 <a:srgbClr val="008000"/>
               </a:solidFill>
@@ -7757,7 +7627,7 @@
           <a:p>
             <a:pPr algn="ctr"/>
             <a:r>
-              <a:rPr lang="zh-CN" altLang="en-US" sz="1400" b="0" i="0" dirty="0" smtClean="0">
+              <a:rPr lang="zh-CN" altLang="en-US" sz="1400" b="0" i="0" strike="sngStrike" dirty="0" smtClean="0">
                 <a:solidFill>
                   <a:schemeClr val="tx1"/>
                 </a:solidFill>
@@ -7768,14 +7638,14 @@
               <a:t>☐</a:t>
             </a:r>
             <a:r>
-              <a:rPr kumimoji="1" lang="zh-CN" altLang="en-US" sz="1400" dirty="0" smtClean="0">
+              <a:rPr kumimoji="1" lang="zh-CN" altLang="en-US" sz="1400" strike="sngStrike" dirty="0" smtClean="0">
                 <a:solidFill>
                   <a:srgbClr val="008000"/>
                 </a:solidFill>
               </a:rPr>
               <a:t>周四</a:t>
             </a:r>
-            <a:endParaRPr kumimoji="1" lang="zh-CN" altLang="en-US" sz="1400" dirty="0">
+            <a:endParaRPr kumimoji="1" lang="zh-CN" altLang="en-US" sz="1400" strike="sngStrike" dirty="0">
               <a:solidFill>
                 <a:srgbClr val="008000"/>
               </a:solidFill>
@@ -7822,7 +7692,7 @@
           <a:p>
             <a:pPr algn="ctr"/>
             <a:r>
-              <a:rPr lang="zh-CN" altLang="en-US" sz="1400" b="0" i="0" dirty="0" smtClean="0">
+              <a:rPr lang="zh-CN" altLang="en-US" sz="1400" b="0" i="0" strike="sngStrike" dirty="0" smtClean="0">
                 <a:solidFill>
                   <a:schemeClr val="tx1"/>
                 </a:solidFill>
@@ -7833,14 +7703,14 @@
               <a:t>☐</a:t>
             </a:r>
             <a:r>
-              <a:rPr kumimoji="1" lang="zh-CN" altLang="en-US" sz="1400" dirty="0" smtClean="0">
+              <a:rPr kumimoji="1" lang="zh-CN" altLang="en-US" sz="1400" strike="sngStrike" dirty="0" smtClean="0">
                 <a:solidFill>
                   <a:srgbClr val="008000"/>
                 </a:solidFill>
               </a:rPr>
               <a:t>周五</a:t>
             </a:r>
-            <a:endParaRPr kumimoji="1" lang="zh-CN" altLang="en-US" sz="1400" dirty="0">
+            <a:endParaRPr kumimoji="1" lang="zh-CN" altLang="en-US" sz="1400" strike="sngStrike" dirty="0">
               <a:solidFill>
                 <a:srgbClr val="008000"/>
               </a:solidFill>
@@ -7861,7 +7731,7 @@
   <p:timing>
     <p:tnLst>
       <p:par>
-        <p:cTn xmlns:p14="http://schemas.microsoft.com/office/powerpoint/2010/main" id="1" dur="indefinite" restart="never" nodeType="tmRoot"/>
+        <p:cTn id="1" dur="indefinite" restart="never" nodeType="tmRoot"/>
       </p:par>
     </p:tnLst>
   </p:timing>
@@ -7902,7 +7772,15 @@
           <a:p>
             <a:r>
               <a:rPr kumimoji="1" lang="zh-CN" altLang="en-US" dirty="0" smtClean="0"/>
-              <a:t>管理所有目标</a:t>
+              <a:t>管理所</a:t>
+            </a:r>
+            <a:r>
+              <a:rPr kumimoji="1" lang="zh-CN" altLang="en-US" dirty="0" smtClean="0"/>
+              <a:t>有</a:t>
+            </a:r>
+            <a:r>
+              <a:rPr kumimoji="1" lang="zh-CN" altLang="en-US" dirty="0"/>
+              <a:t>项目</a:t>
             </a:r>
             <a:endParaRPr kumimoji="1" lang="zh-CN" altLang="en-US" dirty="0"/>
           </a:p>
@@ -7958,7 +7836,7 @@
           <p:nvPr>
             <p:extLst>
               <p:ext uri="{D42A27DB-BD31-4B8C-83A1-F6EECF244321}">
-                <p14:modId xmlns:p14="http://schemas.microsoft.com/office/powerpoint/2010/main" val="624242158"/>
+                <p14:modId xmlns:p14="http://schemas.microsoft.com/office/powerpoint/2010/main" val="1344268299"/>
               </p:ext>
             </p:extLst>
           </p:nvPr>
@@ -7991,7 +7869,7 @@
                     <a:p>
                       <a:r>
                         <a:rPr lang="zh-CN" altLang="en-US" dirty="0" smtClean="0"/>
-                        <a:t>目标</a:t>
+                        <a:t>项目</a:t>
                       </a:r>
                       <a:endParaRPr lang="zh-CN" altLang="en-US" dirty="0"/>
                     </a:p>
@@ -8035,10 +7913,10 @@
                     <a:p>
                       <a:pPr algn="ctr"/>
                       <a:r>
-                        <a:rPr lang="zh-CN" altLang="en-US" sz="1800" b="0" dirty="0" smtClean="0"/>
+                        <a:rPr lang="zh-CN" altLang="en-US" sz="1800" b="0" strike="sngStrike" dirty="0" smtClean="0"/>
                         <a:t>休息时间</a:t>
                       </a:r>
-                      <a:endParaRPr lang="zh-CN" altLang="en-US" sz="1800" b="0" dirty="0"/>
+                      <a:endParaRPr lang="zh-CN" altLang="en-US" sz="1800" b="0" strike="sngStrike" dirty="0"/>
                     </a:p>
                   </a:txBody>
                   <a:tcPr anchor="ctr" anchorCtr="1"/>
@@ -8181,14 +8059,14 @@
                     <a:lstStyle/>
                     <a:p>
                       <a:r>
-                        <a:rPr lang="zh-CN" altLang="en-US" sz="1600" dirty="0" smtClean="0">
+                        <a:rPr lang="zh-CN" altLang="en-US" sz="1600" strike="sngStrike" dirty="0" smtClean="0">
                           <a:solidFill>
                             <a:srgbClr val="FF0000"/>
                           </a:solidFill>
                         </a:rPr>
                         <a:t>周六</a:t>
                       </a:r>
-                      <a:endParaRPr lang="zh-CN" altLang="en-US" sz="1600" dirty="0">
+                      <a:endParaRPr lang="zh-CN" altLang="en-US" sz="1600" strike="sngStrike" dirty="0">
                         <a:solidFill>
                           <a:srgbClr val="FF0000"/>
                         </a:solidFill>
@@ -8359,14 +8237,14 @@
                     <a:lstStyle/>
                     <a:p>
                       <a:r>
-                        <a:rPr lang="zh-CN" altLang="en-US" sz="1600" dirty="0" smtClean="0">
+                        <a:rPr lang="zh-CN" altLang="en-US" sz="1600" strike="sngStrike" dirty="0" smtClean="0">
                           <a:solidFill>
                             <a:srgbClr val="FF0000"/>
                           </a:solidFill>
                         </a:rPr>
                         <a:t>周五</a:t>
                       </a:r>
-                      <a:endParaRPr lang="zh-CN" altLang="en-US" sz="1600" dirty="0">
+                      <a:endParaRPr lang="zh-CN" altLang="en-US" sz="1600" strike="sngStrike" dirty="0">
                         <a:solidFill>
                           <a:srgbClr val="FF0000"/>
                         </a:solidFill>
@@ -8536,7 +8414,7 @@
                     <a:bodyPr/>
                     <a:lstStyle/>
                     <a:p>
-                      <a:endParaRPr lang="zh-CN" altLang="en-US" sz="1600" dirty="0">
+                      <a:endParaRPr lang="zh-CN" altLang="en-US" sz="1600" strike="sngStrike" dirty="0">
                         <a:solidFill>
                           <a:srgbClr val="FF0000"/>
                         </a:solidFill>
@@ -8707,14 +8585,14 @@
                     <a:lstStyle/>
                     <a:p>
                       <a:r>
-                        <a:rPr lang="zh-CN" altLang="en-US" sz="1600" dirty="0" smtClean="0">
+                        <a:rPr lang="zh-CN" altLang="en-US" sz="1600" strike="sngStrike" dirty="0" smtClean="0">
                           <a:solidFill>
                             <a:srgbClr val="000090"/>
                           </a:solidFill>
                         </a:rPr>
                         <a:t>周六，周日</a:t>
                       </a:r>
-                      <a:endParaRPr lang="zh-CN" altLang="en-US" sz="1600" dirty="0">
+                      <a:endParaRPr lang="zh-CN" altLang="en-US" sz="1600" strike="sngStrike" dirty="0">
                         <a:solidFill>
                           <a:srgbClr val="000090"/>
                         </a:solidFill>
@@ -8897,7 +8775,7 @@
                     <a:lstStyle/>
                     <a:p>
                       <a:r>
-                        <a:rPr lang="zh-CN" altLang="en-US" sz="1600" dirty="0" smtClean="0">
+                        <a:rPr lang="zh-CN" altLang="en-US" sz="1600" strike="sngStrike" dirty="0" smtClean="0">
                           <a:solidFill>
                             <a:schemeClr val="bg1">
                               <a:lumMod val="50000"/>
@@ -8906,7 +8784,7 @@
                         </a:rPr>
                         <a:t>周一</a:t>
                       </a:r>
-                      <a:endParaRPr lang="zh-CN" altLang="en-US" sz="1600" dirty="0">
+                      <a:endParaRPr lang="zh-CN" altLang="en-US" sz="1600" strike="sngStrike" dirty="0">
                         <a:solidFill>
                           <a:schemeClr val="bg1">
                             <a:lumMod val="50000"/>
@@ -9039,7 +8917,7 @@
   <p:timing>
     <p:tnLst>
       <p:par>
-        <p:cTn xmlns:p14="http://schemas.microsoft.com/office/powerpoint/2010/main" id="1" dur="indefinite" restart="never" nodeType="tmRoot"/>
+        <p:cTn id="1" dur="indefinite" restart="never" nodeType="tmRoot"/>
       </p:par>
     </p:tnLst>
   </p:timing>
@@ -9080,7 +8958,11 @@
           <a:p>
             <a:r>
               <a:rPr kumimoji="1" lang="zh-CN" altLang="en-US" dirty="0" smtClean="0"/>
-              <a:t>管理单个目标</a:t>
+              <a:t>管理</a:t>
+            </a:r>
+            <a:r>
+              <a:rPr kumimoji="1" lang="zh-CN" altLang="en-US" dirty="0" smtClean="0"/>
+              <a:t>单个项目</a:t>
             </a:r>
             <a:endParaRPr kumimoji="1" lang="zh-CN" altLang="en-US" dirty="0"/>
           </a:p>
@@ -9103,7 +8985,15 @@
           <a:p>
             <a:r>
               <a:rPr kumimoji="1" lang="zh-CN" altLang="en-US" dirty="0" smtClean="0"/>
-              <a:t>可修改属性：名字，休息时间，状态</a:t>
+              <a:t>可修改属性：名字，</a:t>
+            </a:r>
+            <a:r>
+              <a:rPr kumimoji="1" lang="zh-CN" altLang="en-US" strike="sngStrike" dirty="0" smtClean="0"/>
+              <a:t>休息时间</a:t>
+            </a:r>
+            <a:r>
+              <a:rPr kumimoji="1" lang="zh-CN" altLang="en-US" dirty="0" smtClean="0"/>
+              <a:t>，状态</a:t>
             </a:r>
             <a:endParaRPr kumimoji="1" lang="en-US" altLang="zh-CN" dirty="0" smtClean="0"/>
           </a:p>
@@ -9124,7 +9014,11 @@
           <a:p>
             <a:r>
               <a:rPr kumimoji="1" lang="zh-CN" altLang="en-US" dirty="0" smtClean="0"/>
-              <a:t>目标完成情况（日历格式）</a:t>
+              <a:t>项目完成</a:t>
+            </a:r>
+            <a:r>
+              <a:rPr kumimoji="1" lang="zh-CN" altLang="en-US" dirty="0" smtClean="0"/>
+              <a:t>情况（日历格式）</a:t>
             </a:r>
             <a:endParaRPr kumimoji="1" lang="zh-CN" altLang="en-US" dirty="0"/>
           </a:p>
@@ -9140,6 +9034,13 @@
   <p:clrMapOvr>
     <a:masterClrMapping/>
   </p:clrMapOvr>
+  <p:timing>
+    <p:tnLst>
+      <p:par>
+        <p:cTn id="1" dur="indefinite" restart="never" nodeType="tmRoot"/>
+      </p:par>
+    </p:tnLst>
+  </p:timing>
 </p:sld>
 </file>
 
@@ -9177,7 +9078,11 @@
           <a:p>
             <a:r>
               <a:rPr kumimoji="1" lang="zh-CN" altLang="en-US" dirty="0" smtClean="0"/>
-              <a:t>管理单个目标</a:t>
+              <a:t>管理</a:t>
+            </a:r>
+            <a:r>
+              <a:rPr kumimoji="1" lang="zh-CN" altLang="en-US" dirty="0" smtClean="0"/>
+              <a:t>单个项目</a:t>
             </a:r>
             <a:endParaRPr kumimoji="1" lang="zh-CN" altLang="en-US" dirty="0"/>
           </a:p>
@@ -9632,14 +9537,14 @@
           <a:p>
             <a:pPr algn="ctr"/>
             <a:r>
-              <a:rPr kumimoji="1" lang="zh-CN" altLang="en-US" dirty="0" smtClean="0">
+              <a:rPr kumimoji="1" lang="zh-CN" altLang="en-US" strike="sngStrike" dirty="0" smtClean="0">
                 <a:solidFill>
                   <a:srgbClr val="008000"/>
                 </a:solidFill>
               </a:rPr>
               <a:t>休息时间</a:t>
             </a:r>
-            <a:endParaRPr kumimoji="1" lang="zh-CN" altLang="en-US" dirty="0">
+            <a:endParaRPr kumimoji="1" lang="zh-CN" altLang="en-US" strike="sngStrike" dirty="0">
               <a:solidFill>
                 <a:srgbClr val="008000"/>
               </a:solidFill>
@@ -9686,7 +9591,7 @@
           <a:p>
             <a:pPr algn="ctr"/>
             <a:r>
-              <a:rPr lang="zh-CN" altLang="en-US" sz="1400" b="0" i="0" dirty="0" smtClean="0">
+              <a:rPr lang="zh-CN" altLang="en-US" sz="1400" b="0" i="0" strike="sngStrike" dirty="0" smtClean="0">
                 <a:solidFill>
                   <a:schemeClr val="tx1"/>
                 </a:solidFill>
@@ -9697,14 +9602,14 @@
               <a:t>☐</a:t>
             </a:r>
             <a:r>
-              <a:rPr kumimoji="1" lang="zh-CN" altLang="en-US" sz="1400" dirty="0" smtClean="0">
+              <a:rPr kumimoji="1" lang="zh-CN" altLang="en-US" sz="1400" strike="sngStrike" dirty="0" smtClean="0">
                 <a:solidFill>
                   <a:srgbClr val="008000"/>
                 </a:solidFill>
               </a:rPr>
               <a:t>周一</a:t>
             </a:r>
-            <a:endParaRPr kumimoji="1" lang="zh-CN" altLang="en-US" sz="1400" dirty="0">
+            <a:endParaRPr kumimoji="1" lang="zh-CN" altLang="en-US" sz="1400" strike="sngStrike" dirty="0">
               <a:solidFill>
                 <a:srgbClr val="008000"/>
               </a:solidFill>
@@ -9751,7 +9656,7 @@
           <a:p>
             <a:pPr algn="ctr"/>
             <a:r>
-              <a:rPr lang="zh-CN" altLang="en-US" sz="1400" b="0" i="0" dirty="0" smtClean="0">
+              <a:rPr lang="zh-CN" altLang="en-US" sz="1400" b="0" i="0" strike="sngStrike" dirty="0" smtClean="0">
                 <a:solidFill>
                   <a:srgbClr val="000000"/>
                 </a:solidFill>
@@ -9762,14 +9667,14 @@
               <a:t></a:t>
             </a:r>
             <a:r>
-              <a:rPr kumimoji="1" lang="zh-CN" altLang="en-US" sz="1400" dirty="0" smtClean="0">
+              <a:rPr kumimoji="1" lang="zh-CN" altLang="en-US" sz="1400" strike="sngStrike" dirty="0" smtClean="0">
                 <a:solidFill>
                   <a:srgbClr val="008000"/>
                 </a:solidFill>
               </a:rPr>
               <a:t>周六</a:t>
             </a:r>
-            <a:endParaRPr kumimoji="1" lang="zh-CN" altLang="en-US" sz="1400" dirty="0">
+            <a:endParaRPr kumimoji="1" lang="zh-CN" altLang="en-US" sz="1400" strike="sngStrike" dirty="0">
               <a:solidFill>
                 <a:srgbClr val="008000"/>
               </a:solidFill>
@@ -9816,7 +9721,7 @@
           <a:p>
             <a:pPr algn="ctr"/>
             <a:r>
-              <a:rPr lang="zh-CN" altLang="en-US" sz="1400" b="0" i="0" dirty="0" smtClean="0">
+              <a:rPr lang="zh-CN" altLang="en-US" sz="1400" b="0" i="0" strike="sngStrike" dirty="0" smtClean="0">
                 <a:solidFill>
                   <a:srgbClr val="000000"/>
                 </a:solidFill>
@@ -9827,14 +9732,14 @@
               <a:t></a:t>
             </a:r>
             <a:r>
-              <a:rPr kumimoji="1" lang="zh-CN" altLang="en-US" sz="1400" dirty="0" smtClean="0">
+              <a:rPr kumimoji="1" lang="zh-CN" altLang="en-US" sz="1400" strike="sngStrike" dirty="0" smtClean="0">
                 <a:solidFill>
                   <a:srgbClr val="008000"/>
                 </a:solidFill>
               </a:rPr>
               <a:t>周日</a:t>
             </a:r>
-            <a:endParaRPr kumimoji="1" lang="zh-CN" altLang="en-US" sz="1400" dirty="0">
+            <a:endParaRPr kumimoji="1" lang="zh-CN" altLang="en-US" sz="1400" strike="sngStrike" dirty="0">
               <a:solidFill>
                 <a:srgbClr val="008000"/>
               </a:solidFill>
@@ -9881,7 +9786,7 @@
           <a:p>
             <a:pPr algn="ctr"/>
             <a:r>
-              <a:rPr lang="zh-CN" altLang="en-US" sz="1400" b="0" i="0" dirty="0" smtClean="0">
+              <a:rPr lang="zh-CN" altLang="en-US" sz="1400" b="0" i="0" strike="sngStrike" dirty="0" smtClean="0">
                 <a:solidFill>
                   <a:schemeClr val="tx1"/>
                 </a:solidFill>
@@ -9892,14 +9797,14 @@
               <a:t>☐</a:t>
             </a:r>
             <a:r>
-              <a:rPr kumimoji="1" lang="zh-CN" altLang="en-US" sz="1400" dirty="0" smtClean="0">
+              <a:rPr kumimoji="1" lang="zh-CN" altLang="en-US" sz="1400" strike="sngStrike" dirty="0" smtClean="0">
                 <a:solidFill>
                   <a:srgbClr val="008000"/>
                 </a:solidFill>
               </a:rPr>
               <a:t>周二</a:t>
             </a:r>
-            <a:endParaRPr kumimoji="1" lang="zh-CN" altLang="en-US" sz="1400" dirty="0">
+            <a:endParaRPr kumimoji="1" lang="zh-CN" altLang="en-US" sz="1400" strike="sngStrike" dirty="0">
               <a:solidFill>
                 <a:srgbClr val="008000"/>
               </a:solidFill>
@@ -9946,7 +9851,7 @@
           <a:p>
             <a:pPr algn="ctr"/>
             <a:r>
-              <a:rPr lang="zh-CN" altLang="en-US" sz="1400" b="0" i="0" dirty="0" smtClean="0">
+              <a:rPr lang="zh-CN" altLang="en-US" sz="1400" b="0" i="0" strike="sngStrike" dirty="0" smtClean="0">
                 <a:solidFill>
                   <a:schemeClr val="tx1"/>
                 </a:solidFill>
@@ -9957,14 +9862,14 @@
               <a:t>☐</a:t>
             </a:r>
             <a:r>
-              <a:rPr kumimoji="1" lang="zh-CN" altLang="en-US" sz="1400" dirty="0" smtClean="0">
+              <a:rPr kumimoji="1" lang="zh-CN" altLang="en-US" sz="1400" strike="sngStrike" dirty="0" smtClean="0">
                 <a:solidFill>
                   <a:srgbClr val="008000"/>
                 </a:solidFill>
               </a:rPr>
               <a:t>周三</a:t>
             </a:r>
-            <a:endParaRPr kumimoji="1" lang="zh-CN" altLang="en-US" sz="1400" dirty="0">
+            <a:endParaRPr kumimoji="1" lang="zh-CN" altLang="en-US" sz="1400" strike="sngStrike" dirty="0">
               <a:solidFill>
                 <a:srgbClr val="008000"/>
               </a:solidFill>
@@ -10011,7 +9916,7 @@
           <a:p>
             <a:pPr algn="ctr"/>
             <a:r>
-              <a:rPr lang="zh-CN" altLang="en-US" sz="1400" b="0" i="0" dirty="0" smtClean="0">
+              <a:rPr lang="zh-CN" altLang="en-US" sz="1400" b="0" i="0" strike="sngStrike" dirty="0" smtClean="0">
                 <a:solidFill>
                   <a:schemeClr val="tx1"/>
                 </a:solidFill>
@@ -10022,14 +9927,14 @@
               <a:t>☐</a:t>
             </a:r>
             <a:r>
-              <a:rPr kumimoji="1" lang="zh-CN" altLang="en-US" sz="1400" dirty="0" smtClean="0">
+              <a:rPr kumimoji="1" lang="zh-CN" altLang="en-US" sz="1400" strike="sngStrike" dirty="0" smtClean="0">
                 <a:solidFill>
                   <a:srgbClr val="008000"/>
                 </a:solidFill>
               </a:rPr>
               <a:t>周四</a:t>
             </a:r>
-            <a:endParaRPr kumimoji="1" lang="zh-CN" altLang="en-US" sz="1400" dirty="0">
+            <a:endParaRPr kumimoji="1" lang="zh-CN" altLang="en-US" sz="1400" strike="sngStrike" dirty="0">
               <a:solidFill>
                 <a:srgbClr val="008000"/>
               </a:solidFill>
@@ -10076,7 +9981,7 @@
           <a:p>
             <a:pPr algn="ctr"/>
             <a:r>
-              <a:rPr lang="zh-CN" altLang="en-US" sz="1400" b="0" i="0" dirty="0" smtClean="0">
+              <a:rPr lang="zh-CN" altLang="en-US" sz="1400" b="0" i="0" strike="sngStrike" dirty="0" smtClean="0">
                 <a:solidFill>
                   <a:schemeClr val="tx1"/>
                 </a:solidFill>
@@ -10087,14 +9992,14 @@
               <a:t>☐</a:t>
             </a:r>
             <a:r>
-              <a:rPr kumimoji="1" lang="zh-CN" altLang="en-US" sz="1400" dirty="0" smtClean="0">
+              <a:rPr kumimoji="1" lang="zh-CN" altLang="en-US" sz="1400" strike="sngStrike" dirty="0" smtClean="0">
                 <a:solidFill>
                   <a:srgbClr val="008000"/>
                 </a:solidFill>
               </a:rPr>
               <a:t>周五</a:t>
             </a:r>
-            <a:endParaRPr kumimoji="1" lang="zh-CN" altLang="en-US" sz="1400" dirty="0">
+            <a:endParaRPr kumimoji="1" lang="zh-CN" altLang="en-US" sz="1400" strike="sngStrike" dirty="0">
               <a:solidFill>
                 <a:srgbClr val="008000"/>
               </a:solidFill>
@@ -10331,6 +10236,13 @@
   <p:clrMapOvr>
     <a:masterClrMapping/>
   </p:clrMapOvr>
+  <p:timing>
+    <p:tnLst>
+      <p:par>
+        <p:cTn id="1" dur="indefinite" restart="never" nodeType="tmRoot"/>
+      </p:par>
+    </p:tnLst>
+  </p:timing>
 </p:sld>
 </file>
 
@@ -10482,7 +10394,7 @@
         </p:nvSpPr>
         <p:spPr>
           <a:xfrm>
-            <a:off x="4295918" y="4091598"/>
+            <a:off x="3700696" y="3682906"/>
             <a:ext cx="630871" cy="408127"/>
           </a:xfrm>
           <a:prstGeom prst="rect">
@@ -10533,7 +10445,7 @@
         </p:nvSpPr>
         <p:spPr>
           <a:xfrm>
-            <a:off x="5208475" y="4122861"/>
+            <a:off x="4613253" y="3714169"/>
             <a:ext cx="1371692" cy="408127"/>
           </a:xfrm>
           <a:prstGeom prst="rect">
@@ -10600,7 +10512,7 @@
   <p:timing>
     <p:tnLst>
       <p:par>
-        <p:cTn xmlns:p14="http://schemas.microsoft.com/office/powerpoint/2010/main" id="1" dur="indefinite" restart="never" nodeType="tmRoot"/>
+        <p:cTn id="1" dur="indefinite" restart="never" nodeType="tmRoot"/>
       </p:par>
     </p:tnLst>
   </p:timing>
@@ -10755,7 +10667,7 @@
         </p:nvSpPr>
         <p:spPr>
           <a:xfrm>
-            <a:off x="4295918" y="4091598"/>
+            <a:off x="3615551" y="4065153"/>
             <a:ext cx="630871" cy="408127"/>
           </a:xfrm>
           <a:prstGeom prst="rect">
@@ -10806,7 +10718,7 @@
         </p:nvSpPr>
         <p:spPr>
           <a:xfrm>
-            <a:off x="5208475" y="4122861"/>
+            <a:off x="4528108" y="4096416"/>
             <a:ext cx="1439250" cy="408127"/>
           </a:xfrm>
           <a:prstGeom prst="rect">
@@ -10923,7 +10835,7 @@
   <p:timing>
     <p:tnLst>
       <p:par>
-        <p:cTn xmlns:p14="http://schemas.microsoft.com/office/powerpoint/2010/main" id="1" dur="indefinite" restart="never" nodeType="tmRoot"/>
+        <p:cTn id="1" dur="indefinite" restart="never" nodeType="tmRoot"/>
       </p:par>
     </p:tnLst>
   </p:timing>

--- a/ui/ui.pptx
+++ b/ui/ui.pptx
@@ -8,13 +8,14 @@
     <p:sldId id="256" r:id="rId2"/>
     <p:sldId id="257" r:id="rId3"/>
     <p:sldId id="263" r:id="rId4"/>
-    <p:sldId id="258" r:id="rId5"/>
-    <p:sldId id="259" r:id="rId6"/>
-    <p:sldId id="264" r:id="rId7"/>
-    <p:sldId id="265" r:id="rId8"/>
-    <p:sldId id="260" r:id="rId9"/>
-    <p:sldId id="261" r:id="rId10"/>
-    <p:sldId id="262" r:id="rId11"/>
+    <p:sldId id="266" r:id="rId5"/>
+    <p:sldId id="258" r:id="rId6"/>
+    <p:sldId id="259" r:id="rId7"/>
+    <p:sldId id="264" r:id="rId8"/>
+    <p:sldId id="265" r:id="rId9"/>
+    <p:sldId id="260" r:id="rId10"/>
+    <p:sldId id="261" r:id="rId11"/>
+    <p:sldId id="262" r:id="rId12"/>
   </p:sldIdLst>
   <p:sldSz cx="9144000" cy="6858000" type="screen4x3"/>
   <p:notesSz cx="6858000" cy="9144000"/>
@@ -115,7 +116,7 @@
   </p:defaultTextStyle>
   <p:extLst>
     <p:ext uri="{EFAFB233-063F-42B5-8137-9DF3F51BA10A}">
-      <p15:sldGuideLst xmlns:p15="http://schemas.microsoft.com/office/powerpoint/2012/main">
+      <p15:sldGuideLst xmlns:p15="http://schemas.microsoft.com/office/powerpoint/2012/main" xmlns="">
         <p15:guide id="1" orient="horz" pos="2160">
           <p15:clr>
             <a:srgbClr val="A4A3A4"/>
@@ -313,7 +314,7 @@
           <a:p>
             <a:fld id="{5DCAF180-5887-7749-9EDF-C36462973B5E}" type="datetimeFigureOut">
               <a:rPr kumimoji="1" lang="zh-CN" altLang="en-US" smtClean="0"/>
-              <a:t>2015/8/31</a:t>
+              <a:t>15/10/8</a:t>
             </a:fld>
             <a:endParaRPr kumimoji="1" lang="zh-CN" altLang="en-US"/>
           </a:p>
@@ -483,7 +484,7 @@
           <a:p>
             <a:fld id="{5DCAF180-5887-7749-9EDF-C36462973B5E}" type="datetimeFigureOut">
               <a:rPr kumimoji="1" lang="zh-CN" altLang="en-US" smtClean="0"/>
-              <a:t>2015/8/31</a:t>
+              <a:t>15/10/8</a:t>
             </a:fld>
             <a:endParaRPr kumimoji="1" lang="zh-CN" altLang="en-US"/>
           </a:p>
@@ -663,7 +664,7 @@
           <a:p>
             <a:fld id="{5DCAF180-5887-7749-9EDF-C36462973B5E}" type="datetimeFigureOut">
               <a:rPr kumimoji="1" lang="zh-CN" altLang="en-US" smtClean="0"/>
-              <a:t>2015/8/31</a:t>
+              <a:t>15/10/8</a:t>
             </a:fld>
             <a:endParaRPr kumimoji="1" lang="zh-CN" altLang="en-US"/>
           </a:p>
@@ -833,7 +834,7 @@
           <a:p>
             <a:fld id="{5DCAF180-5887-7749-9EDF-C36462973B5E}" type="datetimeFigureOut">
               <a:rPr kumimoji="1" lang="zh-CN" altLang="en-US" smtClean="0"/>
-              <a:t>2015/8/31</a:t>
+              <a:t>15/10/8</a:t>
             </a:fld>
             <a:endParaRPr kumimoji="1" lang="zh-CN" altLang="en-US"/>
           </a:p>
@@ -1079,7 +1080,7 @@
           <a:p>
             <a:fld id="{5DCAF180-5887-7749-9EDF-C36462973B5E}" type="datetimeFigureOut">
               <a:rPr kumimoji="1" lang="zh-CN" altLang="en-US" smtClean="0"/>
-              <a:t>2015/8/31</a:t>
+              <a:t>15/10/8</a:t>
             </a:fld>
             <a:endParaRPr kumimoji="1" lang="zh-CN" altLang="en-US"/>
           </a:p>
@@ -1367,7 +1368,7 @@
           <a:p>
             <a:fld id="{5DCAF180-5887-7749-9EDF-C36462973B5E}" type="datetimeFigureOut">
               <a:rPr kumimoji="1" lang="zh-CN" altLang="en-US" smtClean="0"/>
-              <a:t>2015/8/31</a:t>
+              <a:t>15/10/8</a:t>
             </a:fld>
             <a:endParaRPr kumimoji="1" lang="zh-CN" altLang="en-US"/>
           </a:p>
@@ -1789,7 +1790,7 @@
           <a:p>
             <a:fld id="{5DCAF180-5887-7749-9EDF-C36462973B5E}" type="datetimeFigureOut">
               <a:rPr kumimoji="1" lang="zh-CN" altLang="en-US" smtClean="0"/>
-              <a:t>2015/8/31</a:t>
+              <a:t>15/10/8</a:t>
             </a:fld>
             <a:endParaRPr kumimoji="1" lang="zh-CN" altLang="en-US"/>
           </a:p>
@@ -1907,7 +1908,7 @@
           <a:p>
             <a:fld id="{5DCAF180-5887-7749-9EDF-C36462973B5E}" type="datetimeFigureOut">
               <a:rPr kumimoji="1" lang="zh-CN" altLang="en-US" smtClean="0"/>
-              <a:t>2015/8/31</a:t>
+              <a:t>15/10/8</a:t>
             </a:fld>
             <a:endParaRPr kumimoji="1" lang="zh-CN" altLang="en-US"/>
           </a:p>
@@ -2002,7 +2003,7 @@
           <a:p>
             <a:fld id="{5DCAF180-5887-7749-9EDF-C36462973B5E}" type="datetimeFigureOut">
               <a:rPr kumimoji="1" lang="zh-CN" altLang="en-US" smtClean="0"/>
-              <a:t>2015/8/31</a:t>
+              <a:t>15/10/8</a:t>
             </a:fld>
             <a:endParaRPr kumimoji="1" lang="zh-CN" altLang="en-US"/>
           </a:p>
@@ -2279,7 +2280,7 @@
           <a:p>
             <a:fld id="{5DCAF180-5887-7749-9EDF-C36462973B5E}" type="datetimeFigureOut">
               <a:rPr kumimoji="1" lang="zh-CN" altLang="en-US" smtClean="0"/>
-              <a:t>2015/8/31</a:t>
+              <a:t>15/10/8</a:t>
             </a:fld>
             <a:endParaRPr kumimoji="1" lang="zh-CN" altLang="en-US"/>
           </a:p>
@@ -2532,7 +2533,7 @@
           <a:p>
             <a:fld id="{5DCAF180-5887-7749-9EDF-C36462973B5E}" type="datetimeFigureOut">
               <a:rPr kumimoji="1" lang="zh-CN" altLang="en-US" smtClean="0"/>
-              <a:t>2015/8/31</a:t>
+              <a:t>15/10/8</a:t>
             </a:fld>
             <a:endParaRPr kumimoji="1" lang="zh-CN" altLang="en-US"/>
           </a:p>
@@ -2745,7 +2746,7 @@
           <a:p>
             <a:fld id="{5DCAF180-5887-7749-9EDF-C36462973B5E}" type="datetimeFigureOut">
               <a:rPr kumimoji="1" lang="zh-CN" altLang="en-US" smtClean="0"/>
-              <a:t>2015/8/31</a:t>
+              <a:t>15/10/8</a:t>
             </a:fld>
             <a:endParaRPr kumimoji="1" lang="zh-CN" altLang="en-US"/>
           </a:p>
@@ -3175,7 +3176,7 @@
   <p:timing>
     <p:tnLst>
       <p:par>
-        <p:cTn id="1" dur="indefinite" restart="never" nodeType="tmRoot"/>
+        <p:cTn xmlns:p14="http://schemas.microsoft.com/office/powerpoint/2010/main" id="1" dur="indefinite" restart="never" nodeType="tmRoot"/>
       </p:par>
     </p:tnLst>
   </p:timing>
@@ -3216,6 +3217,329 @@
           <a:p>
             <a:r>
               <a:rPr kumimoji="1" lang="zh-CN" altLang="en-US" dirty="0" smtClean="0"/>
+              <a:t>注册</a:t>
+            </a:r>
+            <a:endParaRPr kumimoji="1" lang="zh-CN" altLang="en-US" dirty="0"/>
+          </a:p>
+        </p:txBody>
+      </p:sp>
+      <p:sp>
+        <p:nvSpPr>
+          <p:cNvPr id="4" name="矩形 3"/>
+          <p:cNvSpPr/>
+          <p:nvPr/>
+        </p:nvSpPr>
+        <p:spPr>
+          <a:xfrm>
+            <a:off x="3611783" y="2010620"/>
+            <a:ext cx="2184709" cy="408127"/>
+          </a:xfrm>
+          <a:prstGeom prst="rect">
+            <a:avLst/>
+          </a:prstGeom>
+          <a:noFill/>
+        </p:spPr>
+        <p:style>
+          <a:lnRef idx="1">
+            <a:schemeClr val="accent1"/>
+          </a:lnRef>
+          <a:fillRef idx="3">
+            <a:schemeClr val="accent1"/>
+          </a:fillRef>
+          <a:effectRef idx="2">
+            <a:schemeClr val="accent1"/>
+          </a:effectRef>
+          <a:fontRef idx="minor">
+            <a:schemeClr val="lt1"/>
+          </a:fontRef>
+        </p:style>
+        <p:txBody>
+          <a:bodyPr lIns="36000" rIns="36000" rtlCol="0" anchor="ctr"/>
+          <a:lstStyle/>
+          <a:p>
+            <a:r>
+              <a:rPr kumimoji="1" lang="zh-CN" altLang="en-US" sz="1600" dirty="0" smtClean="0">
+                <a:solidFill>
+                  <a:srgbClr val="7F7F7F"/>
+                </a:solidFill>
+              </a:rPr>
+              <a:t>用户名</a:t>
+            </a:r>
+            <a:endParaRPr kumimoji="1" lang="zh-CN" altLang="en-US" sz="1600" dirty="0">
+              <a:solidFill>
+                <a:srgbClr val="7F7F7F"/>
+              </a:solidFill>
+            </a:endParaRPr>
+          </a:p>
+        </p:txBody>
+      </p:sp>
+      <p:sp>
+        <p:nvSpPr>
+          <p:cNvPr id="5" name="矩形 4"/>
+          <p:cNvSpPr/>
+          <p:nvPr/>
+        </p:nvSpPr>
+        <p:spPr>
+          <a:xfrm>
+            <a:off x="3611783" y="3243818"/>
+            <a:ext cx="2184709" cy="408127"/>
+          </a:xfrm>
+          <a:prstGeom prst="rect">
+            <a:avLst/>
+          </a:prstGeom>
+          <a:noFill/>
+        </p:spPr>
+        <p:style>
+          <a:lnRef idx="1">
+            <a:schemeClr val="accent1"/>
+          </a:lnRef>
+          <a:fillRef idx="3">
+            <a:schemeClr val="accent1"/>
+          </a:fillRef>
+          <a:effectRef idx="2">
+            <a:schemeClr val="accent1"/>
+          </a:effectRef>
+          <a:fontRef idx="minor">
+            <a:schemeClr val="lt1"/>
+          </a:fontRef>
+        </p:style>
+        <p:txBody>
+          <a:bodyPr lIns="36000" rIns="36000" rtlCol="0" anchor="ctr"/>
+          <a:lstStyle/>
+          <a:p>
+            <a:r>
+              <a:rPr kumimoji="1" lang="zh-CN" altLang="en-US" sz="1600" dirty="0" smtClean="0">
+                <a:solidFill>
+                  <a:srgbClr val="7F7F7F"/>
+                </a:solidFill>
+              </a:rPr>
+              <a:t>密码</a:t>
+            </a:r>
+            <a:endParaRPr kumimoji="1" lang="zh-CN" altLang="en-US" sz="1600" dirty="0">
+              <a:solidFill>
+                <a:srgbClr val="7F7F7F"/>
+              </a:solidFill>
+            </a:endParaRPr>
+          </a:p>
+        </p:txBody>
+      </p:sp>
+      <p:sp>
+        <p:nvSpPr>
+          <p:cNvPr id="6" name="矩形 5"/>
+          <p:cNvSpPr/>
+          <p:nvPr/>
+        </p:nvSpPr>
+        <p:spPr>
+          <a:xfrm>
+            <a:off x="3615551" y="4065153"/>
+            <a:ext cx="630871" cy="408127"/>
+          </a:xfrm>
+          <a:prstGeom prst="rect">
+            <a:avLst/>
+          </a:prstGeom>
+          <a:noFill/>
+        </p:spPr>
+        <p:style>
+          <a:lnRef idx="1">
+            <a:schemeClr val="accent1"/>
+          </a:lnRef>
+          <a:fillRef idx="3">
+            <a:schemeClr val="accent1"/>
+          </a:fillRef>
+          <a:effectRef idx="2">
+            <a:schemeClr val="accent1"/>
+          </a:effectRef>
+          <a:fontRef idx="minor">
+            <a:schemeClr val="lt1"/>
+          </a:fontRef>
+        </p:style>
+        <p:txBody>
+          <a:bodyPr lIns="36000" rIns="36000" rtlCol="0" anchor="ctr"/>
+          <a:lstStyle/>
+          <a:p>
+            <a:pPr algn="ctr"/>
+            <a:r>
+              <a:rPr kumimoji="1" lang="zh-CN" altLang="en-US" dirty="0" smtClean="0">
+                <a:solidFill>
+                  <a:srgbClr val="008000"/>
+                </a:solidFill>
+              </a:rPr>
+              <a:t>注册</a:t>
+            </a:r>
+            <a:endParaRPr kumimoji="1" lang="zh-CN" altLang="en-US" dirty="0">
+              <a:solidFill>
+                <a:srgbClr val="008000"/>
+              </a:solidFill>
+            </a:endParaRPr>
+          </a:p>
+        </p:txBody>
+      </p:sp>
+      <p:sp>
+        <p:nvSpPr>
+          <p:cNvPr id="7" name="矩形 6"/>
+          <p:cNvSpPr/>
+          <p:nvPr/>
+        </p:nvSpPr>
+        <p:spPr>
+          <a:xfrm>
+            <a:off x="4528108" y="4096416"/>
+            <a:ext cx="1439250" cy="408127"/>
+          </a:xfrm>
+          <a:prstGeom prst="rect">
+            <a:avLst/>
+          </a:prstGeom>
+          <a:noFill/>
+          <a:ln>
+            <a:noFill/>
+          </a:ln>
+        </p:spPr>
+        <p:style>
+          <a:lnRef idx="1">
+            <a:schemeClr val="accent1"/>
+          </a:lnRef>
+          <a:fillRef idx="3">
+            <a:schemeClr val="accent1"/>
+          </a:fillRef>
+          <a:effectRef idx="2">
+            <a:schemeClr val="accent1"/>
+          </a:effectRef>
+          <a:fontRef idx="minor">
+            <a:schemeClr val="lt1"/>
+          </a:fontRef>
+        </p:style>
+        <p:txBody>
+          <a:bodyPr lIns="36000" rIns="36000" rtlCol="0" anchor="ctr"/>
+          <a:lstStyle/>
+          <a:p>
+            <a:pPr algn="ctr"/>
+            <a:r>
+              <a:rPr kumimoji="1" lang="zh-CN" altLang="en-US" sz="1400" dirty="0" smtClean="0">
+                <a:solidFill>
+                  <a:srgbClr val="008000"/>
+                </a:solidFill>
+              </a:rPr>
+              <a:t>已有账号？</a:t>
+            </a:r>
+            <a:r>
+              <a:rPr kumimoji="1" lang="zh-CN" altLang="en-US" sz="1400" u="sng" dirty="0" smtClean="0">
+                <a:solidFill>
+                  <a:srgbClr val="008000"/>
+                </a:solidFill>
+              </a:rPr>
+              <a:t>登录</a:t>
+            </a:r>
+            <a:endParaRPr kumimoji="1" lang="zh-CN" altLang="en-US" sz="1400" u="sng" dirty="0">
+              <a:solidFill>
+                <a:srgbClr val="008000"/>
+              </a:solidFill>
+            </a:endParaRPr>
+          </a:p>
+        </p:txBody>
+      </p:sp>
+      <p:sp>
+        <p:nvSpPr>
+          <p:cNvPr id="8" name="矩形 7"/>
+          <p:cNvSpPr/>
+          <p:nvPr/>
+        </p:nvSpPr>
+        <p:spPr>
+          <a:xfrm>
+            <a:off x="3615551" y="2608850"/>
+            <a:ext cx="2184709" cy="408127"/>
+          </a:xfrm>
+          <a:prstGeom prst="rect">
+            <a:avLst/>
+          </a:prstGeom>
+          <a:noFill/>
+        </p:spPr>
+        <p:style>
+          <a:lnRef idx="1">
+            <a:schemeClr val="accent1"/>
+          </a:lnRef>
+          <a:fillRef idx="3">
+            <a:schemeClr val="accent1"/>
+          </a:fillRef>
+          <a:effectRef idx="2">
+            <a:schemeClr val="accent1"/>
+          </a:effectRef>
+          <a:fontRef idx="minor">
+            <a:schemeClr val="lt1"/>
+          </a:fontRef>
+        </p:style>
+        <p:txBody>
+          <a:bodyPr lIns="36000" rIns="36000" rtlCol="0" anchor="ctr"/>
+          <a:lstStyle/>
+          <a:p>
+            <a:r>
+              <a:rPr kumimoji="1" lang="zh-CN" altLang="en-US" sz="1600" dirty="0" smtClean="0">
+                <a:solidFill>
+                  <a:srgbClr val="7F7F7F"/>
+                </a:solidFill>
+              </a:rPr>
+              <a:t>邮箱</a:t>
+            </a:r>
+            <a:endParaRPr kumimoji="1" lang="zh-CN" altLang="en-US" sz="1600" dirty="0">
+              <a:solidFill>
+                <a:srgbClr val="7F7F7F"/>
+              </a:solidFill>
+            </a:endParaRPr>
+          </a:p>
+        </p:txBody>
+      </p:sp>
+    </p:spTree>
+    <p:extLst>
+      <p:ext uri="{BB962C8B-B14F-4D97-AF65-F5344CB8AC3E}">
+        <p14:creationId xmlns:p14="http://schemas.microsoft.com/office/powerpoint/2010/main" val="3236034073"/>
+      </p:ext>
+    </p:extLst>
+  </p:cSld>
+  <p:clrMapOvr>
+    <a:masterClrMapping/>
+  </p:clrMapOvr>
+  <p:timing>
+    <p:tnLst>
+      <p:par>
+        <p:cTn xmlns:p14="http://schemas.microsoft.com/office/powerpoint/2010/main" id="1" dur="indefinite" restart="never" nodeType="tmRoot"/>
+      </p:par>
+    </p:tnLst>
+  </p:timing>
+</p:sld>
+</file>
+
+<file path=ppt/slides/slide11.xml><?xml version="1.0" encoding="utf-8"?>
+<p:sld xmlns:a="http://schemas.openxmlformats.org/drawingml/2006/main" xmlns:r="http://schemas.openxmlformats.org/officeDocument/2006/relationships" xmlns:p="http://schemas.openxmlformats.org/presentationml/2006/main">
+  <p:cSld>
+    <p:spTree>
+      <p:nvGrpSpPr>
+        <p:cNvPr id="1" name=""/>
+        <p:cNvGrpSpPr/>
+        <p:nvPr/>
+      </p:nvGrpSpPr>
+      <p:grpSpPr>
+        <a:xfrm>
+          <a:off x="0" y="0"/>
+          <a:ext cx="0" cy="0"/>
+          <a:chOff x="0" y="0"/>
+          <a:chExt cx="0" cy="0"/>
+        </a:xfrm>
+      </p:grpSpPr>
+      <p:sp>
+        <p:nvSpPr>
+          <p:cNvPr id="2" name="标题 1"/>
+          <p:cNvSpPr>
+            <a:spLocks noGrp="1"/>
+          </p:cNvSpPr>
+          <p:nvPr>
+            <p:ph type="title"/>
+          </p:nvPr>
+        </p:nvSpPr>
+        <p:spPr/>
+        <p:txBody>
+          <a:bodyPr/>
+          <a:lstStyle/>
+          <a:p>
+            <a:r>
+              <a:rPr kumimoji="1" lang="zh-CN" altLang="en-US" dirty="0" smtClean="0"/>
               <a:t>用户管理</a:t>
             </a:r>
             <a:endParaRPr kumimoji="1" lang="zh-CN" altLang="en-US" dirty="0"/>
@@ -3235,7 +3559,7 @@
   <p:timing>
     <p:tnLst>
       <p:par>
-        <p:cTn id="1" dur="indefinite" restart="never" nodeType="tmRoot"/>
+        <p:cTn xmlns:p14="http://schemas.microsoft.com/office/powerpoint/2010/main" id="1" dur="indefinite" restart="never" nodeType="tmRoot"/>
       </p:par>
     </p:tnLst>
   </p:timing>
@@ -3287,14 +3611,7 @@
                 <a:latin typeface="Hannotate SC Regular"/>
                 <a:cs typeface="Hannotate SC Regular"/>
               </a:rPr>
-              <a:t>每日</a:t>
-            </a:r>
-            <a:r>
-              <a:rPr kumimoji="1" lang="zh-CN" altLang="en-US" dirty="0" smtClean="0">
-                <a:latin typeface="Hannotate SC Regular"/>
-                <a:cs typeface="Hannotate SC Regular"/>
-              </a:rPr>
-              <a:t>签到</a:t>
+              <a:t>每日签到</a:t>
             </a:r>
             <a:r>
               <a:rPr kumimoji="1" lang="zh-CN" altLang="en-US" sz="1600" i="1" dirty="0" smtClean="0"/>
@@ -3320,7 +3637,7 @@
         </p:nvGraphicFramePr>
         <p:xfrm>
           <a:off x="640395" y="1719895"/>
-          <a:ext cx="7502940" cy="2001520"/>
+          <a:ext cx="7502940" cy="2001519"/>
         </p:xfrm>
         <a:graphic>
           <a:graphicData uri="http://schemas.openxmlformats.org/drawingml/2006/table">
@@ -4898,7 +5215,7 @@
   <p:timing>
     <p:tnLst>
       <p:par>
-        <p:cTn id="1" dur="indefinite" restart="never" nodeType="tmRoot"/>
+        <p:cTn xmlns:p14="http://schemas.microsoft.com/office/powerpoint/2010/main" id="1" dur="indefinite" restart="never" nodeType="tmRoot"/>
       </p:par>
     </p:tnLst>
   </p:timing>
@@ -5017,7 +5334,7 @@
         </p:nvGraphicFramePr>
         <p:xfrm>
           <a:off x="640393" y="2470393"/>
-          <a:ext cx="7617468" cy="2387600"/>
+          <a:ext cx="7617468" cy="2387599"/>
         </p:xfrm>
         <a:graphic>
           <a:graphicData uri="http://schemas.openxmlformats.org/drawingml/2006/table">
@@ -6766,7 +7083,7 @@
   <p:timing>
     <p:tnLst>
       <p:par>
-        <p:cTn id="1" dur="indefinite" restart="never" nodeType="tmRoot"/>
+        <p:cTn xmlns:p14="http://schemas.microsoft.com/office/powerpoint/2010/main" id="1" dur="indefinite" restart="never" nodeType="tmRoot"/>
       </p:par>
     </p:tnLst>
   </p:timing>
@@ -6800,28 +7117,1167 @@
             <p:ph type="title"/>
           </p:nvPr>
         </p:nvSpPr>
-        <p:spPr/>
-        <p:txBody>
-          <a:bodyPr/>
-          <a:lstStyle/>
-          <a:p>
-            <a:r>
-              <a:rPr kumimoji="1" lang="zh-CN" altLang="en-US" dirty="0" smtClean="0"/>
-              <a:t>新增项目</a:t>
-            </a:r>
-            <a:endParaRPr kumimoji="1" lang="zh-CN" altLang="en-US" dirty="0"/>
-          </a:p>
-        </p:txBody>
-      </p:sp>
-      <p:sp>
-        <p:nvSpPr>
-          <p:cNvPr id="4" name="矩形 3"/>
+        <p:spPr>
+          <a:xfrm>
+            <a:off x="107137" y="95536"/>
+            <a:ext cx="6682176" cy="1143000"/>
+          </a:xfrm>
+        </p:spPr>
+        <p:txBody>
+          <a:bodyPr>
+            <a:normAutofit/>
+          </a:bodyPr>
+          <a:lstStyle/>
+          <a:p>
+            <a:pPr algn="l"/>
+            <a:r>
+              <a:rPr kumimoji="1" lang="zh-CN" altLang="en-US" dirty="0" smtClean="0">
+                <a:latin typeface="Hannotate SC Regular"/>
+                <a:cs typeface="Hannotate SC Regular"/>
+              </a:rPr>
+              <a:t>每日签到</a:t>
+            </a:r>
+            <a:r>
+              <a:rPr kumimoji="1" lang="zh-CN" altLang="en-US" sz="2400" dirty="0" smtClean="0"/>
+              <a:t>最简单易用的习惯养成工具</a:t>
+            </a:r>
+            <a:endParaRPr kumimoji="1" lang="zh-CN" altLang="en-US" sz="2400" dirty="0"/>
+          </a:p>
+        </p:txBody>
+      </p:sp>
+      <p:sp>
+        <p:nvSpPr>
+          <p:cNvPr id="5" name="正偏差 4">
+            <a:hlinkClick r:id="rId2" action="ppaction://hlinksldjump"/>
+            <a:hlinkHover r:id="" action="ppaction://noaction" highlightClick="1"/>
+          </p:cNvPr>
           <p:cNvSpPr/>
           <p:nvPr/>
         </p:nvSpPr>
         <p:spPr>
           <a:xfrm>
-            <a:off x="2953763" y="1995686"/>
+            <a:off x="3268666" y="6016080"/>
+            <a:ext cx="357820" cy="387351"/>
+          </a:xfrm>
+          <a:prstGeom prst="mathPlus">
+            <a:avLst/>
+          </a:prstGeom>
+        </p:spPr>
+        <p:style>
+          <a:lnRef idx="1">
+            <a:schemeClr val="accent1"/>
+          </a:lnRef>
+          <a:fillRef idx="3">
+            <a:schemeClr val="accent1"/>
+          </a:fillRef>
+          <a:effectRef idx="2">
+            <a:schemeClr val="accent1"/>
+          </a:effectRef>
+          <a:fontRef idx="minor">
+            <a:schemeClr val="lt1"/>
+          </a:fontRef>
+        </p:style>
+        <p:txBody>
+          <a:bodyPr rtlCol="0" anchor="ctr"/>
+          <a:lstStyle/>
+          <a:p>
+            <a:pPr algn="ctr"/>
+            <a:endParaRPr kumimoji="1" lang="zh-CN" altLang="en-US"/>
+          </a:p>
+        </p:txBody>
+      </p:sp>
+      <p:graphicFrame>
+        <p:nvGraphicFramePr>
+          <p:cNvPr id="6" name="表格 5"/>
+          <p:cNvGraphicFramePr>
+            <a:graphicFrameLocks noGrp="1"/>
+          </p:cNvGraphicFramePr>
+          <p:nvPr>
+            <p:extLst>
+              <p:ext uri="{D42A27DB-BD31-4B8C-83A1-F6EECF244321}">
+                <p14:modId xmlns:p14="http://schemas.microsoft.com/office/powerpoint/2010/main" val="1043727996"/>
+              </p:ext>
+            </p:extLst>
+          </p:nvPr>
+        </p:nvGraphicFramePr>
+        <p:xfrm>
+          <a:off x="1438101" y="1760827"/>
+          <a:ext cx="4844406" cy="1722120"/>
+        </p:xfrm>
+        <a:graphic>
+          <a:graphicData uri="http://schemas.openxmlformats.org/drawingml/2006/table">
+            <a:tbl>
+              <a:tblPr firstRow="1" bandRow="1">
+                <a:tableStyleId>{5C22544A-7EE6-4342-B048-85BDC9FD1C3A}</a:tableStyleId>
+              </a:tblPr>
+              <a:tblGrid>
+                <a:gridCol w="692058"/>
+                <a:gridCol w="692058"/>
+                <a:gridCol w="692058"/>
+                <a:gridCol w="692058"/>
+                <a:gridCol w="692058"/>
+                <a:gridCol w="692058"/>
+                <a:gridCol w="692058"/>
+              </a:tblGrid>
+              <a:tr h="370840">
+                <a:tc>
+                  <a:txBody>
+                    <a:bodyPr/>
+                    <a:lstStyle/>
+                    <a:p>
+                      <a:pPr algn="ctr"/>
+                      <a:r>
+                        <a:rPr lang="zh-CN" altLang="en-US" dirty="0" smtClean="0"/>
+                        <a:t>周一</a:t>
+                      </a:r>
+                      <a:endParaRPr lang="en-US" altLang="zh-CN" dirty="0" smtClean="0"/>
+                    </a:p>
+                    <a:p>
+                      <a:pPr algn="ctr"/>
+                      <a:r>
+                        <a:rPr lang="zh-CN" altLang="zh-CN" sz="1600" b="0" dirty="0" smtClean="0"/>
+                        <a:t>8</a:t>
+                      </a:r>
+                      <a:r>
+                        <a:rPr lang="en-US" altLang="zh-CN" sz="1600" b="0" dirty="0" smtClean="0"/>
+                        <a:t>.24</a:t>
+                      </a:r>
+                      <a:endParaRPr lang="zh-CN" altLang="en-US" sz="1600" b="0" dirty="0"/>
+                    </a:p>
+                  </a:txBody>
+                  <a:tcPr/>
+                </a:tc>
+                <a:tc>
+                  <a:txBody>
+                    <a:bodyPr/>
+                    <a:lstStyle/>
+                    <a:p>
+                      <a:pPr algn="ctr"/>
+                      <a:r>
+                        <a:rPr lang="zh-CN" altLang="en-US" dirty="0" smtClean="0"/>
+                        <a:t>周二</a:t>
+                      </a:r>
+                      <a:endParaRPr lang="en-US" altLang="zh-CN" dirty="0" smtClean="0"/>
+                    </a:p>
+                    <a:p>
+                      <a:pPr algn="ctr"/>
+                      <a:r>
+                        <a:rPr lang="zh-CN" altLang="zh-CN" sz="1600" b="0" dirty="0" smtClean="0"/>
+                        <a:t>8</a:t>
+                      </a:r>
+                      <a:r>
+                        <a:rPr lang="en-US" altLang="zh-CN" sz="1600" b="0" dirty="0" smtClean="0"/>
+                        <a:t>.25</a:t>
+                      </a:r>
+                      <a:endParaRPr lang="zh-CN" altLang="en-US" sz="1600" b="0" dirty="0"/>
+                    </a:p>
+                  </a:txBody>
+                  <a:tcPr/>
+                </a:tc>
+                <a:tc>
+                  <a:txBody>
+                    <a:bodyPr/>
+                    <a:lstStyle/>
+                    <a:p>
+                      <a:pPr algn="ctr"/>
+                      <a:r>
+                        <a:rPr lang="zh-CN" altLang="en-US" dirty="0" smtClean="0"/>
+                        <a:t>周三</a:t>
+                      </a:r>
+                      <a:endParaRPr lang="en-US" altLang="zh-CN" dirty="0" smtClean="0"/>
+                    </a:p>
+                    <a:p>
+                      <a:pPr algn="ctr"/>
+                      <a:r>
+                        <a:rPr lang="zh-CN" altLang="zh-CN" sz="1600" b="0" dirty="0" smtClean="0"/>
+                        <a:t>8</a:t>
+                      </a:r>
+                      <a:r>
+                        <a:rPr lang="en-US" altLang="zh-CN" sz="1600" b="0" dirty="0" smtClean="0"/>
+                        <a:t>.26</a:t>
+                      </a:r>
+                      <a:endParaRPr lang="zh-CN" altLang="en-US" sz="1600" b="0" dirty="0"/>
+                    </a:p>
+                  </a:txBody>
+                  <a:tcPr/>
+                </a:tc>
+                <a:tc>
+                  <a:txBody>
+                    <a:bodyPr/>
+                    <a:lstStyle/>
+                    <a:p>
+                      <a:pPr algn="ctr"/>
+                      <a:r>
+                        <a:rPr lang="zh-CN" altLang="en-US" dirty="0" smtClean="0"/>
+                        <a:t>周四</a:t>
+                      </a:r>
+                      <a:endParaRPr lang="en-US" altLang="zh-CN" dirty="0" smtClean="0"/>
+                    </a:p>
+                    <a:p>
+                      <a:pPr marL="0" marR="0" indent="0" algn="ctr" defTabSz="457200" rtl="0" eaLnBrk="1" fontAlgn="auto" latinLnBrk="0" hangingPunct="1">
+                        <a:lnSpc>
+                          <a:spcPct val="100000"/>
+                        </a:lnSpc>
+                        <a:spcBef>
+                          <a:spcPts val="0"/>
+                        </a:spcBef>
+                        <a:spcAft>
+                          <a:spcPts val="0"/>
+                        </a:spcAft>
+                        <a:buClrTx/>
+                        <a:buSzTx/>
+                        <a:buFontTx/>
+                        <a:buNone/>
+                        <a:tabLst/>
+                        <a:defRPr/>
+                      </a:pPr>
+                      <a:r>
+                        <a:rPr lang="zh-CN" altLang="zh-CN" sz="1600" b="0" dirty="0" smtClean="0"/>
+                        <a:t>8</a:t>
+                      </a:r>
+                      <a:r>
+                        <a:rPr lang="en-US" altLang="zh-CN" sz="1600" b="0" dirty="0" smtClean="0"/>
+                        <a:t>.27</a:t>
+                      </a:r>
+                      <a:endParaRPr lang="zh-CN" altLang="en-US" sz="1600" b="0" dirty="0" smtClean="0"/>
+                    </a:p>
+                  </a:txBody>
+                  <a:tcPr/>
+                </a:tc>
+                <a:tc>
+                  <a:txBody>
+                    <a:bodyPr/>
+                    <a:lstStyle/>
+                    <a:p>
+                      <a:pPr algn="ctr"/>
+                      <a:r>
+                        <a:rPr lang="zh-CN" altLang="en-US" dirty="0" smtClean="0"/>
+                        <a:t>周五</a:t>
+                      </a:r>
+                      <a:endParaRPr lang="en-US" altLang="zh-CN" dirty="0" smtClean="0"/>
+                    </a:p>
+                    <a:p>
+                      <a:pPr algn="ctr"/>
+                      <a:r>
+                        <a:rPr lang="zh-CN" altLang="zh-CN" sz="1600" b="0" dirty="0" smtClean="0"/>
+                        <a:t>8</a:t>
+                      </a:r>
+                      <a:r>
+                        <a:rPr lang="en-US" altLang="zh-CN" sz="1600" b="0" dirty="0" smtClean="0"/>
+                        <a:t>.28</a:t>
+                      </a:r>
+                      <a:endParaRPr lang="zh-CN" altLang="en-US" sz="1600" b="0" dirty="0"/>
+                    </a:p>
+                  </a:txBody>
+                  <a:tcPr/>
+                </a:tc>
+                <a:tc>
+                  <a:txBody>
+                    <a:bodyPr/>
+                    <a:lstStyle/>
+                    <a:p>
+                      <a:pPr algn="ctr"/>
+                      <a:r>
+                        <a:rPr lang="zh-CN" altLang="en-US" dirty="0" smtClean="0"/>
+                        <a:t>周六</a:t>
+                      </a:r>
+                      <a:endParaRPr lang="en-US" altLang="zh-CN" dirty="0" smtClean="0"/>
+                    </a:p>
+                    <a:p>
+                      <a:pPr algn="ctr"/>
+                      <a:r>
+                        <a:rPr lang="zh-CN" altLang="zh-CN" sz="1600" b="0" dirty="0" smtClean="0"/>
+                        <a:t>8</a:t>
+                      </a:r>
+                      <a:r>
+                        <a:rPr lang="en-US" altLang="zh-CN" sz="1600" b="0" dirty="0" smtClean="0"/>
+                        <a:t>.29</a:t>
+                      </a:r>
+                      <a:endParaRPr lang="zh-CN" altLang="en-US" sz="1600" b="0" dirty="0"/>
+                    </a:p>
+                  </a:txBody>
+                  <a:tcPr/>
+                </a:tc>
+                <a:tc>
+                  <a:txBody>
+                    <a:bodyPr/>
+                    <a:lstStyle/>
+                    <a:p>
+                      <a:pPr algn="ctr"/>
+                      <a:r>
+                        <a:rPr lang="zh-CN" altLang="en-US" dirty="0" smtClean="0"/>
+                        <a:t>周日</a:t>
+                      </a:r>
+                      <a:endParaRPr lang="en-US" altLang="zh-CN" dirty="0" smtClean="0"/>
+                    </a:p>
+                    <a:p>
+                      <a:pPr algn="ctr"/>
+                      <a:r>
+                        <a:rPr lang="zh-CN" altLang="zh-CN" sz="1600" b="0" dirty="0" smtClean="0"/>
+                        <a:t>8</a:t>
+                      </a:r>
+                      <a:r>
+                        <a:rPr lang="en-US" altLang="zh-CN" sz="1600" b="0" dirty="0" smtClean="0"/>
+                        <a:t>.30</a:t>
+                      </a:r>
+                      <a:endParaRPr lang="zh-CN" altLang="en-US" sz="1600" b="0" dirty="0"/>
+                    </a:p>
+                  </a:txBody>
+                  <a:tcPr/>
+                </a:tc>
+              </a:tr>
+              <a:tr h="370840">
+                <a:tc>
+                  <a:txBody>
+                    <a:bodyPr/>
+                    <a:lstStyle/>
+                    <a:p>
+                      <a:pPr algn="ctr"/>
+                      <a:endParaRPr lang="zh-CN" altLang="en-US" dirty="0">
+                        <a:solidFill>
+                          <a:srgbClr val="FF0000"/>
+                        </a:solidFill>
+                      </a:endParaRPr>
+                    </a:p>
+                  </a:txBody>
+                  <a:tcPr anchor="ctr" anchorCtr="1"/>
+                </a:tc>
+                <a:tc>
+                  <a:txBody>
+                    <a:bodyPr/>
+                    <a:lstStyle/>
+                    <a:p>
+                      <a:pPr algn="ctr"/>
+                      <a:endParaRPr lang="zh-CN" altLang="en-US" dirty="0">
+                        <a:solidFill>
+                          <a:srgbClr val="FF0000"/>
+                        </a:solidFill>
+                      </a:endParaRPr>
+                    </a:p>
+                  </a:txBody>
+                  <a:tcPr anchor="ctr" anchorCtr="1"/>
+                </a:tc>
+                <a:tc>
+                  <a:txBody>
+                    <a:bodyPr/>
+                    <a:lstStyle/>
+                    <a:p>
+                      <a:pPr marL="0" marR="0" indent="0" algn="ctr" defTabSz="457200" rtl="0" eaLnBrk="1" fontAlgn="auto" latinLnBrk="0" hangingPunct="1">
+                        <a:lnSpc>
+                          <a:spcPct val="100000"/>
+                        </a:lnSpc>
+                        <a:spcBef>
+                          <a:spcPts val="0"/>
+                        </a:spcBef>
+                        <a:spcAft>
+                          <a:spcPts val="0"/>
+                        </a:spcAft>
+                        <a:buClrTx/>
+                        <a:buSzTx/>
+                        <a:buFontTx/>
+                        <a:buNone/>
+                        <a:tabLst/>
+                        <a:defRPr/>
+                      </a:pPr>
+                      <a:r>
+                        <a:rPr lang="zh-CN" altLang="en-US" sz="1800" dirty="0" smtClean="0">
+                          <a:solidFill>
+                            <a:srgbClr val="FF0000"/>
+                          </a:solidFill>
+                          <a:latin typeface="Zapf Dingbats"/>
+                          <a:ea typeface="Zapf Dingbats"/>
+                          <a:cs typeface="Zapf Dingbats"/>
+                          <a:sym typeface="Zapf Dingbats"/>
+                        </a:rPr>
+                        <a:t>✔</a:t>
+                      </a:r>
+                      <a:endParaRPr lang="zh-CN" altLang="en-US" sz="1800" dirty="0" smtClean="0">
+                        <a:solidFill>
+                          <a:srgbClr val="FF0000"/>
+                        </a:solidFill>
+                      </a:endParaRPr>
+                    </a:p>
+                  </a:txBody>
+                  <a:tcPr anchor="ctr" anchorCtr="1"/>
+                </a:tc>
+                <a:tc>
+                  <a:txBody>
+                    <a:bodyPr/>
+                    <a:lstStyle/>
+                    <a:p>
+                      <a:pPr algn="ctr"/>
+                      <a:endParaRPr lang="zh-CN" altLang="en-US" dirty="0">
+                        <a:solidFill>
+                          <a:srgbClr val="FF0000"/>
+                        </a:solidFill>
+                      </a:endParaRPr>
+                    </a:p>
+                  </a:txBody>
+                  <a:tcPr anchor="ctr" anchorCtr="1"/>
+                </a:tc>
+                <a:tc>
+                  <a:txBody>
+                    <a:bodyPr/>
+                    <a:lstStyle/>
+                    <a:p>
+                      <a:pPr algn="ctr"/>
+                      <a:endParaRPr lang="zh-CN" altLang="en-US" dirty="0">
+                        <a:solidFill>
+                          <a:srgbClr val="FF0000"/>
+                        </a:solidFill>
+                      </a:endParaRPr>
+                    </a:p>
+                  </a:txBody>
+                  <a:tcPr anchor="ctr" anchorCtr="1"/>
+                </a:tc>
+                <a:tc>
+                  <a:txBody>
+                    <a:bodyPr/>
+                    <a:lstStyle/>
+                    <a:p>
+                      <a:pPr algn="ctr"/>
+                      <a:endParaRPr lang="zh-CN" altLang="en-US">
+                        <a:solidFill>
+                          <a:srgbClr val="FF0000"/>
+                        </a:solidFill>
+                      </a:endParaRPr>
+                    </a:p>
+                  </a:txBody>
+                  <a:tcPr anchor="ctr" anchorCtr="1"/>
+                </a:tc>
+                <a:tc>
+                  <a:txBody>
+                    <a:bodyPr/>
+                    <a:lstStyle/>
+                    <a:p>
+                      <a:pPr algn="ctr"/>
+                      <a:endParaRPr lang="zh-CN" altLang="en-US" dirty="0">
+                        <a:solidFill>
+                          <a:srgbClr val="FF0000"/>
+                        </a:solidFill>
+                      </a:endParaRPr>
+                    </a:p>
+                  </a:txBody>
+                  <a:tcPr anchor="ctr" anchorCtr="1"/>
+                </a:tc>
+              </a:tr>
+              <a:tr h="370840">
+                <a:tc>
+                  <a:txBody>
+                    <a:bodyPr/>
+                    <a:lstStyle/>
+                    <a:p>
+                      <a:pPr marL="0" marR="0" indent="0" algn="ctr" defTabSz="457200" rtl="0" eaLnBrk="1" fontAlgn="auto" latinLnBrk="0" hangingPunct="1">
+                        <a:lnSpc>
+                          <a:spcPct val="100000"/>
+                        </a:lnSpc>
+                        <a:spcBef>
+                          <a:spcPts val="0"/>
+                        </a:spcBef>
+                        <a:spcAft>
+                          <a:spcPts val="0"/>
+                        </a:spcAft>
+                        <a:buClrTx/>
+                        <a:buSzTx/>
+                        <a:buFontTx/>
+                        <a:buNone/>
+                        <a:tabLst/>
+                        <a:defRPr/>
+                      </a:pPr>
+                      <a:r>
+                        <a:rPr lang="zh-CN" altLang="en-US" sz="1800" dirty="0" smtClean="0">
+                          <a:solidFill>
+                            <a:srgbClr val="FF0000"/>
+                          </a:solidFill>
+                          <a:latin typeface="Zapf Dingbats"/>
+                          <a:ea typeface="Zapf Dingbats"/>
+                          <a:cs typeface="Zapf Dingbats"/>
+                          <a:sym typeface="Zapf Dingbats"/>
+                        </a:rPr>
+                        <a:t>✔</a:t>
+                      </a:r>
+                      <a:endParaRPr lang="zh-CN" altLang="en-US" sz="1800" dirty="0" smtClean="0">
+                        <a:solidFill>
+                          <a:srgbClr val="FF0000"/>
+                        </a:solidFill>
+                      </a:endParaRPr>
+                    </a:p>
+                  </a:txBody>
+                  <a:tcPr anchor="ctr" anchorCtr="1"/>
+                </a:tc>
+                <a:tc>
+                  <a:txBody>
+                    <a:bodyPr/>
+                    <a:lstStyle/>
+                    <a:p>
+                      <a:pPr marL="0" marR="0" indent="0" algn="ctr" defTabSz="457200" rtl="0" eaLnBrk="1" fontAlgn="auto" latinLnBrk="0" hangingPunct="1">
+                        <a:lnSpc>
+                          <a:spcPct val="100000"/>
+                        </a:lnSpc>
+                        <a:spcBef>
+                          <a:spcPts val="0"/>
+                        </a:spcBef>
+                        <a:spcAft>
+                          <a:spcPts val="0"/>
+                        </a:spcAft>
+                        <a:buClrTx/>
+                        <a:buSzTx/>
+                        <a:buFontTx/>
+                        <a:buNone/>
+                        <a:tabLst/>
+                        <a:defRPr/>
+                      </a:pPr>
+                      <a:r>
+                        <a:rPr lang="zh-CN" altLang="en-US" sz="1800" dirty="0" smtClean="0">
+                          <a:solidFill>
+                            <a:srgbClr val="FF0000"/>
+                          </a:solidFill>
+                          <a:latin typeface="Zapf Dingbats"/>
+                          <a:ea typeface="Zapf Dingbats"/>
+                          <a:cs typeface="Zapf Dingbats"/>
+                          <a:sym typeface="Zapf Dingbats"/>
+                        </a:rPr>
+                        <a:t>✔</a:t>
+                      </a:r>
+                      <a:endParaRPr lang="zh-CN" altLang="en-US" sz="1800" dirty="0" smtClean="0">
+                        <a:solidFill>
+                          <a:srgbClr val="FF0000"/>
+                        </a:solidFill>
+                      </a:endParaRPr>
+                    </a:p>
+                  </a:txBody>
+                  <a:tcPr anchor="ctr" anchorCtr="1"/>
+                </a:tc>
+                <a:tc>
+                  <a:txBody>
+                    <a:bodyPr/>
+                    <a:lstStyle/>
+                    <a:p>
+                      <a:pPr marL="0" marR="0" indent="0" algn="ctr" defTabSz="457200" rtl="0" eaLnBrk="1" fontAlgn="auto" latinLnBrk="0" hangingPunct="1">
+                        <a:lnSpc>
+                          <a:spcPct val="100000"/>
+                        </a:lnSpc>
+                        <a:spcBef>
+                          <a:spcPts val="0"/>
+                        </a:spcBef>
+                        <a:spcAft>
+                          <a:spcPts val="0"/>
+                        </a:spcAft>
+                        <a:buClrTx/>
+                        <a:buSzTx/>
+                        <a:buFontTx/>
+                        <a:buNone/>
+                        <a:tabLst/>
+                        <a:defRPr/>
+                      </a:pPr>
+                      <a:r>
+                        <a:rPr lang="zh-CN" altLang="en-US" sz="1800" dirty="0" smtClean="0">
+                          <a:solidFill>
+                            <a:srgbClr val="FF0000"/>
+                          </a:solidFill>
+                          <a:latin typeface="Zapf Dingbats"/>
+                          <a:ea typeface="Zapf Dingbats"/>
+                          <a:cs typeface="Zapf Dingbats"/>
+                          <a:sym typeface="Zapf Dingbats"/>
+                        </a:rPr>
+                        <a:t>✔</a:t>
+                      </a:r>
+                      <a:endParaRPr lang="zh-CN" altLang="en-US" sz="1800" dirty="0" smtClean="0">
+                        <a:solidFill>
+                          <a:srgbClr val="FF0000"/>
+                        </a:solidFill>
+                      </a:endParaRPr>
+                    </a:p>
+                  </a:txBody>
+                  <a:tcPr anchor="ctr" anchorCtr="1"/>
+                </a:tc>
+                <a:tc>
+                  <a:txBody>
+                    <a:bodyPr/>
+                    <a:lstStyle/>
+                    <a:p>
+                      <a:pPr marL="0" marR="0" indent="0" algn="ctr" defTabSz="457200" rtl="0" eaLnBrk="1" fontAlgn="auto" latinLnBrk="0" hangingPunct="1">
+                        <a:lnSpc>
+                          <a:spcPct val="100000"/>
+                        </a:lnSpc>
+                        <a:spcBef>
+                          <a:spcPts val="0"/>
+                        </a:spcBef>
+                        <a:spcAft>
+                          <a:spcPts val="0"/>
+                        </a:spcAft>
+                        <a:buClrTx/>
+                        <a:buSzTx/>
+                        <a:buFontTx/>
+                        <a:buNone/>
+                        <a:tabLst/>
+                        <a:defRPr/>
+                      </a:pPr>
+                      <a:r>
+                        <a:rPr lang="zh-CN" altLang="en-US" sz="1800" dirty="0" smtClean="0">
+                          <a:solidFill>
+                            <a:srgbClr val="FF0000"/>
+                          </a:solidFill>
+                          <a:latin typeface="Zapf Dingbats"/>
+                          <a:ea typeface="Zapf Dingbats"/>
+                          <a:cs typeface="Zapf Dingbats"/>
+                          <a:sym typeface="Zapf Dingbats"/>
+                        </a:rPr>
+                        <a:t>✔</a:t>
+                      </a:r>
+                      <a:endParaRPr lang="zh-CN" altLang="en-US" sz="1800" dirty="0" smtClean="0">
+                        <a:solidFill>
+                          <a:srgbClr val="FF0000"/>
+                        </a:solidFill>
+                      </a:endParaRPr>
+                    </a:p>
+                  </a:txBody>
+                  <a:tcPr anchor="ctr" anchorCtr="1"/>
+                </a:tc>
+                <a:tc>
+                  <a:txBody>
+                    <a:bodyPr/>
+                    <a:lstStyle/>
+                    <a:p>
+                      <a:pPr marL="0" marR="0" indent="0" algn="ctr" defTabSz="457200" rtl="0" eaLnBrk="1" fontAlgn="auto" latinLnBrk="0" hangingPunct="1">
+                        <a:lnSpc>
+                          <a:spcPct val="100000"/>
+                        </a:lnSpc>
+                        <a:spcBef>
+                          <a:spcPts val="0"/>
+                        </a:spcBef>
+                        <a:spcAft>
+                          <a:spcPts val="0"/>
+                        </a:spcAft>
+                        <a:buClrTx/>
+                        <a:buSzTx/>
+                        <a:buFontTx/>
+                        <a:buNone/>
+                        <a:tabLst/>
+                        <a:defRPr/>
+                      </a:pPr>
+                      <a:r>
+                        <a:rPr lang="zh-CN" altLang="en-US" sz="1800" dirty="0" smtClean="0">
+                          <a:solidFill>
+                            <a:srgbClr val="FF0000"/>
+                          </a:solidFill>
+                          <a:latin typeface="Zapf Dingbats"/>
+                          <a:ea typeface="Zapf Dingbats"/>
+                          <a:cs typeface="Zapf Dingbats"/>
+                          <a:sym typeface="Zapf Dingbats"/>
+                        </a:rPr>
+                        <a:t>✔</a:t>
+                      </a:r>
+                      <a:endParaRPr lang="zh-CN" altLang="en-US" sz="1800" dirty="0" smtClean="0">
+                        <a:solidFill>
+                          <a:srgbClr val="FF0000"/>
+                        </a:solidFill>
+                      </a:endParaRPr>
+                    </a:p>
+                  </a:txBody>
+                  <a:tcPr anchor="ctr" anchorCtr="1"/>
+                </a:tc>
+                <a:tc>
+                  <a:txBody>
+                    <a:bodyPr/>
+                    <a:lstStyle/>
+                    <a:p>
+                      <a:pPr algn="ctr"/>
+                      <a:endParaRPr lang="zh-CN" altLang="en-US" dirty="0">
+                        <a:solidFill>
+                          <a:srgbClr val="FF0000"/>
+                        </a:solidFill>
+                      </a:endParaRPr>
+                    </a:p>
+                  </a:txBody>
+                  <a:tcPr anchor="ctr" anchorCtr="1"/>
+                </a:tc>
+                <a:tc>
+                  <a:txBody>
+                    <a:bodyPr/>
+                    <a:lstStyle/>
+                    <a:p>
+                      <a:pPr algn="ctr"/>
+                      <a:endParaRPr lang="zh-CN" altLang="en-US" dirty="0">
+                        <a:solidFill>
+                          <a:srgbClr val="FF0000"/>
+                        </a:solidFill>
+                      </a:endParaRPr>
+                    </a:p>
+                  </a:txBody>
+                  <a:tcPr anchor="ctr" anchorCtr="1"/>
+                </a:tc>
+              </a:tr>
+              <a:tr h="370840">
+                <a:tc>
+                  <a:txBody>
+                    <a:bodyPr/>
+                    <a:lstStyle/>
+                    <a:p>
+                      <a:pPr marL="0" marR="0" indent="0" algn="ctr" defTabSz="457200" rtl="0" eaLnBrk="1" fontAlgn="auto" latinLnBrk="0" hangingPunct="1">
+                        <a:lnSpc>
+                          <a:spcPct val="100000"/>
+                        </a:lnSpc>
+                        <a:spcBef>
+                          <a:spcPts val="0"/>
+                        </a:spcBef>
+                        <a:spcAft>
+                          <a:spcPts val="0"/>
+                        </a:spcAft>
+                        <a:buClrTx/>
+                        <a:buSzTx/>
+                        <a:buFontTx/>
+                        <a:buNone/>
+                        <a:tabLst/>
+                        <a:defRPr/>
+                      </a:pPr>
+                      <a:r>
+                        <a:rPr lang="zh-CN" altLang="en-US" sz="1800" dirty="0" smtClean="0">
+                          <a:solidFill>
+                            <a:srgbClr val="FF0000"/>
+                          </a:solidFill>
+                          <a:latin typeface="Zapf Dingbats"/>
+                          <a:ea typeface="Zapf Dingbats"/>
+                          <a:cs typeface="Zapf Dingbats"/>
+                          <a:sym typeface="Zapf Dingbats"/>
+                        </a:rPr>
+                        <a:t>✔</a:t>
+                      </a:r>
+                      <a:endParaRPr lang="zh-CN" altLang="en-US" sz="1800" dirty="0" smtClean="0">
+                        <a:solidFill>
+                          <a:srgbClr val="FF0000"/>
+                        </a:solidFill>
+                      </a:endParaRPr>
+                    </a:p>
+                  </a:txBody>
+                  <a:tcPr anchor="ctr" anchorCtr="1"/>
+                </a:tc>
+                <a:tc>
+                  <a:txBody>
+                    <a:bodyPr/>
+                    <a:lstStyle/>
+                    <a:p>
+                      <a:pPr marL="0" marR="0" indent="0" algn="ctr" defTabSz="457200" rtl="0" eaLnBrk="1" fontAlgn="auto" latinLnBrk="0" hangingPunct="1">
+                        <a:lnSpc>
+                          <a:spcPct val="100000"/>
+                        </a:lnSpc>
+                        <a:spcBef>
+                          <a:spcPts val="0"/>
+                        </a:spcBef>
+                        <a:spcAft>
+                          <a:spcPts val="0"/>
+                        </a:spcAft>
+                        <a:buClrTx/>
+                        <a:buSzTx/>
+                        <a:buFontTx/>
+                        <a:buNone/>
+                        <a:tabLst/>
+                        <a:defRPr/>
+                      </a:pPr>
+                      <a:r>
+                        <a:rPr lang="zh-CN" altLang="en-US" sz="1800" dirty="0" smtClean="0">
+                          <a:solidFill>
+                            <a:srgbClr val="FF0000"/>
+                          </a:solidFill>
+                          <a:latin typeface="Zapf Dingbats"/>
+                          <a:ea typeface="Zapf Dingbats"/>
+                          <a:cs typeface="Zapf Dingbats"/>
+                          <a:sym typeface="Zapf Dingbats"/>
+                        </a:rPr>
+                        <a:t>✔</a:t>
+                      </a:r>
+                      <a:endParaRPr lang="zh-CN" altLang="en-US" sz="1800" dirty="0" smtClean="0">
+                        <a:solidFill>
+                          <a:srgbClr val="FF0000"/>
+                        </a:solidFill>
+                      </a:endParaRPr>
+                    </a:p>
+                  </a:txBody>
+                  <a:tcPr anchor="ctr" anchorCtr="1"/>
+                </a:tc>
+                <a:tc>
+                  <a:txBody>
+                    <a:bodyPr/>
+                    <a:lstStyle/>
+                    <a:p>
+                      <a:pPr marL="0" marR="0" indent="0" algn="ctr" defTabSz="457200" rtl="0" eaLnBrk="1" fontAlgn="auto" latinLnBrk="0" hangingPunct="1">
+                        <a:lnSpc>
+                          <a:spcPct val="100000"/>
+                        </a:lnSpc>
+                        <a:spcBef>
+                          <a:spcPts val="0"/>
+                        </a:spcBef>
+                        <a:spcAft>
+                          <a:spcPts val="0"/>
+                        </a:spcAft>
+                        <a:buClrTx/>
+                        <a:buSzTx/>
+                        <a:buFontTx/>
+                        <a:buNone/>
+                        <a:tabLst/>
+                        <a:defRPr/>
+                      </a:pPr>
+                      <a:r>
+                        <a:rPr lang="zh-CN" altLang="en-US" sz="1800" dirty="0" smtClean="0">
+                          <a:solidFill>
+                            <a:srgbClr val="FF0000"/>
+                          </a:solidFill>
+                          <a:latin typeface="Zapf Dingbats"/>
+                          <a:ea typeface="Zapf Dingbats"/>
+                          <a:cs typeface="Zapf Dingbats"/>
+                          <a:sym typeface="Zapf Dingbats"/>
+                        </a:rPr>
+                        <a:t>✔</a:t>
+                      </a:r>
+                      <a:endParaRPr lang="zh-CN" altLang="en-US" sz="1800" dirty="0" smtClean="0">
+                        <a:solidFill>
+                          <a:srgbClr val="FF0000"/>
+                        </a:solidFill>
+                      </a:endParaRPr>
+                    </a:p>
+                  </a:txBody>
+                  <a:tcPr anchor="ctr" anchorCtr="1"/>
+                </a:tc>
+                <a:tc>
+                  <a:txBody>
+                    <a:bodyPr/>
+                    <a:lstStyle/>
+                    <a:p>
+                      <a:pPr marL="0" marR="0" indent="0" algn="ctr" defTabSz="457200" rtl="0" eaLnBrk="1" fontAlgn="auto" latinLnBrk="0" hangingPunct="1">
+                        <a:lnSpc>
+                          <a:spcPct val="100000"/>
+                        </a:lnSpc>
+                        <a:spcBef>
+                          <a:spcPts val="0"/>
+                        </a:spcBef>
+                        <a:spcAft>
+                          <a:spcPts val="0"/>
+                        </a:spcAft>
+                        <a:buClrTx/>
+                        <a:buSzTx/>
+                        <a:buFontTx/>
+                        <a:buNone/>
+                        <a:tabLst/>
+                        <a:defRPr/>
+                      </a:pPr>
+                      <a:r>
+                        <a:rPr lang="zh-CN" altLang="en-US" sz="1800" dirty="0" smtClean="0">
+                          <a:solidFill>
+                            <a:srgbClr val="FF0000"/>
+                          </a:solidFill>
+                          <a:latin typeface="Zapf Dingbats"/>
+                          <a:ea typeface="Zapf Dingbats"/>
+                          <a:cs typeface="Zapf Dingbats"/>
+                          <a:sym typeface="Zapf Dingbats"/>
+                        </a:rPr>
+                        <a:t>✔</a:t>
+                      </a:r>
+                      <a:endParaRPr lang="zh-CN" altLang="en-US" sz="1800" dirty="0" smtClean="0">
+                        <a:solidFill>
+                          <a:srgbClr val="FF0000"/>
+                        </a:solidFill>
+                      </a:endParaRPr>
+                    </a:p>
+                  </a:txBody>
+                  <a:tcPr anchor="ctr" anchorCtr="1"/>
+                </a:tc>
+                <a:tc>
+                  <a:txBody>
+                    <a:bodyPr/>
+                    <a:lstStyle/>
+                    <a:p>
+                      <a:pPr algn="ctr"/>
+                      <a:endParaRPr lang="zh-CN" altLang="en-US" dirty="0">
+                        <a:solidFill>
+                          <a:srgbClr val="FF0000"/>
+                        </a:solidFill>
+                      </a:endParaRPr>
+                    </a:p>
+                  </a:txBody>
+                  <a:tcPr anchor="ctr" anchorCtr="1"/>
+                </a:tc>
+                <a:tc>
+                  <a:txBody>
+                    <a:bodyPr/>
+                    <a:lstStyle/>
+                    <a:p>
+                      <a:pPr algn="ctr"/>
+                      <a:endParaRPr lang="zh-CN" altLang="en-US" dirty="0">
+                        <a:solidFill>
+                          <a:srgbClr val="FF0000"/>
+                        </a:solidFill>
+                      </a:endParaRPr>
+                    </a:p>
+                  </a:txBody>
+                  <a:tcPr anchor="ctr" anchorCtr="1"/>
+                </a:tc>
+                <a:tc>
+                  <a:txBody>
+                    <a:bodyPr/>
+                    <a:lstStyle/>
+                    <a:p>
+                      <a:pPr algn="ctr"/>
+                      <a:endParaRPr lang="zh-CN" altLang="en-US" dirty="0">
+                        <a:solidFill>
+                          <a:srgbClr val="FF0000"/>
+                        </a:solidFill>
+                      </a:endParaRPr>
+                    </a:p>
+                  </a:txBody>
+                  <a:tcPr anchor="ctr" anchorCtr="1"/>
+                </a:tc>
+              </a:tr>
+            </a:tbl>
+          </a:graphicData>
+        </a:graphic>
+      </p:graphicFrame>
+      <p:sp>
+        <p:nvSpPr>
+          <p:cNvPr id="7" name="右箭头 6"/>
+          <p:cNvSpPr/>
+          <p:nvPr/>
+        </p:nvSpPr>
+        <p:spPr>
+          <a:xfrm>
+            <a:off x="4030640" y="1414311"/>
+            <a:ext cx="246692" cy="129075"/>
+          </a:xfrm>
+          <a:prstGeom prst="rightArrow">
+            <a:avLst/>
+          </a:prstGeom>
+          <a:solidFill>
+            <a:schemeClr val="accent6">
+              <a:lumMod val="75000"/>
+            </a:schemeClr>
+          </a:solidFill>
+          <a:ln>
+            <a:noFill/>
+          </a:ln>
+        </p:spPr>
+        <p:style>
+          <a:lnRef idx="1">
+            <a:schemeClr val="accent1"/>
+          </a:lnRef>
+          <a:fillRef idx="3">
+            <a:schemeClr val="accent1"/>
+          </a:fillRef>
+          <a:effectRef idx="2">
+            <a:schemeClr val="accent1"/>
+          </a:effectRef>
+          <a:fontRef idx="minor">
+            <a:schemeClr val="lt1"/>
+          </a:fontRef>
+        </p:style>
+        <p:txBody>
+          <a:bodyPr rtlCol="0" anchor="ctr"/>
+          <a:lstStyle/>
+          <a:p>
+            <a:pPr algn="ctr"/>
+            <a:endParaRPr kumimoji="1" lang="zh-CN" altLang="en-US"/>
+          </a:p>
+        </p:txBody>
+      </p:sp>
+      <p:sp>
+        <p:nvSpPr>
+          <p:cNvPr id="8" name="右箭头 7"/>
+          <p:cNvSpPr/>
+          <p:nvPr/>
+        </p:nvSpPr>
+        <p:spPr>
+          <a:xfrm flipH="1">
+            <a:off x="3102332" y="1414311"/>
+            <a:ext cx="246692" cy="129075"/>
+          </a:xfrm>
+          <a:prstGeom prst="rightArrow">
+            <a:avLst/>
+          </a:prstGeom>
+          <a:solidFill>
+            <a:schemeClr val="accent6">
+              <a:lumMod val="75000"/>
+            </a:schemeClr>
+          </a:solidFill>
+          <a:ln>
+            <a:noFill/>
+          </a:ln>
+        </p:spPr>
+        <p:style>
+          <a:lnRef idx="1">
+            <a:schemeClr val="accent1"/>
+          </a:lnRef>
+          <a:fillRef idx="3">
+            <a:schemeClr val="accent1"/>
+          </a:fillRef>
+          <a:effectRef idx="2">
+            <a:schemeClr val="accent1"/>
+          </a:effectRef>
+          <a:fontRef idx="minor">
+            <a:schemeClr val="lt1"/>
+          </a:fontRef>
+        </p:style>
+        <p:txBody>
+          <a:bodyPr rtlCol="0" anchor="ctr"/>
+          <a:lstStyle/>
+          <a:p>
+            <a:pPr algn="ctr"/>
+            <a:endParaRPr kumimoji="1" lang="zh-CN" altLang="en-US"/>
+          </a:p>
+        </p:txBody>
+      </p:sp>
+      <p:sp>
+        <p:nvSpPr>
+          <p:cNvPr id="9" name="椭圆 8"/>
+          <p:cNvSpPr/>
+          <p:nvPr/>
+        </p:nvSpPr>
+        <p:spPr>
+          <a:xfrm rot="2014728">
+            <a:off x="4399462" y="3103272"/>
+            <a:ext cx="204313" cy="426813"/>
+          </a:xfrm>
+          <a:prstGeom prst="ellipse">
+            <a:avLst/>
+          </a:prstGeom>
+          <a:noFill/>
+          <a:ln>
+            <a:solidFill>
+              <a:srgbClr val="FF0000"/>
+            </a:solidFill>
+          </a:ln>
+        </p:spPr>
+        <p:style>
+          <a:lnRef idx="1">
+            <a:schemeClr val="accent1"/>
+          </a:lnRef>
+          <a:fillRef idx="3">
+            <a:schemeClr val="accent1"/>
+          </a:fillRef>
+          <a:effectRef idx="2">
+            <a:schemeClr val="accent1"/>
+          </a:effectRef>
+          <a:fontRef idx="minor">
+            <a:schemeClr val="lt1"/>
+          </a:fontRef>
+        </p:style>
+        <p:txBody>
+          <a:bodyPr/>
+          <a:lstStyle/>
+          <a:p>
+            <a:endParaRPr lang="zh-CN" altLang="en-US"/>
+          </a:p>
+        </p:txBody>
+      </p:sp>
+      <p:sp>
+        <p:nvSpPr>
+          <p:cNvPr id="17" name="圆角矩形 16"/>
+          <p:cNvSpPr/>
+          <p:nvPr/>
+        </p:nvSpPr>
+        <p:spPr>
+          <a:xfrm>
+            <a:off x="3466327" y="1401922"/>
+            <a:ext cx="458996" cy="179658"/>
+          </a:xfrm>
+          <a:prstGeom prst="roundRect">
+            <a:avLst/>
+          </a:prstGeom>
+          <a:solidFill>
+            <a:srgbClr val="FFFF00"/>
+          </a:solidFill>
+        </p:spPr>
+        <p:style>
+          <a:lnRef idx="1">
+            <a:schemeClr val="accent1"/>
+          </a:lnRef>
+          <a:fillRef idx="3">
+            <a:schemeClr val="accent1"/>
+          </a:fillRef>
+          <a:effectRef idx="2">
+            <a:schemeClr val="accent1"/>
+          </a:effectRef>
+          <a:fontRef idx="minor">
+            <a:schemeClr val="lt1"/>
+          </a:fontRef>
+        </p:style>
+        <p:txBody>
+          <a:bodyPr lIns="0" tIns="0" rIns="0" bIns="0" rtlCol="0" anchor="ctr" anchorCtr="1">
+            <a:normAutofit fontScale="77500" lnSpcReduction="20000"/>
+          </a:bodyPr>
+          <a:lstStyle/>
+          <a:p>
+            <a:pPr algn="ctr"/>
+            <a:r>
+              <a:rPr kumimoji="1" lang="zh-CN" altLang="en-US" sz="1400" dirty="0" smtClean="0">
+                <a:solidFill>
+                  <a:schemeClr val="tx1">
+                    <a:lumMod val="50000"/>
+                    <a:lumOff val="50000"/>
+                  </a:schemeClr>
+                </a:solidFill>
+              </a:rPr>
+              <a:t>回今天</a:t>
+            </a:r>
+            <a:endParaRPr kumimoji="1" lang="zh-CN" altLang="en-US" sz="1400" dirty="0">
+              <a:solidFill>
+                <a:schemeClr val="tx1">
+                  <a:lumMod val="50000"/>
+                  <a:lumOff val="50000"/>
+                </a:schemeClr>
+              </a:solidFill>
+            </a:endParaRPr>
+          </a:p>
+        </p:txBody>
+      </p:sp>
+      <p:sp>
+        <p:nvSpPr>
+          <p:cNvPr id="20" name="多文档 19">
+            <a:hlinkClick r:id="rId3" action="ppaction://hlinksldjump"/>
+          </p:cNvPr>
+          <p:cNvSpPr/>
+          <p:nvPr/>
+        </p:nvSpPr>
+        <p:spPr>
+          <a:xfrm>
+            <a:off x="3968981" y="6042404"/>
+            <a:ext cx="278762" cy="335165"/>
+          </a:xfrm>
+          <a:prstGeom prst="flowChartMultidocument">
+            <a:avLst/>
+          </a:prstGeom>
+        </p:spPr>
+        <p:style>
+          <a:lnRef idx="1">
+            <a:schemeClr val="accent1"/>
+          </a:lnRef>
+          <a:fillRef idx="3">
+            <a:schemeClr val="accent1"/>
+          </a:fillRef>
+          <a:effectRef idx="2">
+            <a:schemeClr val="accent1"/>
+          </a:effectRef>
+          <a:fontRef idx="minor">
+            <a:schemeClr val="lt1"/>
+          </a:fontRef>
+        </p:style>
+        <p:txBody>
+          <a:bodyPr rtlCol="0" anchor="ctr"/>
+          <a:lstStyle/>
+          <a:p>
+            <a:pPr algn="ctr"/>
+            <a:endParaRPr kumimoji="1" lang="zh-CN" altLang="en-US"/>
+          </a:p>
+        </p:txBody>
+      </p:sp>
+      <p:sp>
+        <p:nvSpPr>
+          <p:cNvPr id="21" name="矩形 20">
+            <a:hlinkClick r:id="rId4" action="ppaction://hlinksldjump"/>
+          </p:cNvPr>
+          <p:cNvSpPr/>
+          <p:nvPr/>
+        </p:nvSpPr>
+        <p:spPr>
+          <a:xfrm>
+            <a:off x="7209356" y="401333"/>
             <a:ext cx="525973" cy="408127"/>
           </a:xfrm>
           <a:prstGeom prst="rect">
@@ -6857,7 +8313,7 @@
                   <a:srgbClr val="008000"/>
                 </a:solidFill>
               </a:rPr>
-              <a:t>名字</a:t>
+              <a:t>管理</a:t>
             </a:r>
             <a:endParaRPr kumimoji="1" lang="zh-CN" altLang="en-US" dirty="0">
               <a:solidFill>
@@ -6869,80 +8325,16 @@
       </p:sp>
       <p:sp>
         <p:nvSpPr>
-          <p:cNvPr id="5" name="矩形 4"/>
+          <p:cNvPr id="22" name="矩形 21">
+            <a:hlinkClick r:id="rId5" action="ppaction://hlinksldjump"/>
+          </p:cNvPr>
           <p:cNvSpPr/>
           <p:nvPr/>
         </p:nvSpPr>
         <p:spPr>
           <a:xfrm>
-            <a:off x="3611783" y="2010620"/>
-            <a:ext cx="1955587" cy="408127"/>
-          </a:xfrm>
-          <a:prstGeom prst="rect">
-            <a:avLst/>
-          </a:prstGeom>
-          <a:noFill/>
-        </p:spPr>
-        <p:style>
-          <a:lnRef idx="1">
-            <a:schemeClr val="accent1"/>
-          </a:lnRef>
-          <a:fillRef idx="3">
-            <a:schemeClr val="accent1"/>
-          </a:fillRef>
-          <a:effectRef idx="2">
-            <a:schemeClr val="accent1"/>
-          </a:effectRef>
-          <a:fontRef idx="minor">
-            <a:schemeClr val="lt1"/>
-          </a:fontRef>
-        </p:style>
-        <p:txBody>
-          <a:bodyPr lIns="36000" rIns="36000" rtlCol="0" anchor="ctr"/>
-          <a:lstStyle/>
-          <a:p>
-            <a:r>
-              <a:rPr kumimoji="1" lang="zh-CN" altLang="en-US" dirty="0" smtClean="0">
-                <a:solidFill>
-                  <a:schemeClr val="tx1"/>
-                </a:solidFill>
-              </a:rPr>
-              <a:t>每天</a:t>
-            </a:r>
-            <a:r>
-              <a:rPr kumimoji="1" lang="en-US" altLang="zh-CN" dirty="0" smtClean="0">
-                <a:solidFill>
-                  <a:schemeClr val="tx1"/>
-                </a:solidFill>
-              </a:rPr>
-              <a:t>100</a:t>
-            </a:r>
-            <a:r>
-              <a:rPr kumimoji="1" lang="zh-CN" altLang="en-US" dirty="0" smtClean="0">
-                <a:solidFill>
-                  <a:schemeClr val="tx1"/>
-                </a:solidFill>
-              </a:rPr>
-              <a:t>行代码</a:t>
-            </a:r>
-            <a:endParaRPr kumimoji="1" lang="zh-CN" altLang="en-US" dirty="0">
-              <a:solidFill>
-                <a:schemeClr val="tx1"/>
-              </a:solidFill>
-            </a:endParaRPr>
-          </a:p>
-        </p:txBody>
-      </p:sp>
-      <p:sp>
-        <p:nvSpPr>
-          <p:cNvPr id="6" name="矩形 5"/>
-          <p:cNvSpPr/>
-          <p:nvPr/>
-        </p:nvSpPr>
-        <p:spPr>
-          <a:xfrm>
-            <a:off x="3525035" y="2729016"/>
-            <a:ext cx="758729" cy="408127"/>
+            <a:off x="7853493" y="407195"/>
+            <a:ext cx="525973" cy="408127"/>
           </a:xfrm>
           <a:prstGeom prst="rect">
             <a:avLst/>
@@ -6974,14 +8366,14 @@
             <a:r>
               <a:rPr kumimoji="1" lang="zh-CN" altLang="en-US" dirty="0" smtClean="0">
                 <a:solidFill>
-                  <a:srgbClr val="FF0000"/>
+                  <a:srgbClr val="008000"/>
                 </a:solidFill>
               </a:rPr>
-              <a:t>好习惯</a:t>
+              <a:t>退出</a:t>
             </a:r>
             <a:endParaRPr kumimoji="1" lang="zh-CN" altLang="en-US" dirty="0">
               <a:solidFill>
-                <a:srgbClr val="FF0000"/>
+                <a:srgbClr val="008000"/>
               </a:solidFill>
             </a:endParaRPr>
           </a:p>
@@ -6989,14 +8381,59 @@
       </p:sp>
       <p:sp>
         <p:nvSpPr>
-          <p:cNvPr id="7" name="矩形 6"/>
+          <p:cNvPr id="23" name="椭圆形标注 22"/>
           <p:cNvSpPr/>
           <p:nvPr/>
         </p:nvSpPr>
         <p:spPr>
           <a:xfrm>
-            <a:off x="4798931" y="2705786"/>
-            <a:ext cx="758729" cy="408127"/>
+            <a:off x="4534542" y="1024091"/>
+            <a:ext cx="1248637" cy="612648"/>
+          </a:xfrm>
+          <a:prstGeom prst="wedgeEllipseCallout">
+            <a:avLst>
+              <a:gd name="adj1" fmla="val -99568"/>
+              <a:gd name="adj2" fmla="val 21114"/>
+            </a:avLst>
+          </a:prstGeom>
+        </p:spPr>
+        <p:style>
+          <a:lnRef idx="1">
+            <a:schemeClr val="accent1"/>
+          </a:lnRef>
+          <a:fillRef idx="3">
+            <a:schemeClr val="accent1"/>
+          </a:fillRef>
+          <a:effectRef idx="2">
+            <a:schemeClr val="accent1"/>
+          </a:effectRef>
+          <a:fontRef idx="minor">
+            <a:schemeClr val="lt1"/>
+          </a:fontRef>
+        </p:style>
+        <p:txBody>
+          <a:bodyPr rtlCol="0" anchor="ctr"/>
+          <a:lstStyle/>
+          <a:p>
+            <a:pPr algn="ctr"/>
+            <a:r>
+              <a:rPr kumimoji="1" lang="zh-CN" altLang="en-US" sz="1100" dirty="0" smtClean="0"/>
+              <a:t>今天没有在界面上时展示</a:t>
+            </a:r>
+            <a:endParaRPr kumimoji="1" lang="zh-CN" altLang="en-US" sz="1100" dirty="0"/>
+          </a:p>
+        </p:txBody>
+      </p:sp>
+      <p:sp>
+        <p:nvSpPr>
+          <p:cNvPr id="13" name="矩形 12"/>
+          <p:cNvSpPr/>
+          <p:nvPr/>
+        </p:nvSpPr>
+        <p:spPr>
+          <a:xfrm>
+            <a:off x="6542001" y="366665"/>
+            <a:ext cx="694379" cy="408127"/>
           </a:xfrm>
           <a:prstGeom prst="rect">
             <a:avLst/>
@@ -7021,21 +8458,21 @@
           </a:fontRef>
         </p:style>
         <p:txBody>
-          <a:bodyPr lIns="36000" rIns="36000" rtlCol="0" anchor="ctr"/>
+          <a:bodyPr lIns="36000" rIns="36000" rtlCol="0" anchor="ctr" anchorCtr="1"/>
           <a:lstStyle/>
           <a:p>
             <a:pPr algn="ctr"/>
             <a:r>
-              <a:rPr kumimoji="1" lang="zh-CN" altLang="en-US" dirty="0" smtClean="0">
+              <a:rPr kumimoji="1" lang="en-US" altLang="zh-CN" dirty="0" err="1" smtClean="0">
                 <a:solidFill>
-                  <a:srgbClr val="000090"/>
+                  <a:srgbClr val="008000"/>
                 </a:solidFill>
               </a:rPr>
-              <a:t>坏习惯</a:t>
+              <a:t>zenkj</a:t>
             </a:r>
             <a:endParaRPr kumimoji="1" lang="zh-CN" altLang="en-US" dirty="0">
               <a:solidFill>
-                <a:srgbClr val="000090"/>
+                <a:srgbClr val="008000"/>
               </a:solidFill>
             </a:endParaRPr>
           </a:p>
@@ -7043,85 +8480,22 @@
       </p:sp>
       <p:sp>
         <p:nvSpPr>
-          <p:cNvPr id="9" name="矩形 8"/>
+          <p:cNvPr id="3" name="圆角矩形标注 2"/>
           <p:cNvSpPr/>
           <p:nvPr/>
         </p:nvSpPr>
         <p:spPr>
           <a:xfrm>
-            <a:off x="4412484" y="2757913"/>
-            <a:ext cx="390364" cy="369332"/>
+            <a:off x="9891058" y="359161"/>
+            <a:ext cx="2345765" cy="1433780"/>
           </a:xfrm>
-          <a:prstGeom prst="rect">
-            <a:avLst/>
+          <a:prstGeom prst="wedgeRoundRectCallout">
+            <a:avLst>
+              <a:gd name="adj1" fmla="val -109844"/>
+              <a:gd name="adj2" fmla="val 98546"/>
+              <a:gd name="adj3" fmla="val 16667"/>
+            </a:avLst>
           </a:prstGeom>
-        </p:spPr>
-        <p:txBody>
-          <a:bodyPr wrap="none">
-            <a:spAutoFit/>
-          </a:bodyPr>
-          <a:lstStyle/>
-          <a:p>
-            <a:r>
-              <a:rPr lang="zh-CN" altLang="en-US" b="0" i="0" dirty="0" smtClean="0">
-                <a:latin typeface="Wingdings"/>
-                <a:ea typeface="Wingdings"/>
-                <a:cs typeface="Wingdings"/>
-              </a:rPr>
-              <a:t></a:t>
-            </a:r>
-            <a:endParaRPr lang="zh-CN" altLang="en-US" dirty="0"/>
-          </a:p>
-        </p:txBody>
-      </p:sp>
-      <p:sp>
-        <p:nvSpPr>
-          <p:cNvPr id="10" name="矩形 9"/>
-          <p:cNvSpPr/>
-          <p:nvPr/>
-        </p:nvSpPr>
-        <p:spPr>
-          <a:xfrm>
-            <a:off x="3089372" y="2753617"/>
-            <a:ext cx="390364" cy="369332"/>
-          </a:xfrm>
-          <a:prstGeom prst="rect">
-            <a:avLst/>
-          </a:prstGeom>
-        </p:spPr>
-        <p:txBody>
-          <a:bodyPr wrap="none">
-            <a:spAutoFit/>
-          </a:bodyPr>
-          <a:lstStyle/>
-          <a:p>
-            <a:r>
-              <a:rPr lang="zh-CN" altLang="en-US" b="0" i="0" dirty="0" smtClean="0">
-                <a:latin typeface="Wingdings"/>
-                <a:ea typeface="Wingdings"/>
-                <a:cs typeface="Wingdings"/>
-              </a:rPr>
-              <a:t></a:t>
-            </a:r>
-            <a:endParaRPr lang="zh-CN" altLang="en-US" dirty="0"/>
-          </a:p>
-        </p:txBody>
-      </p:sp>
-      <p:sp>
-        <p:nvSpPr>
-          <p:cNvPr id="11" name="矩形 10"/>
-          <p:cNvSpPr/>
-          <p:nvPr/>
-        </p:nvSpPr>
-        <p:spPr>
-          <a:xfrm>
-            <a:off x="3148903" y="5062450"/>
-            <a:ext cx="661666" cy="408127"/>
-          </a:xfrm>
-          <a:prstGeom prst="rect">
-            <a:avLst/>
-          </a:prstGeom>
-          <a:noFill/>
         </p:spPr>
         <p:style>
           <a:lnRef idx="1">
@@ -7138,41 +8512,367 @@
           </a:fontRef>
         </p:style>
         <p:txBody>
-          <a:bodyPr lIns="36000" rIns="36000" rtlCol="0" anchor="ctr"/>
+          <a:bodyPr rtlCol="0" anchor="ctr"/>
           <a:lstStyle/>
           <a:p>
             <a:pPr algn="ctr"/>
             <a:r>
-              <a:rPr kumimoji="1" lang="zh-CN" altLang="en-US" dirty="0" smtClean="0">
-                <a:solidFill>
-                  <a:srgbClr val="008000"/>
-                </a:solidFill>
-              </a:rPr>
-              <a:t>取消</a:t>
-            </a:r>
-            <a:endParaRPr kumimoji="1" lang="zh-CN" altLang="en-US" dirty="0">
-              <a:solidFill>
-                <a:srgbClr val="008000"/>
-              </a:solidFill>
-            </a:endParaRPr>
-          </a:p>
-        </p:txBody>
-      </p:sp>
-      <p:sp>
-        <p:nvSpPr>
-          <p:cNvPr id="12" name="矩形 11"/>
+              <a:rPr kumimoji="1" lang="zh-CN" altLang="en-US" dirty="0" smtClean="0"/>
+              <a:t>手机上定制界面。手机上正常操作时宽度有限，一行无法放很多东西</a:t>
+            </a:r>
+            <a:endParaRPr kumimoji="1" lang="zh-CN" altLang="en-US" dirty="0"/>
+          </a:p>
+        </p:txBody>
+      </p:sp>
+      <p:graphicFrame>
+        <p:nvGraphicFramePr>
+          <p:cNvPr id="15" name="表格 14"/>
+          <p:cNvGraphicFramePr>
+            <a:graphicFrameLocks noGrp="1"/>
+          </p:cNvGraphicFramePr>
+          <p:nvPr>
+            <p:extLst>
+              <p:ext uri="{D42A27DB-BD31-4B8C-83A1-F6EECF244321}">
+                <p14:modId xmlns:p14="http://schemas.microsoft.com/office/powerpoint/2010/main" val="1287802966"/>
+              </p:ext>
+            </p:extLst>
+          </p:nvPr>
+        </p:nvGraphicFramePr>
+        <p:xfrm>
+          <a:off x="1438102" y="3894081"/>
+          <a:ext cx="4844405" cy="1483360"/>
+        </p:xfrm>
+        <a:graphic>
+          <a:graphicData uri="http://schemas.openxmlformats.org/drawingml/2006/table">
+            <a:tbl>
+              <a:tblPr firstRow="1" bandRow="1">
+                <a:tableStyleId>{5C22544A-7EE6-4342-B048-85BDC9FD1C3A}</a:tableStyleId>
+              </a:tblPr>
+              <a:tblGrid>
+                <a:gridCol w="3357597"/>
+                <a:gridCol w="1486808"/>
+              </a:tblGrid>
+              <a:tr h="370840">
+                <a:tc>
+                  <a:txBody>
+                    <a:bodyPr/>
+                    <a:lstStyle/>
+                    <a:p>
+                      <a:r>
+                        <a:rPr lang="en-US" altLang="zh-CN" sz="1800" dirty="0" smtClean="0">
+                          <a:solidFill>
+                            <a:srgbClr val="FF0000"/>
+                          </a:solidFill>
+                        </a:rPr>
+                        <a:t>11</a:t>
+                      </a:r>
+                      <a:r>
+                        <a:rPr lang="zh-CN" altLang="en-US" sz="1800" dirty="0" smtClean="0">
+                          <a:solidFill>
+                            <a:srgbClr val="FF0000"/>
+                          </a:solidFill>
+                        </a:rPr>
+                        <a:t>点前睡觉</a:t>
+                      </a:r>
+                      <a:endParaRPr lang="zh-CN" altLang="en-US" sz="1800" dirty="0">
+                        <a:solidFill>
+                          <a:srgbClr val="FF0000"/>
+                        </a:solidFill>
+                      </a:endParaRPr>
+                    </a:p>
+                  </a:txBody>
+                  <a:tcPr>
+                    <a:solidFill>
+                      <a:schemeClr val="accent1">
+                        <a:lumMod val="75000"/>
+                      </a:schemeClr>
+                    </a:solidFill>
+                  </a:tcPr>
+                </a:tc>
+                <a:tc>
+                  <a:txBody>
+                    <a:bodyPr/>
+                    <a:lstStyle/>
+                    <a:p>
+                      <a:r>
+                        <a:rPr lang="zh-CN" altLang="en-US" dirty="0" smtClean="0">
+                          <a:solidFill>
+                            <a:schemeClr val="bg1">
+                              <a:lumMod val="50000"/>
+                            </a:schemeClr>
+                          </a:solidFill>
+                        </a:rPr>
+                        <a:t>签到</a:t>
+                      </a:r>
+                      <a:r>
+                        <a:rPr lang="en-US" altLang="zh-CN" dirty="0" smtClean="0">
+                          <a:solidFill>
+                            <a:schemeClr val="bg1">
+                              <a:lumMod val="50000"/>
+                            </a:schemeClr>
+                          </a:solidFill>
+                        </a:rPr>
+                        <a:t>20</a:t>
+                      </a:r>
+                      <a:r>
+                        <a:rPr lang="zh-CN" altLang="en-US" dirty="0" smtClean="0">
+                          <a:solidFill>
+                            <a:schemeClr val="bg1">
+                              <a:lumMod val="50000"/>
+                            </a:schemeClr>
+                          </a:solidFill>
+                        </a:rPr>
+                        <a:t>次</a:t>
+                      </a:r>
+                      <a:endParaRPr lang="zh-CN" altLang="en-US" dirty="0">
+                        <a:solidFill>
+                          <a:schemeClr val="bg1">
+                            <a:lumMod val="50000"/>
+                          </a:schemeClr>
+                        </a:solidFill>
+                      </a:endParaRPr>
+                    </a:p>
+                  </a:txBody>
+                  <a:tcPr anchor="ctr" anchorCtr="1">
+                    <a:solidFill>
+                      <a:schemeClr val="accent1">
+                        <a:lumMod val="75000"/>
+                      </a:schemeClr>
+                    </a:solidFill>
+                  </a:tcPr>
+                </a:tc>
+              </a:tr>
+              <a:tr h="370840">
+                <a:tc>
+                  <a:txBody>
+                    <a:bodyPr/>
+                    <a:lstStyle/>
+                    <a:p>
+                      <a:r>
+                        <a:rPr lang="zh-CN" altLang="en-US" sz="1800" dirty="0" smtClean="0">
+                          <a:solidFill>
+                            <a:srgbClr val="FF0000"/>
+                          </a:solidFill>
+                        </a:rPr>
+                        <a:t>睡前总结，为第二天规划</a:t>
+                      </a:r>
+                      <a:endParaRPr lang="zh-CN" altLang="en-US" sz="1800" dirty="0">
+                        <a:solidFill>
+                          <a:srgbClr val="FF0000"/>
+                        </a:solidFill>
+                      </a:endParaRPr>
+                    </a:p>
+                  </a:txBody>
+                  <a:tcPr/>
+                </a:tc>
+                <a:tc>
+                  <a:txBody>
+                    <a:bodyPr/>
+                    <a:lstStyle/>
+                    <a:p>
+                      <a:r>
+                        <a:rPr lang="zh-CN" altLang="en-US" dirty="0" smtClean="0">
+                          <a:solidFill>
+                            <a:schemeClr val="bg1">
+                              <a:lumMod val="50000"/>
+                            </a:schemeClr>
+                          </a:solidFill>
+                        </a:rPr>
+                        <a:t>签到</a:t>
+                      </a:r>
+                      <a:r>
+                        <a:rPr lang="en-US" altLang="zh-CN" dirty="0" smtClean="0">
+                          <a:solidFill>
+                            <a:schemeClr val="bg1">
+                              <a:lumMod val="50000"/>
+                            </a:schemeClr>
+                          </a:solidFill>
+                        </a:rPr>
+                        <a:t>400</a:t>
+                      </a:r>
+                      <a:r>
+                        <a:rPr lang="zh-CN" altLang="en-US" dirty="0" smtClean="0">
+                          <a:solidFill>
+                            <a:schemeClr val="bg1">
+                              <a:lumMod val="50000"/>
+                            </a:schemeClr>
+                          </a:solidFill>
+                        </a:rPr>
+                        <a:t>次</a:t>
+                      </a:r>
+                      <a:endParaRPr lang="zh-CN" altLang="en-US" dirty="0">
+                        <a:solidFill>
+                          <a:schemeClr val="bg1">
+                            <a:lumMod val="50000"/>
+                          </a:schemeClr>
+                        </a:solidFill>
+                      </a:endParaRPr>
+                    </a:p>
+                  </a:txBody>
+                  <a:tcPr anchor="ctr" anchorCtr="1"/>
+                </a:tc>
+              </a:tr>
+              <a:tr h="370840">
+                <a:tc>
+                  <a:txBody>
+                    <a:bodyPr/>
+                    <a:lstStyle/>
+                    <a:p>
+                      <a:r>
+                        <a:rPr lang="zh-CN" altLang="en-US" sz="1800" dirty="0" smtClean="0">
+                          <a:solidFill>
+                            <a:srgbClr val="FF0000"/>
+                          </a:solidFill>
+                        </a:rPr>
+                        <a:t>运动半小时</a:t>
+                      </a:r>
+                      <a:endParaRPr lang="zh-CN" altLang="en-US" sz="1800" dirty="0">
+                        <a:solidFill>
+                          <a:srgbClr val="FF0000"/>
+                        </a:solidFill>
+                      </a:endParaRPr>
+                    </a:p>
+                  </a:txBody>
+                  <a:tcPr/>
+                </a:tc>
+                <a:tc>
+                  <a:txBody>
+                    <a:bodyPr/>
+                    <a:lstStyle/>
+                    <a:p>
+                      <a:r>
+                        <a:rPr lang="zh-CN" altLang="en-US" dirty="0" smtClean="0">
+                          <a:solidFill>
+                            <a:schemeClr val="bg1">
+                              <a:lumMod val="50000"/>
+                            </a:schemeClr>
+                          </a:solidFill>
+                        </a:rPr>
+                        <a:t>签到</a:t>
+                      </a:r>
+                      <a:r>
+                        <a:rPr lang="en-US" altLang="zh-CN" dirty="0" smtClean="0">
+                          <a:solidFill>
+                            <a:schemeClr val="bg1">
+                              <a:lumMod val="50000"/>
+                            </a:schemeClr>
+                          </a:solidFill>
+                        </a:rPr>
+                        <a:t>40</a:t>
+                      </a:r>
+                      <a:r>
+                        <a:rPr lang="zh-CN" altLang="en-US" dirty="0" smtClean="0">
+                          <a:solidFill>
+                            <a:schemeClr val="bg1">
+                              <a:lumMod val="50000"/>
+                            </a:schemeClr>
+                          </a:solidFill>
+                        </a:rPr>
+                        <a:t>次</a:t>
+                      </a:r>
+                      <a:endParaRPr lang="zh-CN" altLang="en-US" dirty="0">
+                        <a:solidFill>
+                          <a:schemeClr val="bg1">
+                            <a:lumMod val="50000"/>
+                          </a:schemeClr>
+                        </a:solidFill>
+                      </a:endParaRPr>
+                    </a:p>
+                  </a:txBody>
+                  <a:tcPr anchor="ctr" anchorCtr="1"/>
+                </a:tc>
+              </a:tr>
+              <a:tr h="370840">
+                <a:tc>
+                  <a:txBody>
+                    <a:bodyPr/>
+                    <a:lstStyle/>
+                    <a:p>
+                      <a:r>
+                        <a:rPr lang="zh-CN" altLang="en-US" sz="1800" dirty="0" smtClean="0">
+                          <a:solidFill>
+                            <a:srgbClr val="1F497D"/>
+                          </a:solidFill>
+                        </a:rPr>
+                        <a:t>看小说超过半小时</a:t>
+                      </a:r>
+                      <a:endParaRPr lang="zh-CN" altLang="en-US" sz="1800" dirty="0">
+                        <a:solidFill>
+                          <a:srgbClr val="1F497D"/>
+                        </a:solidFill>
+                      </a:endParaRPr>
+                    </a:p>
+                  </a:txBody>
+                  <a:tcPr/>
+                </a:tc>
+                <a:tc>
+                  <a:txBody>
+                    <a:bodyPr/>
+                    <a:lstStyle/>
+                    <a:p>
+                      <a:r>
+                        <a:rPr lang="zh-CN" altLang="en-US" sz="1800" dirty="0" smtClean="0">
+                          <a:solidFill>
+                            <a:schemeClr val="bg1">
+                              <a:lumMod val="50000"/>
+                            </a:schemeClr>
+                          </a:solidFill>
+                        </a:rPr>
+                        <a:t>签到</a:t>
+                      </a:r>
+                      <a:r>
+                        <a:rPr lang="en-US" altLang="zh-CN" sz="1800" dirty="0" smtClean="0">
+                          <a:solidFill>
+                            <a:schemeClr val="bg1">
+                              <a:lumMod val="50000"/>
+                            </a:schemeClr>
+                          </a:solidFill>
+                        </a:rPr>
+                        <a:t>30</a:t>
+                      </a:r>
+                      <a:r>
+                        <a:rPr lang="zh-CN" altLang="en-US" sz="1800" dirty="0" smtClean="0">
+                          <a:solidFill>
+                            <a:schemeClr val="bg1">
+                              <a:lumMod val="50000"/>
+                            </a:schemeClr>
+                          </a:solidFill>
+                        </a:rPr>
+                        <a:t>次</a:t>
+                      </a:r>
+                      <a:endParaRPr lang="zh-CN" altLang="en-US" sz="1800" dirty="0">
+                        <a:solidFill>
+                          <a:schemeClr val="bg1">
+                            <a:lumMod val="50000"/>
+                          </a:schemeClr>
+                        </a:solidFill>
+                      </a:endParaRPr>
+                    </a:p>
+                  </a:txBody>
+                  <a:tcPr anchor="ctr" anchorCtr="1"/>
+                </a:tc>
+              </a:tr>
+            </a:tbl>
+          </a:graphicData>
+        </a:graphic>
+      </p:graphicFrame>
+      <p:sp>
+        <p:nvSpPr>
+          <p:cNvPr id="18" name="椭圆形标注 17"/>
           <p:cNvSpPr/>
           <p:nvPr/>
         </p:nvSpPr>
         <p:spPr>
           <a:xfrm>
-            <a:off x="4926789" y="5064316"/>
-            <a:ext cx="630871" cy="408127"/>
+            <a:off x="6928119" y="2469735"/>
+            <a:ext cx="1248637" cy="612648"/>
           </a:xfrm>
-          <a:prstGeom prst="rect">
-            <a:avLst/>
+          <a:prstGeom prst="wedgeEllipseCallout">
+            <a:avLst>
+              <a:gd name="adj1" fmla="val -99568"/>
+              <a:gd name="adj2" fmla="val 67451"/>
+            </a:avLst>
           </a:prstGeom>
-          <a:noFill/>
         </p:spPr>
         <p:style>
           <a:lnRef idx="1">
@@ -7189,539 +8889,22 @@
           </a:fontRef>
         </p:style>
         <p:txBody>
-          <a:bodyPr lIns="36000" rIns="36000" rtlCol="0" anchor="ctr"/>
+          <a:bodyPr rtlCol="0" anchor="ctr"/>
           <a:lstStyle/>
           <a:p>
             <a:pPr algn="ctr"/>
             <a:r>
-              <a:rPr kumimoji="1" lang="zh-CN" altLang="en-US" dirty="0" smtClean="0">
-                <a:solidFill>
-                  <a:srgbClr val="008000"/>
-                </a:solidFill>
-              </a:rPr>
-              <a:t>确定</a:t>
-            </a:r>
-            <a:endParaRPr kumimoji="1" lang="zh-CN" altLang="en-US" dirty="0">
-              <a:solidFill>
-                <a:srgbClr val="008000"/>
-              </a:solidFill>
-            </a:endParaRPr>
-          </a:p>
-        </p:txBody>
-      </p:sp>
-      <p:sp>
-        <p:nvSpPr>
-          <p:cNvPr id="14" name="矩形 13"/>
-          <p:cNvSpPr/>
-          <p:nvPr/>
-        </p:nvSpPr>
-        <p:spPr>
-          <a:xfrm>
-            <a:off x="2823406" y="3462796"/>
-            <a:ext cx="1176034" cy="408127"/>
-          </a:xfrm>
-          <a:prstGeom prst="rect">
-            <a:avLst/>
-          </a:prstGeom>
-          <a:noFill/>
-          <a:ln>
-            <a:noFill/>
-          </a:ln>
-        </p:spPr>
-        <p:style>
-          <a:lnRef idx="1">
-            <a:schemeClr val="accent1"/>
-          </a:lnRef>
-          <a:fillRef idx="3">
-            <a:schemeClr val="accent1"/>
-          </a:fillRef>
-          <a:effectRef idx="2">
-            <a:schemeClr val="accent1"/>
-          </a:effectRef>
-          <a:fontRef idx="minor">
-            <a:schemeClr val="lt1"/>
-          </a:fontRef>
-        </p:style>
-        <p:txBody>
-          <a:bodyPr lIns="36000" rIns="36000" rtlCol="0" anchor="ctr"/>
-          <a:lstStyle/>
-          <a:p>
-            <a:pPr algn="ctr"/>
-            <a:r>
-              <a:rPr kumimoji="1" lang="zh-CN" altLang="en-US" strike="sngStrike" dirty="0" smtClean="0">
-                <a:solidFill>
-                  <a:srgbClr val="008000"/>
-                </a:solidFill>
-              </a:rPr>
-              <a:t>休息时间</a:t>
-            </a:r>
-            <a:endParaRPr kumimoji="1" lang="zh-CN" altLang="en-US" strike="sngStrike" dirty="0">
-              <a:solidFill>
-                <a:srgbClr val="008000"/>
-              </a:solidFill>
-            </a:endParaRPr>
-          </a:p>
-        </p:txBody>
-      </p:sp>
-      <p:sp>
-        <p:nvSpPr>
-          <p:cNvPr id="17" name="矩形 16"/>
-          <p:cNvSpPr/>
-          <p:nvPr/>
-        </p:nvSpPr>
-        <p:spPr>
-          <a:xfrm>
-            <a:off x="2978234" y="3909385"/>
-            <a:ext cx="624105" cy="408127"/>
-          </a:xfrm>
-          <a:prstGeom prst="rect">
-            <a:avLst/>
-          </a:prstGeom>
-          <a:noFill/>
-          <a:ln>
-            <a:noFill/>
-          </a:ln>
-        </p:spPr>
-        <p:style>
-          <a:lnRef idx="1">
-            <a:schemeClr val="accent1"/>
-          </a:lnRef>
-          <a:fillRef idx="3">
-            <a:schemeClr val="accent1"/>
-          </a:fillRef>
-          <a:effectRef idx="2">
-            <a:schemeClr val="accent1"/>
-          </a:effectRef>
-          <a:fontRef idx="minor">
-            <a:schemeClr val="lt1"/>
-          </a:fontRef>
-        </p:style>
-        <p:txBody>
-          <a:bodyPr lIns="36000" rIns="36000" rtlCol="0" anchor="ctr"/>
-          <a:lstStyle/>
-          <a:p>
-            <a:pPr algn="ctr"/>
-            <a:r>
-              <a:rPr lang="zh-CN" altLang="en-US" sz="1400" b="0" i="0" strike="sngStrike" dirty="0" smtClean="0">
-                <a:solidFill>
-                  <a:schemeClr val="tx1"/>
-                </a:solidFill>
-                <a:latin typeface="ＭＳ ゴシック"/>
-                <a:ea typeface="ＭＳ ゴシック"/>
-                <a:cs typeface="ＭＳ ゴシック"/>
-              </a:rPr>
-              <a:t>☐</a:t>
-            </a:r>
-            <a:r>
-              <a:rPr kumimoji="1" lang="zh-CN" altLang="en-US" sz="1400" strike="sngStrike" dirty="0" smtClean="0">
-                <a:solidFill>
-                  <a:srgbClr val="008000"/>
-                </a:solidFill>
-              </a:rPr>
-              <a:t>周一</a:t>
-            </a:r>
-            <a:endParaRPr kumimoji="1" lang="zh-CN" altLang="en-US" sz="1400" strike="sngStrike" dirty="0">
-              <a:solidFill>
-                <a:srgbClr val="008000"/>
-              </a:solidFill>
-            </a:endParaRPr>
-          </a:p>
-        </p:txBody>
-      </p:sp>
-      <p:sp>
-        <p:nvSpPr>
-          <p:cNvPr id="18" name="矩形 17"/>
-          <p:cNvSpPr/>
-          <p:nvPr/>
-        </p:nvSpPr>
-        <p:spPr>
-          <a:xfrm>
-            <a:off x="5814729" y="3909385"/>
-            <a:ext cx="624105" cy="408127"/>
-          </a:xfrm>
-          <a:prstGeom prst="rect">
-            <a:avLst/>
-          </a:prstGeom>
-          <a:noFill/>
-          <a:ln>
-            <a:noFill/>
-          </a:ln>
-        </p:spPr>
-        <p:style>
-          <a:lnRef idx="1">
-            <a:schemeClr val="accent1"/>
-          </a:lnRef>
-          <a:fillRef idx="3">
-            <a:schemeClr val="accent1"/>
-          </a:fillRef>
-          <a:effectRef idx="2">
-            <a:schemeClr val="accent1"/>
-          </a:effectRef>
-          <a:fontRef idx="minor">
-            <a:schemeClr val="lt1"/>
-          </a:fontRef>
-        </p:style>
-        <p:txBody>
-          <a:bodyPr lIns="36000" rIns="36000" rtlCol="0" anchor="ctr"/>
-          <a:lstStyle/>
-          <a:p>
-            <a:pPr algn="ctr"/>
-            <a:r>
-              <a:rPr lang="zh-CN" altLang="en-US" sz="1400" b="0" i="0" strike="sngStrike" dirty="0" smtClean="0">
-                <a:solidFill>
-                  <a:srgbClr val="000000"/>
-                </a:solidFill>
-                <a:latin typeface="Wingdings"/>
-                <a:ea typeface="Wingdings"/>
-                <a:cs typeface="Wingdings"/>
-              </a:rPr>
-              <a:t></a:t>
-            </a:r>
-            <a:r>
-              <a:rPr kumimoji="1" lang="zh-CN" altLang="en-US" sz="1400" strike="sngStrike" dirty="0" smtClean="0">
-                <a:solidFill>
-                  <a:srgbClr val="008000"/>
-                </a:solidFill>
-              </a:rPr>
-              <a:t>周六</a:t>
-            </a:r>
-            <a:endParaRPr kumimoji="1" lang="zh-CN" altLang="en-US" sz="1400" strike="sngStrike" dirty="0">
-              <a:solidFill>
-                <a:srgbClr val="008000"/>
-              </a:solidFill>
-            </a:endParaRPr>
-          </a:p>
-        </p:txBody>
-      </p:sp>
-      <p:sp>
-        <p:nvSpPr>
-          <p:cNvPr id="19" name="矩形 18"/>
-          <p:cNvSpPr/>
-          <p:nvPr/>
-        </p:nvSpPr>
-        <p:spPr>
-          <a:xfrm>
-            <a:off x="6354748" y="3909385"/>
-            <a:ext cx="624105" cy="408127"/>
-          </a:xfrm>
-          <a:prstGeom prst="rect">
-            <a:avLst/>
-          </a:prstGeom>
-          <a:noFill/>
-          <a:ln>
-            <a:noFill/>
-          </a:ln>
-        </p:spPr>
-        <p:style>
-          <a:lnRef idx="1">
-            <a:schemeClr val="accent1"/>
-          </a:lnRef>
-          <a:fillRef idx="3">
-            <a:schemeClr val="accent1"/>
-          </a:fillRef>
-          <a:effectRef idx="2">
-            <a:schemeClr val="accent1"/>
-          </a:effectRef>
-          <a:fontRef idx="minor">
-            <a:schemeClr val="lt1"/>
-          </a:fontRef>
-        </p:style>
-        <p:txBody>
-          <a:bodyPr lIns="36000" rIns="36000" rtlCol="0" anchor="ctr"/>
-          <a:lstStyle/>
-          <a:p>
-            <a:pPr algn="ctr"/>
-            <a:r>
-              <a:rPr lang="zh-CN" altLang="en-US" sz="1400" b="0" i="0" strike="sngStrike" dirty="0" smtClean="0">
-                <a:solidFill>
-                  <a:srgbClr val="000000"/>
-                </a:solidFill>
-                <a:latin typeface="Wingdings"/>
-                <a:ea typeface="Wingdings"/>
-                <a:cs typeface="Wingdings"/>
-              </a:rPr>
-              <a:t></a:t>
-            </a:r>
-            <a:r>
-              <a:rPr kumimoji="1" lang="zh-CN" altLang="en-US" sz="1400" strike="sngStrike" dirty="0" smtClean="0">
-                <a:solidFill>
-                  <a:srgbClr val="008000"/>
-                </a:solidFill>
-              </a:rPr>
-              <a:t>周日</a:t>
-            </a:r>
-            <a:endParaRPr kumimoji="1" lang="zh-CN" altLang="en-US" sz="1400" strike="sngStrike" dirty="0">
-              <a:solidFill>
-                <a:srgbClr val="008000"/>
-              </a:solidFill>
-            </a:endParaRPr>
-          </a:p>
-        </p:txBody>
-      </p:sp>
-      <p:sp>
-        <p:nvSpPr>
-          <p:cNvPr id="20" name="矩形 19"/>
-          <p:cNvSpPr/>
-          <p:nvPr/>
-        </p:nvSpPr>
-        <p:spPr>
-          <a:xfrm>
-            <a:off x="3518254" y="3909385"/>
-            <a:ext cx="624105" cy="408127"/>
-          </a:xfrm>
-          <a:prstGeom prst="rect">
-            <a:avLst/>
-          </a:prstGeom>
-          <a:noFill/>
-          <a:ln>
-            <a:noFill/>
-          </a:ln>
-        </p:spPr>
-        <p:style>
-          <a:lnRef idx="1">
-            <a:schemeClr val="accent1"/>
-          </a:lnRef>
-          <a:fillRef idx="3">
-            <a:schemeClr val="accent1"/>
-          </a:fillRef>
-          <a:effectRef idx="2">
-            <a:schemeClr val="accent1"/>
-          </a:effectRef>
-          <a:fontRef idx="minor">
-            <a:schemeClr val="lt1"/>
-          </a:fontRef>
-        </p:style>
-        <p:txBody>
-          <a:bodyPr lIns="36000" rIns="36000" rtlCol="0" anchor="ctr"/>
-          <a:lstStyle/>
-          <a:p>
-            <a:pPr algn="ctr"/>
-            <a:r>
-              <a:rPr lang="zh-CN" altLang="en-US" sz="1400" b="0" i="0" strike="sngStrike" dirty="0" smtClean="0">
-                <a:solidFill>
-                  <a:schemeClr val="tx1"/>
-                </a:solidFill>
-                <a:latin typeface="ＭＳ ゴシック"/>
-                <a:ea typeface="ＭＳ ゴシック"/>
-                <a:cs typeface="ＭＳ ゴシック"/>
-              </a:rPr>
-              <a:t>☐</a:t>
-            </a:r>
-            <a:r>
-              <a:rPr kumimoji="1" lang="zh-CN" altLang="en-US" sz="1400" strike="sngStrike" dirty="0" smtClean="0">
-                <a:solidFill>
-                  <a:srgbClr val="008000"/>
-                </a:solidFill>
-              </a:rPr>
-              <a:t>周二</a:t>
-            </a:r>
-            <a:endParaRPr kumimoji="1" lang="zh-CN" altLang="en-US" sz="1400" strike="sngStrike" dirty="0">
-              <a:solidFill>
-                <a:srgbClr val="008000"/>
-              </a:solidFill>
-            </a:endParaRPr>
-          </a:p>
-        </p:txBody>
-      </p:sp>
-      <p:sp>
-        <p:nvSpPr>
-          <p:cNvPr id="21" name="矩形 20"/>
-          <p:cNvSpPr/>
-          <p:nvPr/>
-        </p:nvSpPr>
-        <p:spPr>
-          <a:xfrm>
-            <a:off x="4058274" y="3909385"/>
-            <a:ext cx="624105" cy="408127"/>
-          </a:xfrm>
-          <a:prstGeom prst="rect">
-            <a:avLst/>
-          </a:prstGeom>
-          <a:noFill/>
-          <a:ln>
-            <a:noFill/>
-          </a:ln>
-        </p:spPr>
-        <p:style>
-          <a:lnRef idx="1">
-            <a:schemeClr val="accent1"/>
-          </a:lnRef>
-          <a:fillRef idx="3">
-            <a:schemeClr val="accent1"/>
-          </a:fillRef>
-          <a:effectRef idx="2">
-            <a:schemeClr val="accent1"/>
-          </a:effectRef>
-          <a:fontRef idx="minor">
-            <a:schemeClr val="lt1"/>
-          </a:fontRef>
-        </p:style>
-        <p:txBody>
-          <a:bodyPr lIns="36000" rIns="36000" rtlCol="0" anchor="ctr"/>
-          <a:lstStyle/>
-          <a:p>
-            <a:pPr algn="ctr"/>
-            <a:r>
-              <a:rPr lang="zh-CN" altLang="en-US" sz="1400" b="0" i="0" strike="sngStrike" dirty="0" smtClean="0">
-                <a:solidFill>
-                  <a:schemeClr val="tx1"/>
-                </a:solidFill>
-                <a:latin typeface="ＭＳ ゴシック"/>
-                <a:ea typeface="ＭＳ ゴシック"/>
-                <a:cs typeface="ＭＳ ゴシック"/>
-              </a:rPr>
-              <a:t>☐</a:t>
-            </a:r>
-            <a:r>
-              <a:rPr kumimoji="1" lang="zh-CN" altLang="en-US" sz="1400" strike="sngStrike" dirty="0" smtClean="0">
-                <a:solidFill>
-                  <a:srgbClr val="008000"/>
-                </a:solidFill>
-              </a:rPr>
-              <a:t>周三</a:t>
-            </a:r>
-            <a:endParaRPr kumimoji="1" lang="zh-CN" altLang="en-US" sz="1400" strike="sngStrike" dirty="0">
-              <a:solidFill>
-                <a:srgbClr val="008000"/>
-              </a:solidFill>
-            </a:endParaRPr>
-          </a:p>
-        </p:txBody>
-      </p:sp>
-      <p:sp>
-        <p:nvSpPr>
-          <p:cNvPr id="22" name="矩形 21"/>
-          <p:cNvSpPr/>
-          <p:nvPr/>
-        </p:nvSpPr>
-        <p:spPr>
-          <a:xfrm>
-            <a:off x="4598294" y="3909385"/>
-            <a:ext cx="624105" cy="408127"/>
-          </a:xfrm>
-          <a:prstGeom prst="rect">
-            <a:avLst/>
-          </a:prstGeom>
-          <a:noFill/>
-          <a:ln>
-            <a:noFill/>
-          </a:ln>
-        </p:spPr>
-        <p:style>
-          <a:lnRef idx="1">
-            <a:schemeClr val="accent1"/>
-          </a:lnRef>
-          <a:fillRef idx="3">
-            <a:schemeClr val="accent1"/>
-          </a:fillRef>
-          <a:effectRef idx="2">
-            <a:schemeClr val="accent1"/>
-          </a:effectRef>
-          <a:fontRef idx="minor">
-            <a:schemeClr val="lt1"/>
-          </a:fontRef>
-        </p:style>
-        <p:txBody>
-          <a:bodyPr lIns="36000" rIns="36000" rtlCol="0" anchor="ctr"/>
-          <a:lstStyle/>
-          <a:p>
-            <a:pPr algn="ctr"/>
-            <a:r>
-              <a:rPr lang="zh-CN" altLang="en-US" sz="1400" b="0" i="0" strike="sngStrike" dirty="0" smtClean="0">
-                <a:solidFill>
-                  <a:schemeClr val="tx1"/>
-                </a:solidFill>
-                <a:latin typeface="ＭＳ ゴシック"/>
-                <a:ea typeface="ＭＳ ゴシック"/>
-                <a:cs typeface="ＭＳ ゴシック"/>
-              </a:rPr>
-              <a:t>☐</a:t>
-            </a:r>
-            <a:r>
-              <a:rPr kumimoji="1" lang="zh-CN" altLang="en-US" sz="1400" strike="sngStrike" dirty="0" smtClean="0">
-                <a:solidFill>
-                  <a:srgbClr val="008000"/>
-                </a:solidFill>
-              </a:rPr>
-              <a:t>周四</a:t>
-            </a:r>
-            <a:endParaRPr kumimoji="1" lang="zh-CN" altLang="en-US" sz="1400" strike="sngStrike" dirty="0">
-              <a:solidFill>
-                <a:srgbClr val="008000"/>
-              </a:solidFill>
-            </a:endParaRPr>
-          </a:p>
-        </p:txBody>
-      </p:sp>
-      <p:sp>
-        <p:nvSpPr>
-          <p:cNvPr id="23" name="矩形 22"/>
-          <p:cNvSpPr/>
-          <p:nvPr/>
-        </p:nvSpPr>
-        <p:spPr>
-          <a:xfrm>
-            <a:off x="5240676" y="3897181"/>
-            <a:ext cx="624105" cy="408127"/>
-          </a:xfrm>
-          <a:prstGeom prst="rect">
-            <a:avLst/>
-          </a:prstGeom>
-          <a:noFill/>
-          <a:ln>
-            <a:noFill/>
-          </a:ln>
-        </p:spPr>
-        <p:style>
-          <a:lnRef idx="1">
-            <a:schemeClr val="accent1"/>
-          </a:lnRef>
-          <a:fillRef idx="3">
-            <a:schemeClr val="accent1"/>
-          </a:fillRef>
-          <a:effectRef idx="2">
-            <a:schemeClr val="accent1"/>
-          </a:effectRef>
-          <a:fontRef idx="minor">
-            <a:schemeClr val="lt1"/>
-          </a:fontRef>
-        </p:style>
-        <p:txBody>
-          <a:bodyPr lIns="36000" rIns="36000" rtlCol="0" anchor="ctr"/>
-          <a:lstStyle/>
-          <a:p>
-            <a:pPr algn="ctr"/>
-            <a:r>
-              <a:rPr lang="zh-CN" altLang="en-US" sz="1400" b="0" i="0" strike="sngStrike" dirty="0" smtClean="0">
-                <a:solidFill>
-                  <a:schemeClr val="tx1"/>
-                </a:solidFill>
-                <a:latin typeface="ＭＳ ゴシック"/>
-                <a:ea typeface="ＭＳ ゴシック"/>
-                <a:cs typeface="ＭＳ ゴシック"/>
-              </a:rPr>
-              <a:t>☐</a:t>
-            </a:r>
-            <a:r>
-              <a:rPr kumimoji="1" lang="zh-CN" altLang="en-US" sz="1400" strike="sngStrike" dirty="0" smtClean="0">
-                <a:solidFill>
-                  <a:srgbClr val="008000"/>
-                </a:solidFill>
-              </a:rPr>
-              <a:t>周五</a:t>
-            </a:r>
-            <a:endParaRPr kumimoji="1" lang="zh-CN" altLang="en-US" sz="1400" strike="sngStrike" dirty="0">
-              <a:solidFill>
-                <a:srgbClr val="008000"/>
-              </a:solidFill>
-            </a:endParaRPr>
+              <a:rPr kumimoji="1" lang="zh-CN" altLang="en-US" sz="1100" dirty="0" smtClean="0"/>
+              <a:t>可左右滑动切换</a:t>
+            </a:r>
+            <a:endParaRPr kumimoji="1" lang="zh-CN" altLang="en-US" sz="1100" dirty="0"/>
           </a:p>
         </p:txBody>
       </p:sp>
     </p:spTree>
     <p:extLst>
       <p:ext uri="{BB962C8B-B14F-4D97-AF65-F5344CB8AC3E}">
-        <p14:creationId xmlns:p14="http://schemas.microsoft.com/office/powerpoint/2010/main" val="445402552"/>
+        <p14:creationId xmlns:p14="http://schemas.microsoft.com/office/powerpoint/2010/main" val="2682246106"/>
       </p:ext>
     </p:extLst>
   </p:cSld>
@@ -7731,7 +8914,7 @@
   <p:timing>
     <p:tnLst>
       <p:par>
-        <p:cTn id="1" dur="indefinite" restart="never" nodeType="tmRoot"/>
+        <p:cTn xmlns:p14="http://schemas.microsoft.com/office/powerpoint/2010/main" id="1" dur="indefinite" restart="never" nodeType="tmRoot"/>
       </p:par>
     </p:tnLst>
   </p:timing>
@@ -7772,17 +8955,977 @@
           <a:p>
             <a:r>
               <a:rPr kumimoji="1" lang="zh-CN" altLang="en-US" dirty="0" smtClean="0"/>
-              <a:t>管理所</a:t>
-            </a:r>
+              <a:t>新增项目</a:t>
+            </a:r>
+            <a:endParaRPr kumimoji="1" lang="zh-CN" altLang="en-US" dirty="0"/>
+          </a:p>
+        </p:txBody>
+      </p:sp>
+      <p:sp>
+        <p:nvSpPr>
+          <p:cNvPr id="4" name="矩形 3"/>
+          <p:cNvSpPr/>
+          <p:nvPr/>
+        </p:nvSpPr>
+        <p:spPr>
+          <a:xfrm>
+            <a:off x="2953763" y="1995686"/>
+            <a:ext cx="525973" cy="408127"/>
+          </a:xfrm>
+          <a:prstGeom prst="rect">
+            <a:avLst/>
+          </a:prstGeom>
+          <a:noFill/>
+          <a:ln>
+            <a:noFill/>
+          </a:ln>
+        </p:spPr>
+        <p:style>
+          <a:lnRef idx="1">
+            <a:schemeClr val="accent1"/>
+          </a:lnRef>
+          <a:fillRef idx="3">
+            <a:schemeClr val="accent1"/>
+          </a:fillRef>
+          <a:effectRef idx="2">
+            <a:schemeClr val="accent1"/>
+          </a:effectRef>
+          <a:fontRef idx="minor">
+            <a:schemeClr val="lt1"/>
+          </a:fontRef>
+        </p:style>
+        <p:txBody>
+          <a:bodyPr lIns="36000" rIns="36000" rtlCol="0" anchor="ctr"/>
+          <a:lstStyle/>
+          <a:p>
+            <a:pPr algn="ctr"/>
+            <a:r>
+              <a:rPr kumimoji="1" lang="zh-CN" altLang="en-US" dirty="0" smtClean="0">
+                <a:solidFill>
+                  <a:srgbClr val="008000"/>
+                </a:solidFill>
+              </a:rPr>
+              <a:t>名字</a:t>
+            </a:r>
+            <a:endParaRPr kumimoji="1" lang="zh-CN" altLang="en-US" dirty="0">
+              <a:solidFill>
+                <a:srgbClr val="008000"/>
+              </a:solidFill>
+            </a:endParaRPr>
+          </a:p>
+        </p:txBody>
+      </p:sp>
+      <p:sp>
+        <p:nvSpPr>
+          <p:cNvPr id="5" name="矩形 4"/>
+          <p:cNvSpPr/>
+          <p:nvPr/>
+        </p:nvSpPr>
+        <p:spPr>
+          <a:xfrm>
+            <a:off x="3611783" y="2010620"/>
+            <a:ext cx="1955587" cy="408127"/>
+          </a:xfrm>
+          <a:prstGeom prst="rect">
+            <a:avLst/>
+          </a:prstGeom>
+          <a:noFill/>
+        </p:spPr>
+        <p:style>
+          <a:lnRef idx="1">
+            <a:schemeClr val="accent1"/>
+          </a:lnRef>
+          <a:fillRef idx="3">
+            <a:schemeClr val="accent1"/>
+          </a:fillRef>
+          <a:effectRef idx="2">
+            <a:schemeClr val="accent1"/>
+          </a:effectRef>
+          <a:fontRef idx="minor">
+            <a:schemeClr val="lt1"/>
+          </a:fontRef>
+        </p:style>
+        <p:txBody>
+          <a:bodyPr lIns="36000" rIns="36000" rtlCol="0" anchor="ctr"/>
+          <a:lstStyle/>
+          <a:p>
+            <a:r>
+              <a:rPr kumimoji="1" lang="zh-CN" altLang="en-US" dirty="0" smtClean="0">
+                <a:solidFill>
+                  <a:schemeClr val="tx1"/>
+                </a:solidFill>
+              </a:rPr>
+              <a:t>每天</a:t>
+            </a:r>
+            <a:r>
+              <a:rPr kumimoji="1" lang="en-US" altLang="zh-CN" dirty="0" smtClean="0">
+                <a:solidFill>
+                  <a:schemeClr val="tx1"/>
+                </a:solidFill>
+              </a:rPr>
+              <a:t>100</a:t>
+            </a:r>
+            <a:r>
+              <a:rPr kumimoji="1" lang="zh-CN" altLang="en-US" dirty="0" smtClean="0">
+                <a:solidFill>
+                  <a:schemeClr val="tx1"/>
+                </a:solidFill>
+              </a:rPr>
+              <a:t>行代码</a:t>
+            </a:r>
+            <a:endParaRPr kumimoji="1" lang="zh-CN" altLang="en-US" dirty="0">
+              <a:solidFill>
+                <a:schemeClr val="tx1"/>
+              </a:solidFill>
+            </a:endParaRPr>
+          </a:p>
+        </p:txBody>
+      </p:sp>
+      <p:sp>
+        <p:nvSpPr>
+          <p:cNvPr id="6" name="矩形 5"/>
+          <p:cNvSpPr/>
+          <p:nvPr/>
+        </p:nvSpPr>
+        <p:spPr>
+          <a:xfrm>
+            <a:off x="3525035" y="2729016"/>
+            <a:ext cx="758729" cy="408127"/>
+          </a:xfrm>
+          <a:prstGeom prst="rect">
+            <a:avLst/>
+          </a:prstGeom>
+          <a:noFill/>
+          <a:ln>
+            <a:noFill/>
+          </a:ln>
+        </p:spPr>
+        <p:style>
+          <a:lnRef idx="1">
+            <a:schemeClr val="accent1"/>
+          </a:lnRef>
+          <a:fillRef idx="3">
+            <a:schemeClr val="accent1"/>
+          </a:fillRef>
+          <a:effectRef idx="2">
+            <a:schemeClr val="accent1"/>
+          </a:effectRef>
+          <a:fontRef idx="minor">
+            <a:schemeClr val="lt1"/>
+          </a:fontRef>
+        </p:style>
+        <p:txBody>
+          <a:bodyPr lIns="36000" rIns="36000" rtlCol="0" anchor="ctr"/>
+          <a:lstStyle/>
+          <a:p>
+            <a:pPr algn="ctr"/>
+            <a:r>
+              <a:rPr kumimoji="1" lang="zh-CN" altLang="en-US" dirty="0" smtClean="0">
+                <a:solidFill>
+                  <a:srgbClr val="FF0000"/>
+                </a:solidFill>
+              </a:rPr>
+              <a:t>好习惯</a:t>
+            </a:r>
+            <a:endParaRPr kumimoji="1" lang="zh-CN" altLang="en-US" dirty="0">
+              <a:solidFill>
+                <a:srgbClr val="FF0000"/>
+              </a:solidFill>
+            </a:endParaRPr>
+          </a:p>
+        </p:txBody>
+      </p:sp>
+      <p:sp>
+        <p:nvSpPr>
+          <p:cNvPr id="7" name="矩形 6"/>
+          <p:cNvSpPr/>
+          <p:nvPr/>
+        </p:nvSpPr>
+        <p:spPr>
+          <a:xfrm>
+            <a:off x="4798931" y="2705786"/>
+            <a:ext cx="758729" cy="408127"/>
+          </a:xfrm>
+          <a:prstGeom prst="rect">
+            <a:avLst/>
+          </a:prstGeom>
+          <a:noFill/>
+          <a:ln>
+            <a:noFill/>
+          </a:ln>
+        </p:spPr>
+        <p:style>
+          <a:lnRef idx="1">
+            <a:schemeClr val="accent1"/>
+          </a:lnRef>
+          <a:fillRef idx="3">
+            <a:schemeClr val="accent1"/>
+          </a:fillRef>
+          <a:effectRef idx="2">
+            <a:schemeClr val="accent1"/>
+          </a:effectRef>
+          <a:fontRef idx="minor">
+            <a:schemeClr val="lt1"/>
+          </a:fontRef>
+        </p:style>
+        <p:txBody>
+          <a:bodyPr lIns="36000" rIns="36000" rtlCol="0" anchor="ctr"/>
+          <a:lstStyle/>
+          <a:p>
+            <a:pPr algn="ctr"/>
+            <a:r>
+              <a:rPr kumimoji="1" lang="zh-CN" altLang="en-US" dirty="0" smtClean="0">
+                <a:solidFill>
+                  <a:srgbClr val="000090"/>
+                </a:solidFill>
+              </a:rPr>
+              <a:t>坏习惯</a:t>
+            </a:r>
+            <a:endParaRPr kumimoji="1" lang="zh-CN" altLang="en-US" dirty="0">
+              <a:solidFill>
+                <a:srgbClr val="000090"/>
+              </a:solidFill>
+            </a:endParaRPr>
+          </a:p>
+        </p:txBody>
+      </p:sp>
+      <p:sp>
+        <p:nvSpPr>
+          <p:cNvPr id="9" name="矩形 8"/>
+          <p:cNvSpPr/>
+          <p:nvPr/>
+        </p:nvSpPr>
+        <p:spPr>
+          <a:xfrm>
+            <a:off x="4412484" y="2757913"/>
+            <a:ext cx="390364" cy="369332"/>
+          </a:xfrm>
+          <a:prstGeom prst="rect">
+            <a:avLst/>
+          </a:prstGeom>
+        </p:spPr>
+        <p:txBody>
+          <a:bodyPr wrap="none">
+            <a:spAutoFit/>
+          </a:bodyPr>
+          <a:lstStyle/>
+          <a:p>
+            <a:r>
+              <a:rPr lang="zh-CN" altLang="en-US" b="0" i="0" dirty="0" smtClean="0">
+                <a:latin typeface="Wingdings"/>
+                <a:ea typeface="Wingdings"/>
+                <a:cs typeface="Wingdings"/>
+              </a:rPr>
+              <a:t></a:t>
+            </a:r>
+            <a:endParaRPr lang="zh-CN" altLang="en-US" dirty="0"/>
+          </a:p>
+        </p:txBody>
+      </p:sp>
+      <p:sp>
+        <p:nvSpPr>
+          <p:cNvPr id="10" name="矩形 9"/>
+          <p:cNvSpPr/>
+          <p:nvPr/>
+        </p:nvSpPr>
+        <p:spPr>
+          <a:xfrm>
+            <a:off x="3089372" y="2753617"/>
+            <a:ext cx="390364" cy="369332"/>
+          </a:xfrm>
+          <a:prstGeom prst="rect">
+            <a:avLst/>
+          </a:prstGeom>
+        </p:spPr>
+        <p:txBody>
+          <a:bodyPr wrap="none">
+            <a:spAutoFit/>
+          </a:bodyPr>
+          <a:lstStyle/>
+          <a:p>
+            <a:r>
+              <a:rPr lang="zh-CN" altLang="en-US" b="0" i="0" dirty="0" smtClean="0">
+                <a:latin typeface="Wingdings"/>
+                <a:ea typeface="Wingdings"/>
+                <a:cs typeface="Wingdings"/>
+              </a:rPr>
+              <a:t></a:t>
+            </a:r>
+            <a:endParaRPr lang="zh-CN" altLang="en-US" dirty="0"/>
+          </a:p>
+        </p:txBody>
+      </p:sp>
+      <p:sp>
+        <p:nvSpPr>
+          <p:cNvPr id="11" name="矩形 10"/>
+          <p:cNvSpPr/>
+          <p:nvPr/>
+        </p:nvSpPr>
+        <p:spPr>
+          <a:xfrm>
+            <a:off x="3148903" y="5062450"/>
+            <a:ext cx="661666" cy="408127"/>
+          </a:xfrm>
+          <a:prstGeom prst="rect">
+            <a:avLst/>
+          </a:prstGeom>
+          <a:noFill/>
+        </p:spPr>
+        <p:style>
+          <a:lnRef idx="1">
+            <a:schemeClr val="accent1"/>
+          </a:lnRef>
+          <a:fillRef idx="3">
+            <a:schemeClr val="accent1"/>
+          </a:fillRef>
+          <a:effectRef idx="2">
+            <a:schemeClr val="accent1"/>
+          </a:effectRef>
+          <a:fontRef idx="minor">
+            <a:schemeClr val="lt1"/>
+          </a:fontRef>
+        </p:style>
+        <p:txBody>
+          <a:bodyPr lIns="36000" rIns="36000" rtlCol="0" anchor="ctr"/>
+          <a:lstStyle/>
+          <a:p>
+            <a:pPr algn="ctr"/>
+            <a:r>
+              <a:rPr kumimoji="1" lang="zh-CN" altLang="en-US" dirty="0" smtClean="0">
+                <a:solidFill>
+                  <a:srgbClr val="008000"/>
+                </a:solidFill>
+              </a:rPr>
+              <a:t>取消</a:t>
+            </a:r>
+            <a:endParaRPr kumimoji="1" lang="zh-CN" altLang="en-US" dirty="0">
+              <a:solidFill>
+                <a:srgbClr val="008000"/>
+              </a:solidFill>
+            </a:endParaRPr>
+          </a:p>
+        </p:txBody>
+      </p:sp>
+      <p:sp>
+        <p:nvSpPr>
+          <p:cNvPr id="12" name="矩形 11"/>
+          <p:cNvSpPr/>
+          <p:nvPr/>
+        </p:nvSpPr>
+        <p:spPr>
+          <a:xfrm>
+            <a:off x="4926789" y="5064316"/>
+            <a:ext cx="630871" cy="408127"/>
+          </a:xfrm>
+          <a:prstGeom prst="rect">
+            <a:avLst/>
+          </a:prstGeom>
+          <a:noFill/>
+        </p:spPr>
+        <p:style>
+          <a:lnRef idx="1">
+            <a:schemeClr val="accent1"/>
+          </a:lnRef>
+          <a:fillRef idx="3">
+            <a:schemeClr val="accent1"/>
+          </a:fillRef>
+          <a:effectRef idx="2">
+            <a:schemeClr val="accent1"/>
+          </a:effectRef>
+          <a:fontRef idx="minor">
+            <a:schemeClr val="lt1"/>
+          </a:fontRef>
+        </p:style>
+        <p:txBody>
+          <a:bodyPr lIns="36000" rIns="36000" rtlCol="0" anchor="ctr"/>
+          <a:lstStyle/>
+          <a:p>
+            <a:pPr algn="ctr"/>
+            <a:r>
+              <a:rPr kumimoji="1" lang="zh-CN" altLang="en-US" dirty="0" smtClean="0">
+                <a:solidFill>
+                  <a:srgbClr val="008000"/>
+                </a:solidFill>
+              </a:rPr>
+              <a:t>确定</a:t>
+            </a:r>
+            <a:endParaRPr kumimoji="1" lang="zh-CN" altLang="en-US" dirty="0">
+              <a:solidFill>
+                <a:srgbClr val="008000"/>
+              </a:solidFill>
+            </a:endParaRPr>
+          </a:p>
+        </p:txBody>
+      </p:sp>
+      <p:sp>
+        <p:nvSpPr>
+          <p:cNvPr id="14" name="矩形 13"/>
+          <p:cNvSpPr/>
+          <p:nvPr/>
+        </p:nvSpPr>
+        <p:spPr>
+          <a:xfrm>
+            <a:off x="2823406" y="3462796"/>
+            <a:ext cx="1176034" cy="408127"/>
+          </a:xfrm>
+          <a:prstGeom prst="rect">
+            <a:avLst/>
+          </a:prstGeom>
+          <a:noFill/>
+          <a:ln>
+            <a:noFill/>
+          </a:ln>
+        </p:spPr>
+        <p:style>
+          <a:lnRef idx="1">
+            <a:schemeClr val="accent1"/>
+          </a:lnRef>
+          <a:fillRef idx="3">
+            <a:schemeClr val="accent1"/>
+          </a:fillRef>
+          <a:effectRef idx="2">
+            <a:schemeClr val="accent1"/>
+          </a:effectRef>
+          <a:fontRef idx="minor">
+            <a:schemeClr val="lt1"/>
+          </a:fontRef>
+        </p:style>
+        <p:txBody>
+          <a:bodyPr lIns="36000" rIns="36000" rtlCol="0" anchor="ctr"/>
+          <a:lstStyle/>
+          <a:p>
+            <a:pPr algn="ctr"/>
+            <a:r>
+              <a:rPr kumimoji="1" lang="zh-CN" altLang="en-US" strike="sngStrike" dirty="0" smtClean="0">
+                <a:solidFill>
+                  <a:srgbClr val="008000"/>
+                </a:solidFill>
+              </a:rPr>
+              <a:t>休息时间</a:t>
+            </a:r>
+            <a:endParaRPr kumimoji="1" lang="zh-CN" altLang="en-US" strike="sngStrike" dirty="0">
+              <a:solidFill>
+                <a:srgbClr val="008000"/>
+              </a:solidFill>
+            </a:endParaRPr>
+          </a:p>
+        </p:txBody>
+      </p:sp>
+      <p:sp>
+        <p:nvSpPr>
+          <p:cNvPr id="17" name="矩形 16"/>
+          <p:cNvSpPr/>
+          <p:nvPr/>
+        </p:nvSpPr>
+        <p:spPr>
+          <a:xfrm>
+            <a:off x="2978234" y="3909385"/>
+            <a:ext cx="624105" cy="408127"/>
+          </a:xfrm>
+          <a:prstGeom prst="rect">
+            <a:avLst/>
+          </a:prstGeom>
+          <a:noFill/>
+          <a:ln>
+            <a:noFill/>
+          </a:ln>
+        </p:spPr>
+        <p:style>
+          <a:lnRef idx="1">
+            <a:schemeClr val="accent1"/>
+          </a:lnRef>
+          <a:fillRef idx="3">
+            <a:schemeClr val="accent1"/>
+          </a:fillRef>
+          <a:effectRef idx="2">
+            <a:schemeClr val="accent1"/>
+          </a:effectRef>
+          <a:fontRef idx="minor">
+            <a:schemeClr val="lt1"/>
+          </a:fontRef>
+        </p:style>
+        <p:txBody>
+          <a:bodyPr lIns="36000" rIns="36000" rtlCol="0" anchor="ctr"/>
+          <a:lstStyle/>
+          <a:p>
+            <a:pPr algn="ctr"/>
+            <a:r>
+              <a:rPr lang="zh-CN" altLang="en-US" sz="1400" b="0" i="0" strike="sngStrike" dirty="0" smtClean="0">
+                <a:solidFill>
+                  <a:schemeClr val="tx1"/>
+                </a:solidFill>
+                <a:latin typeface="ＭＳ ゴシック"/>
+                <a:ea typeface="ＭＳ ゴシック"/>
+                <a:cs typeface="ＭＳ ゴシック"/>
+              </a:rPr>
+              <a:t>☐</a:t>
+            </a:r>
+            <a:r>
+              <a:rPr kumimoji="1" lang="zh-CN" altLang="en-US" sz="1400" strike="sngStrike" dirty="0" smtClean="0">
+                <a:solidFill>
+                  <a:srgbClr val="008000"/>
+                </a:solidFill>
+              </a:rPr>
+              <a:t>周一</a:t>
+            </a:r>
+            <a:endParaRPr kumimoji="1" lang="zh-CN" altLang="en-US" sz="1400" strike="sngStrike" dirty="0">
+              <a:solidFill>
+                <a:srgbClr val="008000"/>
+              </a:solidFill>
+            </a:endParaRPr>
+          </a:p>
+        </p:txBody>
+      </p:sp>
+      <p:sp>
+        <p:nvSpPr>
+          <p:cNvPr id="18" name="矩形 17"/>
+          <p:cNvSpPr/>
+          <p:nvPr/>
+        </p:nvSpPr>
+        <p:spPr>
+          <a:xfrm>
+            <a:off x="5814729" y="3909385"/>
+            <a:ext cx="624105" cy="408127"/>
+          </a:xfrm>
+          <a:prstGeom prst="rect">
+            <a:avLst/>
+          </a:prstGeom>
+          <a:noFill/>
+          <a:ln>
+            <a:noFill/>
+          </a:ln>
+        </p:spPr>
+        <p:style>
+          <a:lnRef idx="1">
+            <a:schemeClr val="accent1"/>
+          </a:lnRef>
+          <a:fillRef idx="3">
+            <a:schemeClr val="accent1"/>
+          </a:fillRef>
+          <a:effectRef idx="2">
+            <a:schemeClr val="accent1"/>
+          </a:effectRef>
+          <a:fontRef idx="minor">
+            <a:schemeClr val="lt1"/>
+          </a:fontRef>
+        </p:style>
+        <p:txBody>
+          <a:bodyPr lIns="36000" rIns="36000" rtlCol="0" anchor="ctr"/>
+          <a:lstStyle/>
+          <a:p>
+            <a:pPr algn="ctr"/>
+            <a:r>
+              <a:rPr lang="zh-CN" altLang="en-US" sz="1400" b="0" i="0" strike="sngStrike" dirty="0" smtClean="0">
+                <a:solidFill>
+                  <a:srgbClr val="000000"/>
+                </a:solidFill>
+                <a:latin typeface="Wingdings"/>
+                <a:ea typeface="Wingdings"/>
+                <a:cs typeface="Wingdings"/>
+              </a:rPr>
+              <a:t></a:t>
+            </a:r>
+            <a:r>
+              <a:rPr kumimoji="1" lang="zh-CN" altLang="en-US" sz="1400" strike="sngStrike" dirty="0" smtClean="0">
+                <a:solidFill>
+                  <a:srgbClr val="008000"/>
+                </a:solidFill>
+              </a:rPr>
+              <a:t>周六</a:t>
+            </a:r>
+            <a:endParaRPr kumimoji="1" lang="zh-CN" altLang="en-US" sz="1400" strike="sngStrike" dirty="0">
+              <a:solidFill>
+                <a:srgbClr val="008000"/>
+              </a:solidFill>
+            </a:endParaRPr>
+          </a:p>
+        </p:txBody>
+      </p:sp>
+      <p:sp>
+        <p:nvSpPr>
+          <p:cNvPr id="19" name="矩形 18"/>
+          <p:cNvSpPr/>
+          <p:nvPr/>
+        </p:nvSpPr>
+        <p:spPr>
+          <a:xfrm>
+            <a:off x="6354748" y="3909385"/>
+            <a:ext cx="624105" cy="408127"/>
+          </a:xfrm>
+          <a:prstGeom prst="rect">
+            <a:avLst/>
+          </a:prstGeom>
+          <a:noFill/>
+          <a:ln>
+            <a:noFill/>
+          </a:ln>
+        </p:spPr>
+        <p:style>
+          <a:lnRef idx="1">
+            <a:schemeClr val="accent1"/>
+          </a:lnRef>
+          <a:fillRef idx="3">
+            <a:schemeClr val="accent1"/>
+          </a:fillRef>
+          <a:effectRef idx="2">
+            <a:schemeClr val="accent1"/>
+          </a:effectRef>
+          <a:fontRef idx="minor">
+            <a:schemeClr val="lt1"/>
+          </a:fontRef>
+        </p:style>
+        <p:txBody>
+          <a:bodyPr lIns="36000" rIns="36000" rtlCol="0" anchor="ctr"/>
+          <a:lstStyle/>
+          <a:p>
+            <a:pPr algn="ctr"/>
+            <a:r>
+              <a:rPr lang="zh-CN" altLang="en-US" sz="1400" b="0" i="0" strike="sngStrike" dirty="0" smtClean="0">
+                <a:solidFill>
+                  <a:srgbClr val="000000"/>
+                </a:solidFill>
+                <a:latin typeface="Wingdings"/>
+                <a:ea typeface="Wingdings"/>
+                <a:cs typeface="Wingdings"/>
+              </a:rPr>
+              <a:t></a:t>
+            </a:r>
+            <a:r>
+              <a:rPr kumimoji="1" lang="zh-CN" altLang="en-US" sz="1400" strike="sngStrike" dirty="0" smtClean="0">
+                <a:solidFill>
+                  <a:srgbClr val="008000"/>
+                </a:solidFill>
+              </a:rPr>
+              <a:t>周日</a:t>
+            </a:r>
+            <a:endParaRPr kumimoji="1" lang="zh-CN" altLang="en-US" sz="1400" strike="sngStrike" dirty="0">
+              <a:solidFill>
+                <a:srgbClr val="008000"/>
+              </a:solidFill>
+            </a:endParaRPr>
+          </a:p>
+        </p:txBody>
+      </p:sp>
+      <p:sp>
+        <p:nvSpPr>
+          <p:cNvPr id="20" name="矩形 19"/>
+          <p:cNvSpPr/>
+          <p:nvPr/>
+        </p:nvSpPr>
+        <p:spPr>
+          <a:xfrm>
+            <a:off x="3518254" y="3909385"/>
+            <a:ext cx="624105" cy="408127"/>
+          </a:xfrm>
+          <a:prstGeom prst="rect">
+            <a:avLst/>
+          </a:prstGeom>
+          <a:noFill/>
+          <a:ln>
+            <a:noFill/>
+          </a:ln>
+        </p:spPr>
+        <p:style>
+          <a:lnRef idx="1">
+            <a:schemeClr val="accent1"/>
+          </a:lnRef>
+          <a:fillRef idx="3">
+            <a:schemeClr val="accent1"/>
+          </a:fillRef>
+          <a:effectRef idx="2">
+            <a:schemeClr val="accent1"/>
+          </a:effectRef>
+          <a:fontRef idx="minor">
+            <a:schemeClr val="lt1"/>
+          </a:fontRef>
+        </p:style>
+        <p:txBody>
+          <a:bodyPr lIns="36000" rIns="36000" rtlCol="0" anchor="ctr"/>
+          <a:lstStyle/>
+          <a:p>
+            <a:pPr algn="ctr"/>
+            <a:r>
+              <a:rPr lang="zh-CN" altLang="en-US" sz="1400" b="0" i="0" strike="sngStrike" dirty="0" smtClean="0">
+                <a:solidFill>
+                  <a:schemeClr val="tx1"/>
+                </a:solidFill>
+                <a:latin typeface="ＭＳ ゴシック"/>
+                <a:ea typeface="ＭＳ ゴシック"/>
+                <a:cs typeface="ＭＳ ゴシック"/>
+              </a:rPr>
+              <a:t>☐</a:t>
+            </a:r>
+            <a:r>
+              <a:rPr kumimoji="1" lang="zh-CN" altLang="en-US" sz="1400" strike="sngStrike" dirty="0" smtClean="0">
+                <a:solidFill>
+                  <a:srgbClr val="008000"/>
+                </a:solidFill>
+              </a:rPr>
+              <a:t>周二</a:t>
+            </a:r>
+            <a:endParaRPr kumimoji="1" lang="zh-CN" altLang="en-US" sz="1400" strike="sngStrike" dirty="0">
+              <a:solidFill>
+                <a:srgbClr val="008000"/>
+              </a:solidFill>
+            </a:endParaRPr>
+          </a:p>
+        </p:txBody>
+      </p:sp>
+      <p:sp>
+        <p:nvSpPr>
+          <p:cNvPr id="21" name="矩形 20"/>
+          <p:cNvSpPr/>
+          <p:nvPr/>
+        </p:nvSpPr>
+        <p:spPr>
+          <a:xfrm>
+            <a:off x="4058274" y="3909385"/>
+            <a:ext cx="624105" cy="408127"/>
+          </a:xfrm>
+          <a:prstGeom prst="rect">
+            <a:avLst/>
+          </a:prstGeom>
+          <a:noFill/>
+          <a:ln>
+            <a:noFill/>
+          </a:ln>
+        </p:spPr>
+        <p:style>
+          <a:lnRef idx="1">
+            <a:schemeClr val="accent1"/>
+          </a:lnRef>
+          <a:fillRef idx="3">
+            <a:schemeClr val="accent1"/>
+          </a:fillRef>
+          <a:effectRef idx="2">
+            <a:schemeClr val="accent1"/>
+          </a:effectRef>
+          <a:fontRef idx="minor">
+            <a:schemeClr val="lt1"/>
+          </a:fontRef>
+        </p:style>
+        <p:txBody>
+          <a:bodyPr lIns="36000" rIns="36000" rtlCol="0" anchor="ctr"/>
+          <a:lstStyle/>
+          <a:p>
+            <a:pPr algn="ctr"/>
+            <a:r>
+              <a:rPr lang="zh-CN" altLang="en-US" sz="1400" b="0" i="0" strike="sngStrike" dirty="0" smtClean="0">
+                <a:solidFill>
+                  <a:schemeClr val="tx1"/>
+                </a:solidFill>
+                <a:latin typeface="ＭＳ ゴシック"/>
+                <a:ea typeface="ＭＳ ゴシック"/>
+                <a:cs typeface="ＭＳ ゴシック"/>
+              </a:rPr>
+              <a:t>☐</a:t>
+            </a:r>
+            <a:r>
+              <a:rPr kumimoji="1" lang="zh-CN" altLang="en-US" sz="1400" strike="sngStrike" dirty="0" smtClean="0">
+                <a:solidFill>
+                  <a:srgbClr val="008000"/>
+                </a:solidFill>
+              </a:rPr>
+              <a:t>周三</a:t>
+            </a:r>
+            <a:endParaRPr kumimoji="1" lang="zh-CN" altLang="en-US" sz="1400" strike="sngStrike" dirty="0">
+              <a:solidFill>
+                <a:srgbClr val="008000"/>
+              </a:solidFill>
+            </a:endParaRPr>
+          </a:p>
+        </p:txBody>
+      </p:sp>
+      <p:sp>
+        <p:nvSpPr>
+          <p:cNvPr id="22" name="矩形 21"/>
+          <p:cNvSpPr/>
+          <p:nvPr/>
+        </p:nvSpPr>
+        <p:spPr>
+          <a:xfrm>
+            <a:off x="4598294" y="3909385"/>
+            <a:ext cx="624105" cy="408127"/>
+          </a:xfrm>
+          <a:prstGeom prst="rect">
+            <a:avLst/>
+          </a:prstGeom>
+          <a:noFill/>
+          <a:ln>
+            <a:noFill/>
+          </a:ln>
+        </p:spPr>
+        <p:style>
+          <a:lnRef idx="1">
+            <a:schemeClr val="accent1"/>
+          </a:lnRef>
+          <a:fillRef idx="3">
+            <a:schemeClr val="accent1"/>
+          </a:fillRef>
+          <a:effectRef idx="2">
+            <a:schemeClr val="accent1"/>
+          </a:effectRef>
+          <a:fontRef idx="minor">
+            <a:schemeClr val="lt1"/>
+          </a:fontRef>
+        </p:style>
+        <p:txBody>
+          <a:bodyPr lIns="36000" rIns="36000" rtlCol="0" anchor="ctr"/>
+          <a:lstStyle/>
+          <a:p>
+            <a:pPr algn="ctr"/>
+            <a:r>
+              <a:rPr lang="zh-CN" altLang="en-US" sz="1400" b="0" i="0" strike="sngStrike" dirty="0" smtClean="0">
+                <a:solidFill>
+                  <a:schemeClr val="tx1"/>
+                </a:solidFill>
+                <a:latin typeface="ＭＳ ゴシック"/>
+                <a:ea typeface="ＭＳ ゴシック"/>
+                <a:cs typeface="ＭＳ ゴシック"/>
+              </a:rPr>
+              <a:t>☐</a:t>
+            </a:r>
+            <a:r>
+              <a:rPr kumimoji="1" lang="zh-CN" altLang="en-US" sz="1400" strike="sngStrike" dirty="0" smtClean="0">
+                <a:solidFill>
+                  <a:srgbClr val="008000"/>
+                </a:solidFill>
+              </a:rPr>
+              <a:t>周四</a:t>
+            </a:r>
+            <a:endParaRPr kumimoji="1" lang="zh-CN" altLang="en-US" sz="1400" strike="sngStrike" dirty="0">
+              <a:solidFill>
+                <a:srgbClr val="008000"/>
+              </a:solidFill>
+            </a:endParaRPr>
+          </a:p>
+        </p:txBody>
+      </p:sp>
+      <p:sp>
+        <p:nvSpPr>
+          <p:cNvPr id="23" name="矩形 22"/>
+          <p:cNvSpPr/>
+          <p:nvPr/>
+        </p:nvSpPr>
+        <p:spPr>
+          <a:xfrm>
+            <a:off x="5240676" y="3897181"/>
+            <a:ext cx="624105" cy="408127"/>
+          </a:xfrm>
+          <a:prstGeom prst="rect">
+            <a:avLst/>
+          </a:prstGeom>
+          <a:noFill/>
+          <a:ln>
+            <a:noFill/>
+          </a:ln>
+        </p:spPr>
+        <p:style>
+          <a:lnRef idx="1">
+            <a:schemeClr val="accent1"/>
+          </a:lnRef>
+          <a:fillRef idx="3">
+            <a:schemeClr val="accent1"/>
+          </a:fillRef>
+          <a:effectRef idx="2">
+            <a:schemeClr val="accent1"/>
+          </a:effectRef>
+          <a:fontRef idx="minor">
+            <a:schemeClr val="lt1"/>
+          </a:fontRef>
+        </p:style>
+        <p:txBody>
+          <a:bodyPr lIns="36000" rIns="36000" rtlCol="0" anchor="ctr"/>
+          <a:lstStyle/>
+          <a:p>
+            <a:pPr algn="ctr"/>
+            <a:r>
+              <a:rPr lang="zh-CN" altLang="en-US" sz="1400" b="0" i="0" strike="sngStrike" dirty="0" smtClean="0">
+                <a:solidFill>
+                  <a:schemeClr val="tx1"/>
+                </a:solidFill>
+                <a:latin typeface="ＭＳ ゴシック"/>
+                <a:ea typeface="ＭＳ ゴシック"/>
+                <a:cs typeface="ＭＳ ゴシック"/>
+              </a:rPr>
+              <a:t>☐</a:t>
+            </a:r>
+            <a:r>
+              <a:rPr kumimoji="1" lang="zh-CN" altLang="en-US" sz="1400" strike="sngStrike" dirty="0" smtClean="0">
+                <a:solidFill>
+                  <a:srgbClr val="008000"/>
+                </a:solidFill>
+              </a:rPr>
+              <a:t>周五</a:t>
+            </a:r>
+            <a:endParaRPr kumimoji="1" lang="zh-CN" altLang="en-US" sz="1400" strike="sngStrike" dirty="0">
+              <a:solidFill>
+                <a:srgbClr val="008000"/>
+              </a:solidFill>
+            </a:endParaRPr>
+          </a:p>
+        </p:txBody>
+      </p:sp>
+    </p:spTree>
+    <p:extLst>
+      <p:ext uri="{BB962C8B-B14F-4D97-AF65-F5344CB8AC3E}">
+        <p14:creationId xmlns:p14="http://schemas.microsoft.com/office/powerpoint/2010/main" val="445402552"/>
+      </p:ext>
+    </p:extLst>
+  </p:cSld>
+  <p:clrMapOvr>
+    <a:masterClrMapping/>
+  </p:clrMapOvr>
+  <p:timing>
+    <p:tnLst>
+      <p:par>
+        <p:cTn xmlns:p14="http://schemas.microsoft.com/office/powerpoint/2010/main" id="1" dur="indefinite" restart="never" nodeType="tmRoot"/>
+      </p:par>
+    </p:tnLst>
+  </p:timing>
+</p:sld>
+</file>
+
+<file path=ppt/slides/slide6.xml><?xml version="1.0" encoding="utf-8"?>
+<p:sld xmlns:a="http://schemas.openxmlformats.org/drawingml/2006/main" xmlns:r="http://schemas.openxmlformats.org/officeDocument/2006/relationships" xmlns:p="http://schemas.openxmlformats.org/presentationml/2006/main">
+  <p:cSld>
+    <p:spTree>
+      <p:nvGrpSpPr>
+        <p:cNvPr id="1" name=""/>
+        <p:cNvGrpSpPr/>
+        <p:nvPr/>
+      </p:nvGrpSpPr>
+      <p:grpSpPr>
+        <a:xfrm>
+          <a:off x="0" y="0"/>
+          <a:ext cx="0" cy="0"/>
+          <a:chOff x="0" y="0"/>
+          <a:chExt cx="0" cy="0"/>
+        </a:xfrm>
+      </p:grpSpPr>
+      <p:sp>
+        <p:nvSpPr>
+          <p:cNvPr id="2" name="标题 1"/>
+          <p:cNvSpPr>
+            <a:spLocks noGrp="1"/>
+          </p:cNvSpPr>
+          <p:nvPr>
+            <p:ph type="title"/>
+          </p:nvPr>
+        </p:nvSpPr>
+        <p:spPr/>
+        <p:txBody>
+          <a:bodyPr/>
+          <a:lstStyle/>
+          <a:p>
             <a:r>
               <a:rPr kumimoji="1" lang="zh-CN" altLang="en-US" dirty="0" smtClean="0"/>
-              <a:t>有</a:t>
+              <a:t>管理所有</a:t>
             </a:r>
             <a:r>
               <a:rPr kumimoji="1" lang="zh-CN" altLang="en-US" dirty="0"/>
               <a:t>项目</a:t>
             </a:r>
-            <a:endParaRPr kumimoji="1" lang="zh-CN" altLang="en-US" dirty="0"/>
           </a:p>
         </p:txBody>
       </p:sp>
@@ -8917,127 +11060,7 @@
   <p:timing>
     <p:tnLst>
       <p:par>
-        <p:cTn id="1" dur="indefinite" restart="never" nodeType="tmRoot"/>
-      </p:par>
-    </p:tnLst>
-  </p:timing>
-</p:sld>
-</file>
-
-<file path=ppt/slides/slide6.xml><?xml version="1.0" encoding="utf-8"?>
-<p:sld xmlns:a="http://schemas.openxmlformats.org/drawingml/2006/main" xmlns:r="http://schemas.openxmlformats.org/officeDocument/2006/relationships" xmlns:p="http://schemas.openxmlformats.org/presentationml/2006/main">
-  <p:cSld>
-    <p:spTree>
-      <p:nvGrpSpPr>
-        <p:cNvPr id="1" name=""/>
-        <p:cNvGrpSpPr/>
-        <p:nvPr/>
-      </p:nvGrpSpPr>
-      <p:grpSpPr>
-        <a:xfrm>
-          <a:off x="0" y="0"/>
-          <a:ext cx="0" cy="0"/>
-          <a:chOff x="0" y="0"/>
-          <a:chExt cx="0" cy="0"/>
-        </a:xfrm>
-      </p:grpSpPr>
-      <p:sp>
-        <p:nvSpPr>
-          <p:cNvPr id="2" name="标题 1"/>
-          <p:cNvSpPr>
-            <a:spLocks noGrp="1"/>
-          </p:cNvSpPr>
-          <p:nvPr>
-            <p:ph type="title"/>
-          </p:nvPr>
-        </p:nvSpPr>
-        <p:spPr/>
-        <p:txBody>
-          <a:bodyPr/>
-          <a:lstStyle/>
-          <a:p>
-            <a:r>
-              <a:rPr kumimoji="1" lang="zh-CN" altLang="en-US" dirty="0" smtClean="0"/>
-              <a:t>管理</a:t>
-            </a:r>
-            <a:r>
-              <a:rPr kumimoji="1" lang="zh-CN" altLang="en-US" dirty="0" smtClean="0"/>
-              <a:t>单个项目</a:t>
-            </a:r>
-            <a:endParaRPr kumimoji="1" lang="zh-CN" altLang="en-US" dirty="0"/>
-          </a:p>
-        </p:txBody>
-      </p:sp>
-      <p:sp>
-        <p:nvSpPr>
-          <p:cNvPr id="3" name="内容占位符 2"/>
-          <p:cNvSpPr>
-            <a:spLocks noGrp="1"/>
-          </p:cNvSpPr>
-          <p:nvPr>
-            <p:ph idx="1"/>
-          </p:nvPr>
-        </p:nvSpPr>
-        <p:spPr/>
-        <p:txBody>
-          <a:bodyPr/>
-          <a:lstStyle/>
-          <a:p>
-            <a:r>
-              <a:rPr kumimoji="1" lang="zh-CN" altLang="en-US" dirty="0" smtClean="0"/>
-              <a:t>可修改属性：名字，</a:t>
-            </a:r>
-            <a:r>
-              <a:rPr kumimoji="1" lang="zh-CN" altLang="en-US" strike="sngStrike" dirty="0" smtClean="0"/>
-              <a:t>休息时间</a:t>
-            </a:r>
-            <a:r>
-              <a:rPr kumimoji="1" lang="zh-CN" altLang="en-US" dirty="0" smtClean="0"/>
-              <a:t>，状态</a:t>
-            </a:r>
-            <a:endParaRPr kumimoji="1" lang="en-US" altLang="zh-CN" dirty="0" smtClean="0"/>
-          </a:p>
-          <a:p>
-            <a:r>
-              <a:rPr kumimoji="1" lang="zh-CN" altLang="en-US" dirty="0" smtClean="0"/>
-              <a:t>不可修改属性：类型</a:t>
-            </a:r>
-            <a:endParaRPr kumimoji="1" lang="en-US" altLang="zh-CN" dirty="0" smtClean="0"/>
-          </a:p>
-          <a:p>
-            <a:r>
-              <a:rPr kumimoji="1" lang="zh-CN" altLang="en-US" dirty="0" smtClean="0"/>
-              <a:t>修改历史（表格）</a:t>
-            </a:r>
-            <a:endParaRPr kumimoji="1" lang="en-US" altLang="zh-CN" dirty="0" smtClean="0"/>
-          </a:p>
-          <a:p>
-            <a:r>
-              <a:rPr kumimoji="1" lang="zh-CN" altLang="en-US" dirty="0" smtClean="0"/>
-              <a:t>项目完成</a:t>
-            </a:r>
-            <a:r>
-              <a:rPr kumimoji="1" lang="zh-CN" altLang="en-US" dirty="0" smtClean="0"/>
-              <a:t>情况（日历格式）</a:t>
-            </a:r>
-            <a:endParaRPr kumimoji="1" lang="zh-CN" altLang="en-US" dirty="0"/>
-          </a:p>
-        </p:txBody>
-      </p:sp>
-    </p:spTree>
-    <p:extLst>
-      <p:ext uri="{BB962C8B-B14F-4D97-AF65-F5344CB8AC3E}">
-        <p14:creationId xmlns:p14="http://schemas.microsoft.com/office/powerpoint/2010/main" val="2407334755"/>
-      </p:ext>
-    </p:extLst>
-  </p:cSld>
-  <p:clrMapOvr>
-    <a:masterClrMapping/>
-  </p:clrMapOvr>
-  <p:timing>
-    <p:tnLst>
-      <p:par>
-        <p:cTn id="1" dur="indefinite" restart="never" nodeType="tmRoot"/>
+        <p:cTn xmlns:p14="http://schemas.microsoft.com/office/powerpoint/2010/main" id="1" dur="indefinite" restart="never" nodeType="tmRoot"/>
       </p:par>
     </p:tnLst>
   </p:timing>
@@ -9078,1158 +11101,68 @@
           <a:p>
             <a:r>
               <a:rPr kumimoji="1" lang="zh-CN" altLang="en-US" dirty="0" smtClean="0"/>
-              <a:t>管理</a:t>
-            </a:r>
+              <a:t>管理单个项目</a:t>
+            </a:r>
+            <a:endParaRPr kumimoji="1" lang="zh-CN" altLang="en-US" dirty="0"/>
+          </a:p>
+        </p:txBody>
+      </p:sp>
+      <p:sp>
+        <p:nvSpPr>
+          <p:cNvPr id="3" name="内容占位符 2"/>
+          <p:cNvSpPr>
+            <a:spLocks noGrp="1"/>
+          </p:cNvSpPr>
+          <p:nvPr>
+            <p:ph idx="1"/>
+          </p:nvPr>
+        </p:nvSpPr>
+        <p:spPr/>
+        <p:txBody>
+          <a:bodyPr/>
+          <a:lstStyle/>
+          <a:p>
             <a:r>
               <a:rPr kumimoji="1" lang="zh-CN" altLang="en-US" dirty="0" smtClean="0"/>
-              <a:t>单个项目</a:t>
+              <a:t>可修改属性：名字，</a:t>
+            </a:r>
+            <a:r>
+              <a:rPr kumimoji="1" lang="zh-CN" altLang="en-US" strike="sngStrike" dirty="0" smtClean="0"/>
+              <a:t>休息时间</a:t>
+            </a:r>
+            <a:r>
+              <a:rPr kumimoji="1" lang="zh-CN" altLang="en-US" dirty="0" smtClean="0"/>
+              <a:t>，状态</a:t>
+            </a:r>
+            <a:endParaRPr kumimoji="1" lang="en-US" altLang="zh-CN" dirty="0" smtClean="0"/>
+          </a:p>
+          <a:p>
+            <a:r>
+              <a:rPr kumimoji="1" lang="zh-CN" altLang="en-US" dirty="0" smtClean="0"/>
+              <a:t>不可修改属性：类型</a:t>
+            </a:r>
+            <a:endParaRPr kumimoji="1" lang="en-US" altLang="zh-CN" dirty="0" smtClean="0"/>
+          </a:p>
+          <a:p>
+            <a:r>
+              <a:rPr kumimoji="1" lang="zh-CN" altLang="en-US" dirty="0" smtClean="0"/>
+              <a:t>修改历史（表格）</a:t>
+            </a:r>
+            <a:endParaRPr kumimoji="1" lang="en-US" altLang="zh-CN" dirty="0" smtClean="0"/>
+          </a:p>
+          <a:p>
+            <a:r>
+              <a:rPr kumimoji="1" lang="zh-CN" altLang="en-US" dirty="0" smtClean="0"/>
+              <a:t>项目完成情况（日历格式）</a:t>
             </a:r>
             <a:endParaRPr kumimoji="1" lang="zh-CN" altLang="en-US" dirty="0"/>
-          </a:p>
-        </p:txBody>
-      </p:sp>
-      <p:sp>
-        <p:nvSpPr>
-          <p:cNvPr id="4" name="矩形 3"/>
-          <p:cNvSpPr/>
-          <p:nvPr/>
-        </p:nvSpPr>
-        <p:spPr>
-          <a:xfrm>
-            <a:off x="2953763" y="1995686"/>
-            <a:ext cx="525973" cy="408127"/>
-          </a:xfrm>
-          <a:prstGeom prst="rect">
-            <a:avLst/>
-          </a:prstGeom>
-          <a:noFill/>
-          <a:ln>
-            <a:noFill/>
-          </a:ln>
-        </p:spPr>
-        <p:style>
-          <a:lnRef idx="1">
-            <a:schemeClr val="accent1"/>
-          </a:lnRef>
-          <a:fillRef idx="3">
-            <a:schemeClr val="accent1"/>
-          </a:fillRef>
-          <a:effectRef idx="2">
-            <a:schemeClr val="accent1"/>
-          </a:effectRef>
-          <a:fontRef idx="minor">
-            <a:schemeClr val="lt1"/>
-          </a:fontRef>
-        </p:style>
-        <p:txBody>
-          <a:bodyPr lIns="36000" rIns="36000" rtlCol="0" anchor="ctr"/>
-          <a:lstStyle/>
-          <a:p>
-            <a:pPr algn="ctr"/>
-            <a:r>
-              <a:rPr kumimoji="1" lang="zh-CN" altLang="en-US" dirty="0" smtClean="0">
-                <a:solidFill>
-                  <a:srgbClr val="008000"/>
-                </a:solidFill>
-              </a:rPr>
-              <a:t>名字</a:t>
-            </a:r>
-            <a:endParaRPr kumimoji="1" lang="zh-CN" altLang="en-US" dirty="0">
-              <a:solidFill>
-                <a:srgbClr val="008000"/>
-              </a:solidFill>
-            </a:endParaRPr>
-          </a:p>
-        </p:txBody>
-      </p:sp>
-      <p:sp>
-        <p:nvSpPr>
-          <p:cNvPr id="5" name="矩形 4"/>
-          <p:cNvSpPr/>
-          <p:nvPr/>
-        </p:nvSpPr>
-        <p:spPr>
-          <a:xfrm>
-            <a:off x="3611783" y="2010620"/>
-            <a:ext cx="1955587" cy="408127"/>
-          </a:xfrm>
-          <a:prstGeom prst="rect">
-            <a:avLst/>
-          </a:prstGeom>
-          <a:noFill/>
-        </p:spPr>
-        <p:style>
-          <a:lnRef idx="1">
-            <a:schemeClr val="accent1"/>
-          </a:lnRef>
-          <a:fillRef idx="3">
-            <a:schemeClr val="accent1"/>
-          </a:fillRef>
-          <a:effectRef idx="2">
-            <a:schemeClr val="accent1"/>
-          </a:effectRef>
-          <a:fontRef idx="minor">
-            <a:schemeClr val="lt1"/>
-          </a:fontRef>
-        </p:style>
-        <p:txBody>
-          <a:bodyPr lIns="36000" rIns="36000" rtlCol="0" anchor="ctr"/>
-          <a:lstStyle/>
-          <a:p>
-            <a:r>
-              <a:rPr kumimoji="1" lang="zh-CN" altLang="en-US" dirty="0" smtClean="0">
-                <a:solidFill>
-                  <a:schemeClr val="tx1"/>
-                </a:solidFill>
-              </a:rPr>
-              <a:t>每天</a:t>
-            </a:r>
-            <a:r>
-              <a:rPr kumimoji="1" lang="en-US" altLang="zh-CN" dirty="0" smtClean="0">
-                <a:solidFill>
-                  <a:schemeClr val="tx1"/>
-                </a:solidFill>
-              </a:rPr>
-              <a:t>100</a:t>
-            </a:r>
-            <a:r>
-              <a:rPr kumimoji="1" lang="zh-CN" altLang="en-US" dirty="0" smtClean="0">
-                <a:solidFill>
-                  <a:schemeClr val="tx1"/>
-                </a:solidFill>
-              </a:rPr>
-              <a:t>行代码</a:t>
-            </a:r>
-            <a:endParaRPr kumimoji="1" lang="zh-CN" altLang="en-US" dirty="0">
-              <a:solidFill>
-                <a:schemeClr val="tx1"/>
-              </a:solidFill>
-            </a:endParaRPr>
-          </a:p>
-        </p:txBody>
-      </p:sp>
-      <p:sp>
-        <p:nvSpPr>
-          <p:cNvPr id="6" name="矩形 5"/>
-          <p:cNvSpPr/>
-          <p:nvPr/>
-        </p:nvSpPr>
-        <p:spPr>
-          <a:xfrm>
-            <a:off x="3525035" y="2729016"/>
-            <a:ext cx="758729" cy="408127"/>
-          </a:xfrm>
-          <a:prstGeom prst="rect">
-            <a:avLst/>
-          </a:prstGeom>
-          <a:noFill/>
-          <a:ln>
-            <a:noFill/>
-          </a:ln>
-        </p:spPr>
-        <p:style>
-          <a:lnRef idx="1">
-            <a:schemeClr val="accent1"/>
-          </a:lnRef>
-          <a:fillRef idx="3">
-            <a:schemeClr val="accent1"/>
-          </a:fillRef>
-          <a:effectRef idx="2">
-            <a:schemeClr val="accent1"/>
-          </a:effectRef>
-          <a:fontRef idx="minor">
-            <a:schemeClr val="lt1"/>
-          </a:fontRef>
-        </p:style>
-        <p:txBody>
-          <a:bodyPr lIns="36000" rIns="36000" rtlCol="0" anchor="ctr"/>
-          <a:lstStyle/>
-          <a:p>
-            <a:pPr algn="ctr"/>
-            <a:r>
-              <a:rPr kumimoji="1" lang="zh-CN" altLang="en-US" dirty="0" smtClean="0">
-                <a:solidFill>
-                  <a:srgbClr val="FF0000"/>
-                </a:solidFill>
-              </a:rPr>
-              <a:t>好习惯</a:t>
-            </a:r>
-            <a:endParaRPr kumimoji="1" lang="zh-CN" altLang="en-US" dirty="0">
-              <a:solidFill>
-                <a:srgbClr val="FF0000"/>
-              </a:solidFill>
-            </a:endParaRPr>
-          </a:p>
-        </p:txBody>
-      </p:sp>
-      <p:sp>
-        <p:nvSpPr>
-          <p:cNvPr id="7" name="矩形 6"/>
-          <p:cNvSpPr/>
-          <p:nvPr/>
-        </p:nvSpPr>
-        <p:spPr>
-          <a:xfrm>
-            <a:off x="4798931" y="2705786"/>
-            <a:ext cx="758729" cy="408127"/>
-          </a:xfrm>
-          <a:prstGeom prst="rect">
-            <a:avLst/>
-          </a:prstGeom>
-          <a:noFill/>
-          <a:ln>
-            <a:noFill/>
-          </a:ln>
-        </p:spPr>
-        <p:style>
-          <a:lnRef idx="1">
-            <a:schemeClr val="accent1"/>
-          </a:lnRef>
-          <a:fillRef idx="3">
-            <a:schemeClr val="accent1"/>
-          </a:fillRef>
-          <a:effectRef idx="2">
-            <a:schemeClr val="accent1"/>
-          </a:effectRef>
-          <a:fontRef idx="minor">
-            <a:schemeClr val="lt1"/>
-          </a:fontRef>
-        </p:style>
-        <p:txBody>
-          <a:bodyPr lIns="36000" rIns="36000" rtlCol="0" anchor="ctr"/>
-          <a:lstStyle/>
-          <a:p>
-            <a:pPr algn="ctr"/>
-            <a:r>
-              <a:rPr kumimoji="1" lang="zh-CN" altLang="en-US" dirty="0" smtClean="0">
-                <a:solidFill>
-                  <a:srgbClr val="000090"/>
-                </a:solidFill>
-              </a:rPr>
-              <a:t>坏习惯</a:t>
-            </a:r>
-            <a:endParaRPr kumimoji="1" lang="zh-CN" altLang="en-US" dirty="0">
-              <a:solidFill>
-                <a:srgbClr val="000090"/>
-              </a:solidFill>
-            </a:endParaRPr>
-          </a:p>
-        </p:txBody>
-      </p:sp>
-      <p:sp>
-        <p:nvSpPr>
-          <p:cNvPr id="8" name="矩形 7"/>
-          <p:cNvSpPr/>
-          <p:nvPr/>
-        </p:nvSpPr>
-        <p:spPr>
-          <a:xfrm>
-            <a:off x="4412484" y="2757913"/>
-            <a:ext cx="390364" cy="369332"/>
-          </a:xfrm>
-          <a:prstGeom prst="rect">
-            <a:avLst/>
-          </a:prstGeom>
-        </p:spPr>
-        <p:txBody>
-          <a:bodyPr wrap="none">
-            <a:spAutoFit/>
-          </a:bodyPr>
-          <a:lstStyle/>
-          <a:p>
-            <a:r>
-              <a:rPr lang="zh-CN" altLang="en-US" b="0" i="0" dirty="0" smtClean="0">
-                <a:solidFill>
-                  <a:srgbClr val="7F7F7F"/>
-                </a:solidFill>
-                <a:latin typeface="Wingdings"/>
-                <a:ea typeface="Wingdings"/>
-                <a:cs typeface="Wingdings"/>
-              </a:rPr>
-              <a:t></a:t>
-            </a:r>
-            <a:endParaRPr lang="zh-CN" altLang="en-US" dirty="0">
-              <a:solidFill>
-                <a:srgbClr val="7F7F7F"/>
-              </a:solidFill>
-            </a:endParaRPr>
-          </a:p>
-        </p:txBody>
-      </p:sp>
-      <p:sp>
-        <p:nvSpPr>
-          <p:cNvPr id="9" name="矩形 8"/>
-          <p:cNvSpPr/>
-          <p:nvPr/>
-        </p:nvSpPr>
-        <p:spPr>
-          <a:xfrm>
-            <a:off x="3089372" y="2753617"/>
-            <a:ext cx="390364" cy="369332"/>
-          </a:xfrm>
-          <a:prstGeom prst="rect">
-            <a:avLst/>
-          </a:prstGeom>
-        </p:spPr>
-        <p:txBody>
-          <a:bodyPr wrap="none">
-            <a:spAutoFit/>
-          </a:bodyPr>
-          <a:lstStyle/>
-          <a:p>
-            <a:r>
-              <a:rPr lang="zh-CN" altLang="en-US" b="0" i="0" dirty="0" smtClean="0">
-                <a:solidFill>
-                  <a:srgbClr val="7F7F7F"/>
-                </a:solidFill>
-                <a:latin typeface="Wingdings"/>
-                <a:ea typeface="Wingdings"/>
-                <a:cs typeface="Wingdings"/>
-              </a:rPr>
-              <a:t></a:t>
-            </a:r>
-            <a:endParaRPr lang="zh-CN" altLang="en-US" dirty="0">
-              <a:solidFill>
-                <a:srgbClr val="7F7F7F"/>
-              </a:solidFill>
-            </a:endParaRPr>
-          </a:p>
-        </p:txBody>
-      </p:sp>
-      <p:sp>
-        <p:nvSpPr>
-          <p:cNvPr id="10" name="矩形 9"/>
-          <p:cNvSpPr/>
-          <p:nvPr/>
-        </p:nvSpPr>
-        <p:spPr>
-          <a:xfrm>
-            <a:off x="3129077" y="6009563"/>
-            <a:ext cx="661666" cy="408127"/>
-          </a:xfrm>
-          <a:prstGeom prst="rect">
-            <a:avLst/>
-          </a:prstGeom>
-          <a:noFill/>
-        </p:spPr>
-        <p:style>
-          <a:lnRef idx="1">
-            <a:schemeClr val="accent1"/>
-          </a:lnRef>
-          <a:fillRef idx="3">
-            <a:schemeClr val="accent1"/>
-          </a:fillRef>
-          <a:effectRef idx="2">
-            <a:schemeClr val="accent1"/>
-          </a:effectRef>
-          <a:fontRef idx="minor">
-            <a:schemeClr val="lt1"/>
-          </a:fontRef>
-        </p:style>
-        <p:txBody>
-          <a:bodyPr lIns="36000" rIns="36000" rtlCol="0" anchor="ctr"/>
-          <a:lstStyle/>
-          <a:p>
-            <a:pPr algn="ctr"/>
-            <a:r>
-              <a:rPr kumimoji="1" lang="zh-CN" altLang="en-US" dirty="0" smtClean="0">
-                <a:solidFill>
-                  <a:srgbClr val="008000"/>
-                </a:solidFill>
-              </a:rPr>
-              <a:t>取消</a:t>
-            </a:r>
-            <a:endParaRPr kumimoji="1" lang="zh-CN" altLang="en-US" dirty="0">
-              <a:solidFill>
-                <a:srgbClr val="008000"/>
-              </a:solidFill>
-            </a:endParaRPr>
-          </a:p>
-        </p:txBody>
-      </p:sp>
-      <p:sp>
-        <p:nvSpPr>
-          <p:cNvPr id="11" name="矩形 10"/>
-          <p:cNvSpPr/>
-          <p:nvPr/>
-        </p:nvSpPr>
-        <p:spPr>
-          <a:xfrm>
-            <a:off x="4906963" y="6011429"/>
-            <a:ext cx="630871" cy="408127"/>
-          </a:xfrm>
-          <a:prstGeom prst="rect">
-            <a:avLst/>
-          </a:prstGeom>
-          <a:noFill/>
-        </p:spPr>
-        <p:style>
-          <a:lnRef idx="1">
-            <a:schemeClr val="accent1"/>
-          </a:lnRef>
-          <a:fillRef idx="3">
-            <a:schemeClr val="accent1"/>
-          </a:fillRef>
-          <a:effectRef idx="2">
-            <a:schemeClr val="accent1"/>
-          </a:effectRef>
-          <a:fontRef idx="minor">
-            <a:schemeClr val="lt1"/>
-          </a:fontRef>
-        </p:style>
-        <p:txBody>
-          <a:bodyPr lIns="36000" rIns="36000" rtlCol="0" anchor="ctr"/>
-          <a:lstStyle/>
-          <a:p>
-            <a:pPr algn="ctr"/>
-            <a:r>
-              <a:rPr kumimoji="1" lang="zh-CN" altLang="en-US" dirty="0" smtClean="0">
-                <a:solidFill>
-                  <a:srgbClr val="008000"/>
-                </a:solidFill>
-              </a:rPr>
-              <a:t>保存</a:t>
-            </a:r>
-            <a:endParaRPr kumimoji="1" lang="zh-CN" altLang="en-US" dirty="0">
-              <a:solidFill>
-                <a:srgbClr val="008000"/>
-              </a:solidFill>
-            </a:endParaRPr>
-          </a:p>
-        </p:txBody>
-      </p:sp>
-      <p:sp>
-        <p:nvSpPr>
-          <p:cNvPr id="12" name="矩形 11"/>
-          <p:cNvSpPr/>
-          <p:nvPr/>
-        </p:nvSpPr>
-        <p:spPr>
-          <a:xfrm>
-            <a:off x="2823406" y="3165576"/>
-            <a:ext cx="1176034" cy="408127"/>
-          </a:xfrm>
-          <a:prstGeom prst="rect">
-            <a:avLst/>
-          </a:prstGeom>
-          <a:noFill/>
-          <a:ln>
-            <a:noFill/>
-          </a:ln>
-        </p:spPr>
-        <p:style>
-          <a:lnRef idx="1">
-            <a:schemeClr val="accent1"/>
-          </a:lnRef>
-          <a:fillRef idx="3">
-            <a:schemeClr val="accent1"/>
-          </a:fillRef>
-          <a:effectRef idx="2">
-            <a:schemeClr val="accent1"/>
-          </a:effectRef>
-          <a:fontRef idx="minor">
-            <a:schemeClr val="lt1"/>
-          </a:fontRef>
-        </p:style>
-        <p:txBody>
-          <a:bodyPr lIns="36000" rIns="36000" rtlCol="0" anchor="ctr"/>
-          <a:lstStyle/>
-          <a:p>
-            <a:pPr algn="ctr"/>
-            <a:r>
-              <a:rPr kumimoji="1" lang="zh-CN" altLang="en-US" strike="sngStrike" dirty="0" smtClean="0">
-                <a:solidFill>
-                  <a:srgbClr val="008000"/>
-                </a:solidFill>
-              </a:rPr>
-              <a:t>休息时间</a:t>
-            </a:r>
-            <a:endParaRPr kumimoji="1" lang="zh-CN" altLang="en-US" strike="sngStrike" dirty="0">
-              <a:solidFill>
-                <a:srgbClr val="008000"/>
-              </a:solidFill>
-            </a:endParaRPr>
-          </a:p>
-        </p:txBody>
-      </p:sp>
-      <p:sp>
-        <p:nvSpPr>
-          <p:cNvPr id="13" name="矩形 12"/>
-          <p:cNvSpPr/>
-          <p:nvPr/>
-        </p:nvSpPr>
-        <p:spPr>
-          <a:xfrm>
-            <a:off x="2978234" y="3612165"/>
-            <a:ext cx="624105" cy="408127"/>
-          </a:xfrm>
-          <a:prstGeom prst="rect">
-            <a:avLst/>
-          </a:prstGeom>
-          <a:noFill/>
-          <a:ln>
-            <a:noFill/>
-          </a:ln>
-        </p:spPr>
-        <p:style>
-          <a:lnRef idx="1">
-            <a:schemeClr val="accent1"/>
-          </a:lnRef>
-          <a:fillRef idx="3">
-            <a:schemeClr val="accent1"/>
-          </a:fillRef>
-          <a:effectRef idx="2">
-            <a:schemeClr val="accent1"/>
-          </a:effectRef>
-          <a:fontRef idx="minor">
-            <a:schemeClr val="lt1"/>
-          </a:fontRef>
-        </p:style>
-        <p:txBody>
-          <a:bodyPr lIns="36000" rIns="36000" rtlCol="0" anchor="ctr"/>
-          <a:lstStyle/>
-          <a:p>
-            <a:pPr algn="ctr"/>
-            <a:r>
-              <a:rPr lang="zh-CN" altLang="en-US" sz="1400" b="0" i="0" strike="sngStrike" dirty="0" smtClean="0">
-                <a:solidFill>
-                  <a:schemeClr val="tx1"/>
-                </a:solidFill>
-                <a:latin typeface="ＭＳ ゴシック"/>
-                <a:ea typeface="ＭＳ ゴシック"/>
-                <a:cs typeface="ＭＳ ゴシック"/>
-              </a:rPr>
-              <a:t>☐</a:t>
-            </a:r>
-            <a:r>
-              <a:rPr kumimoji="1" lang="zh-CN" altLang="en-US" sz="1400" strike="sngStrike" dirty="0" smtClean="0">
-                <a:solidFill>
-                  <a:srgbClr val="008000"/>
-                </a:solidFill>
-              </a:rPr>
-              <a:t>周一</a:t>
-            </a:r>
-            <a:endParaRPr kumimoji="1" lang="zh-CN" altLang="en-US" sz="1400" strike="sngStrike" dirty="0">
-              <a:solidFill>
-                <a:srgbClr val="008000"/>
-              </a:solidFill>
-            </a:endParaRPr>
-          </a:p>
-        </p:txBody>
-      </p:sp>
-      <p:sp>
-        <p:nvSpPr>
-          <p:cNvPr id="14" name="矩形 13"/>
-          <p:cNvSpPr/>
-          <p:nvPr/>
-        </p:nvSpPr>
-        <p:spPr>
-          <a:xfrm>
-            <a:off x="5814729" y="3612165"/>
-            <a:ext cx="624105" cy="408127"/>
-          </a:xfrm>
-          <a:prstGeom prst="rect">
-            <a:avLst/>
-          </a:prstGeom>
-          <a:noFill/>
-          <a:ln>
-            <a:noFill/>
-          </a:ln>
-        </p:spPr>
-        <p:style>
-          <a:lnRef idx="1">
-            <a:schemeClr val="accent1"/>
-          </a:lnRef>
-          <a:fillRef idx="3">
-            <a:schemeClr val="accent1"/>
-          </a:fillRef>
-          <a:effectRef idx="2">
-            <a:schemeClr val="accent1"/>
-          </a:effectRef>
-          <a:fontRef idx="minor">
-            <a:schemeClr val="lt1"/>
-          </a:fontRef>
-        </p:style>
-        <p:txBody>
-          <a:bodyPr lIns="36000" rIns="36000" rtlCol="0" anchor="ctr"/>
-          <a:lstStyle/>
-          <a:p>
-            <a:pPr algn="ctr"/>
-            <a:r>
-              <a:rPr lang="zh-CN" altLang="en-US" sz="1400" b="0" i="0" strike="sngStrike" dirty="0" smtClean="0">
-                <a:solidFill>
-                  <a:srgbClr val="000000"/>
-                </a:solidFill>
-                <a:latin typeface="Wingdings"/>
-                <a:ea typeface="Wingdings"/>
-                <a:cs typeface="Wingdings"/>
-              </a:rPr>
-              <a:t></a:t>
-            </a:r>
-            <a:r>
-              <a:rPr kumimoji="1" lang="zh-CN" altLang="en-US" sz="1400" strike="sngStrike" dirty="0" smtClean="0">
-                <a:solidFill>
-                  <a:srgbClr val="008000"/>
-                </a:solidFill>
-              </a:rPr>
-              <a:t>周六</a:t>
-            </a:r>
-            <a:endParaRPr kumimoji="1" lang="zh-CN" altLang="en-US" sz="1400" strike="sngStrike" dirty="0">
-              <a:solidFill>
-                <a:srgbClr val="008000"/>
-              </a:solidFill>
-            </a:endParaRPr>
-          </a:p>
-        </p:txBody>
-      </p:sp>
-      <p:sp>
-        <p:nvSpPr>
-          <p:cNvPr id="15" name="矩形 14"/>
-          <p:cNvSpPr/>
-          <p:nvPr/>
-        </p:nvSpPr>
-        <p:spPr>
-          <a:xfrm>
-            <a:off x="6354748" y="3612165"/>
-            <a:ext cx="624105" cy="408127"/>
-          </a:xfrm>
-          <a:prstGeom prst="rect">
-            <a:avLst/>
-          </a:prstGeom>
-          <a:noFill/>
-          <a:ln>
-            <a:noFill/>
-          </a:ln>
-        </p:spPr>
-        <p:style>
-          <a:lnRef idx="1">
-            <a:schemeClr val="accent1"/>
-          </a:lnRef>
-          <a:fillRef idx="3">
-            <a:schemeClr val="accent1"/>
-          </a:fillRef>
-          <a:effectRef idx="2">
-            <a:schemeClr val="accent1"/>
-          </a:effectRef>
-          <a:fontRef idx="minor">
-            <a:schemeClr val="lt1"/>
-          </a:fontRef>
-        </p:style>
-        <p:txBody>
-          <a:bodyPr lIns="36000" rIns="36000" rtlCol="0" anchor="ctr"/>
-          <a:lstStyle/>
-          <a:p>
-            <a:pPr algn="ctr"/>
-            <a:r>
-              <a:rPr lang="zh-CN" altLang="en-US" sz="1400" b="0" i="0" strike="sngStrike" dirty="0" smtClean="0">
-                <a:solidFill>
-                  <a:srgbClr val="000000"/>
-                </a:solidFill>
-                <a:latin typeface="Wingdings"/>
-                <a:ea typeface="Wingdings"/>
-                <a:cs typeface="Wingdings"/>
-              </a:rPr>
-              <a:t></a:t>
-            </a:r>
-            <a:r>
-              <a:rPr kumimoji="1" lang="zh-CN" altLang="en-US" sz="1400" strike="sngStrike" dirty="0" smtClean="0">
-                <a:solidFill>
-                  <a:srgbClr val="008000"/>
-                </a:solidFill>
-              </a:rPr>
-              <a:t>周日</a:t>
-            </a:r>
-            <a:endParaRPr kumimoji="1" lang="zh-CN" altLang="en-US" sz="1400" strike="sngStrike" dirty="0">
-              <a:solidFill>
-                <a:srgbClr val="008000"/>
-              </a:solidFill>
-            </a:endParaRPr>
-          </a:p>
-        </p:txBody>
-      </p:sp>
-      <p:sp>
-        <p:nvSpPr>
-          <p:cNvPr id="16" name="矩形 15"/>
-          <p:cNvSpPr/>
-          <p:nvPr/>
-        </p:nvSpPr>
-        <p:spPr>
-          <a:xfrm>
-            <a:off x="3518254" y="3612165"/>
-            <a:ext cx="624105" cy="408127"/>
-          </a:xfrm>
-          <a:prstGeom prst="rect">
-            <a:avLst/>
-          </a:prstGeom>
-          <a:noFill/>
-          <a:ln>
-            <a:noFill/>
-          </a:ln>
-        </p:spPr>
-        <p:style>
-          <a:lnRef idx="1">
-            <a:schemeClr val="accent1"/>
-          </a:lnRef>
-          <a:fillRef idx="3">
-            <a:schemeClr val="accent1"/>
-          </a:fillRef>
-          <a:effectRef idx="2">
-            <a:schemeClr val="accent1"/>
-          </a:effectRef>
-          <a:fontRef idx="minor">
-            <a:schemeClr val="lt1"/>
-          </a:fontRef>
-        </p:style>
-        <p:txBody>
-          <a:bodyPr lIns="36000" rIns="36000" rtlCol="0" anchor="ctr"/>
-          <a:lstStyle/>
-          <a:p>
-            <a:pPr algn="ctr"/>
-            <a:r>
-              <a:rPr lang="zh-CN" altLang="en-US" sz="1400" b="0" i="0" strike="sngStrike" dirty="0" smtClean="0">
-                <a:solidFill>
-                  <a:schemeClr val="tx1"/>
-                </a:solidFill>
-                <a:latin typeface="ＭＳ ゴシック"/>
-                <a:ea typeface="ＭＳ ゴシック"/>
-                <a:cs typeface="ＭＳ ゴシック"/>
-              </a:rPr>
-              <a:t>☐</a:t>
-            </a:r>
-            <a:r>
-              <a:rPr kumimoji="1" lang="zh-CN" altLang="en-US" sz="1400" strike="sngStrike" dirty="0" smtClean="0">
-                <a:solidFill>
-                  <a:srgbClr val="008000"/>
-                </a:solidFill>
-              </a:rPr>
-              <a:t>周二</a:t>
-            </a:r>
-            <a:endParaRPr kumimoji="1" lang="zh-CN" altLang="en-US" sz="1400" strike="sngStrike" dirty="0">
-              <a:solidFill>
-                <a:srgbClr val="008000"/>
-              </a:solidFill>
-            </a:endParaRPr>
-          </a:p>
-        </p:txBody>
-      </p:sp>
-      <p:sp>
-        <p:nvSpPr>
-          <p:cNvPr id="17" name="矩形 16"/>
-          <p:cNvSpPr/>
-          <p:nvPr/>
-        </p:nvSpPr>
-        <p:spPr>
-          <a:xfrm>
-            <a:off x="4058274" y="3612165"/>
-            <a:ext cx="624105" cy="408127"/>
-          </a:xfrm>
-          <a:prstGeom prst="rect">
-            <a:avLst/>
-          </a:prstGeom>
-          <a:noFill/>
-          <a:ln>
-            <a:noFill/>
-          </a:ln>
-        </p:spPr>
-        <p:style>
-          <a:lnRef idx="1">
-            <a:schemeClr val="accent1"/>
-          </a:lnRef>
-          <a:fillRef idx="3">
-            <a:schemeClr val="accent1"/>
-          </a:fillRef>
-          <a:effectRef idx="2">
-            <a:schemeClr val="accent1"/>
-          </a:effectRef>
-          <a:fontRef idx="minor">
-            <a:schemeClr val="lt1"/>
-          </a:fontRef>
-        </p:style>
-        <p:txBody>
-          <a:bodyPr lIns="36000" rIns="36000" rtlCol="0" anchor="ctr"/>
-          <a:lstStyle/>
-          <a:p>
-            <a:pPr algn="ctr"/>
-            <a:r>
-              <a:rPr lang="zh-CN" altLang="en-US" sz="1400" b="0" i="0" strike="sngStrike" dirty="0" smtClean="0">
-                <a:solidFill>
-                  <a:schemeClr val="tx1"/>
-                </a:solidFill>
-                <a:latin typeface="ＭＳ ゴシック"/>
-                <a:ea typeface="ＭＳ ゴシック"/>
-                <a:cs typeface="ＭＳ ゴシック"/>
-              </a:rPr>
-              <a:t>☐</a:t>
-            </a:r>
-            <a:r>
-              <a:rPr kumimoji="1" lang="zh-CN" altLang="en-US" sz="1400" strike="sngStrike" dirty="0" smtClean="0">
-                <a:solidFill>
-                  <a:srgbClr val="008000"/>
-                </a:solidFill>
-              </a:rPr>
-              <a:t>周三</a:t>
-            </a:r>
-            <a:endParaRPr kumimoji="1" lang="zh-CN" altLang="en-US" sz="1400" strike="sngStrike" dirty="0">
-              <a:solidFill>
-                <a:srgbClr val="008000"/>
-              </a:solidFill>
-            </a:endParaRPr>
-          </a:p>
-        </p:txBody>
-      </p:sp>
-      <p:sp>
-        <p:nvSpPr>
-          <p:cNvPr id="18" name="矩形 17"/>
-          <p:cNvSpPr/>
-          <p:nvPr/>
-        </p:nvSpPr>
-        <p:spPr>
-          <a:xfrm>
-            <a:off x="4598294" y="3612165"/>
-            <a:ext cx="624105" cy="408127"/>
-          </a:xfrm>
-          <a:prstGeom prst="rect">
-            <a:avLst/>
-          </a:prstGeom>
-          <a:noFill/>
-          <a:ln>
-            <a:noFill/>
-          </a:ln>
-        </p:spPr>
-        <p:style>
-          <a:lnRef idx="1">
-            <a:schemeClr val="accent1"/>
-          </a:lnRef>
-          <a:fillRef idx="3">
-            <a:schemeClr val="accent1"/>
-          </a:fillRef>
-          <a:effectRef idx="2">
-            <a:schemeClr val="accent1"/>
-          </a:effectRef>
-          <a:fontRef idx="minor">
-            <a:schemeClr val="lt1"/>
-          </a:fontRef>
-        </p:style>
-        <p:txBody>
-          <a:bodyPr lIns="36000" rIns="36000" rtlCol="0" anchor="ctr"/>
-          <a:lstStyle/>
-          <a:p>
-            <a:pPr algn="ctr"/>
-            <a:r>
-              <a:rPr lang="zh-CN" altLang="en-US" sz="1400" b="0" i="0" strike="sngStrike" dirty="0" smtClean="0">
-                <a:solidFill>
-                  <a:schemeClr val="tx1"/>
-                </a:solidFill>
-                <a:latin typeface="ＭＳ ゴシック"/>
-                <a:ea typeface="ＭＳ ゴシック"/>
-                <a:cs typeface="ＭＳ ゴシック"/>
-              </a:rPr>
-              <a:t>☐</a:t>
-            </a:r>
-            <a:r>
-              <a:rPr kumimoji="1" lang="zh-CN" altLang="en-US" sz="1400" strike="sngStrike" dirty="0" smtClean="0">
-                <a:solidFill>
-                  <a:srgbClr val="008000"/>
-                </a:solidFill>
-              </a:rPr>
-              <a:t>周四</a:t>
-            </a:r>
-            <a:endParaRPr kumimoji="1" lang="zh-CN" altLang="en-US" sz="1400" strike="sngStrike" dirty="0">
-              <a:solidFill>
-                <a:srgbClr val="008000"/>
-              </a:solidFill>
-            </a:endParaRPr>
-          </a:p>
-        </p:txBody>
-      </p:sp>
-      <p:sp>
-        <p:nvSpPr>
-          <p:cNvPr id="19" name="矩形 18"/>
-          <p:cNvSpPr/>
-          <p:nvPr/>
-        </p:nvSpPr>
-        <p:spPr>
-          <a:xfrm>
-            <a:off x="5240676" y="3599961"/>
-            <a:ext cx="624105" cy="408127"/>
-          </a:xfrm>
-          <a:prstGeom prst="rect">
-            <a:avLst/>
-          </a:prstGeom>
-          <a:noFill/>
-          <a:ln>
-            <a:noFill/>
-          </a:ln>
-        </p:spPr>
-        <p:style>
-          <a:lnRef idx="1">
-            <a:schemeClr val="accent1"/>
-          </a:lnRef>
-          <a:fillRef idx="3">
-            <a:schemeClr val="accent1"/>
-          </a:fillRef>
-          <a:effectRef idx="2">
-            <a:schemeClr val="accent1"/>
-          </a:effectRef>
-          <a:fontRef idx="minor">
-            <a:schemeClr val="lt1"/>
-          </a:fontRef>
-        </p:style>
-        <p:txBody>
-          <a:bodyPr lIns="36000" rIns="36000" rtlCol="0" anchor="ctr"/>
-          <a:lstStyle/>
-          <a:p>
-            <a:pPr algn="ctr"/>
-            <a:r>
-              <a:rPr lang="zh-CN" altLang="en-US" sz="1400" b="0" i="0" strike="sngStrike" dirty="0" smtClean="0">
-                <a:solidFill>
-                  <a:schemeClr val="tx1"/>
-                </a:solidFill>
-                <a:latin typeface="ＭＳ ゴシック"/>
-                <a:ea typeface="ＭＳ ゴシック"/>
-                <a:cs typeface="ＭＳ ゴシック"/>
-              </a:rPr>
-              <a:t>☐</a:t>
-            </a:r>
-            <a:r>
-              <a:rPr kumimoji="1" lang="zh-CN" altLang="en-US" sz="1400" strike="sngStrike" dirty="0" smtClean="0">
-                <a:solidFill>
-                  <a:srgbClr val="008000"/>
-                </a:solidFill>
-              </a:rPr>
-              <a:t>周五</a:t>
-            </a:r>
-            <a:endParaRPr kumimoji="1" lang="zh-CN" altLang="en-US" sz="1400" strike="sngStrike" dirty="0">
-              <a:solidFill>
-                <a:srgbClr val="008000"/>
-              </a:solidFill>
-            </a:endParaRPr>
-          </a:p>
-        </p:txBody>
-      </p:sp>
-      <p:sp>
-        <p:nvSpPr>
-          <p:cNvPr id="21" name="椭圆形标注 20"/>
-          <p:cNvSpPr/>
-          <p:nvPr/>
-        </p:nvSpPr>
-        <p:spPr>
-          <a:xfrm>
-            <a:off x="6438833" y="2705786"/>
-            <a:ext cx="1316845" cy="612648"/>
-          </a:xfrm>
-          <a:prstGeom prst="wedgeEllipseCallout">
-            <a:avLst>
-              <a:gd name="adj1" fmla="val -114205"/>
-              <a:gd name="adj2" fmla="val -14681"/>
-            </a:avLst>
-          </a:prstGeom>
-        </p:spPr>
-        <p:style>
-          <a:lnRef idx="1">
-            <a:schemeClr val="accent1"/>
-          </a:lnRef>
-          <a:fillRef idx="3">
-            <a:schemeClr val="accent1"/>
-          </a:fillRef>
-          <a:effectRef idx="2">
-            <a:schemeClr val="accent1"/>
-          </a:effectRef>
-          <a:fontRef idx="minor">
-            <a:schemeClr val="lt1"/>
-          </a:fontRef>
-        </p:style>
-        <p:txBody>
-          <a:bodyPr rtlCol="0" anchor="ctr"/>
-          <a:lstStyle/>
-          <a:p>
-            <a:pPr algn="ctr"/>
-            <a:r>
-              <a:rPr kumimoji="1" lang="zh-CN" altLang="en-US" dirty="0" smtClean="0"/>
-              <a:t>不可编辑</a:t>
-            </a:r>
-            <a:endParaRPr kumimoji="1" lang="zh-CN" altLang="en-US" dirty="0"/>
-          </a:p>
-        </p:txBody>
-      </p:sp>
-      <p:sp>
-        <p:nvSpPr>
-          <p:cNvPr id="22" name="矩形 21"/>
-          <p:cNvSpPr/>
-          <p:nvPr/>
-        </p:nvSpPr>
-        <p:spPr>
-          <a:xfrm>
-            <a:off x="3423357" y="4232413"/>
-            <a:ext cx="758729" cy="408127"/>
-          </a:xfrm>
-          <a:prstGeom prst="rect">
-            <a:avLst/>
-          </a:prstGeom>
-          <a:noFill/>
-          <a:ln>
-            <a:noFill/>
-          </a:ln>
-        </p:spPr>
-        <p:style>
-          <a:lnRef idx="1">
-            <a:schemeClr val="accent1"/>
-          </a:lnRef>
-          <a:fillRef idx="3">
-            <a:schemeClr val="accent1"/>
-          </a:fillRef>
-          <a:effectRef idx="2">
-            <a:schemeClr val="accent1"/>
-          </a:effectRef>
-          <a:fontRef idx="minor">
-            <a:schemeClr val="lt1"/>
-          </a:fontRef>
-        </p:style>
-        <p:txBody>
-          <a:bodyPr lIns="36000" rIns="36000" rtlCol="0" anchor="ctr"/>
-          <a:lstStyle/>
-          <a:p>
-            <a:pPr algn="ctr"/>
-            <a:r>
-              <a:rPr kumimoji="1" lang="zh-CN" altLang="en-US" dirty="0" smtClean="0">
-                <a:solidFill>
-                  <a:schemeClr val="tx1"/>
-                </a:solidFill>
-              </a:rPr>
-              <a:t>启用</a:t>
-            </a:r>
-            <a:endParaRPr kumimoji="1" lang="zh-CN" altLang="en-US" dirty="0">
-              <a:solidFill>
-                <a:schemeClr val="tx1"/>
-              </a:solidFill>
-            </a:endParaRPr>
-          </a:p>
-        </p:txBody>
-      </p:sp>
-      <p:sp>
-        <p:nvSpPr>
-          <p:cNvPr id="23" name="矩形 22"/>
-          <p:cNvSpPr/>
-          <p:nvPr/>
-        </p:nvSpPr>
-        <p:spPr>
-          <a:xfrm>
-            <a:off x="4697253" y="4209183"/>
-            <a:ext cx="758729" cy="408127"/>
-          </a:xfrm>
-          <a:prstGeom prst="rect">
-            <a:avLst/>
-          </a:prstGeom>
-          <a:noFill/>
-          <a:ln>
-            <a:noFill/>
-          </a:ln>
-        </p:spPr>
-        <p:style>
-          <a:lnRef idx="1">
-            <a:schemeClr val="accent1"/>
-          </a:lnRef>
-          <a:fillRef idx="3">
-            <a:schemeClr val="accent1"/>
-          </a:fillRef>
-          <a:effectRef idx="2">
-            <a:schemeClr val="accent1"/>
-          </a:effectRef>
-          <a:fontRef idx="minor">
-            <a:schemeClr val="lt1"/>
-          </a:fontRef>
-        </p:style>
-        <p:txBody>
-          <a:bodyPr lIns="36000" rIns="36000" rtlCol="0" anchor="ctr"/>
-          <a:lstStyle/>
-          <a:p>
-            <a:pPr algn="ctr"/>
-            <a:r>
-              <a:rPr kumimoji="1" lang="zh-CN" altLang="en-US" dirty="0" smtClean="0">
-                <a:solidFill>
-                  <a:srgbClr val="000000"/>
-                </a:solidFill>
-              </a:rPr>
-              <a:t>停用</a:t>
-            </a:r>
-            <a:endParaRPr kumimoji="1" lang="zh-CN" altLang="en-US" dirty="0">
-              <a:solidFill>
-                <a:srgbClr val="000000"/>
-              </a:solidFill>
-            </a:endParaRPr>
-          </a:p>
-        </p:txBody>
-      </p:sp>
-      <p:sp>
-        <p:nvSpPr>
-          <p:cNvPr id="24" name="矩形 23"/>
-          <p:cNvSpPr/>
-          <p:nvPr/>
-        </p:nvSpPr>
-        <p:spPr>
-          <a:xfrm>
-            <a:off x="4310806" y="4261310"/>
-            <a:ext cx="390364" cy="369332"/>
-          </a:xfrm>
-          <a:prstGeom prst="rect">
-            <a:avLst/>
-          </a:prstGeom>
-        </p:spPr>
-        <p:txBody>
-          <a:bodyPr wrap="none">
-            <a:spAutoFit/>
-          </a:bodyPr>
-          <a:lstStyle/>
-          <a:p>
-            <a:r>
-              <a:rPr lang="zh-CN" altLang="en-US" b="0" i="0" dirty="0" smtClean="0">
-                <a:latin typeface="Wingdings"/>
-                <a:ea typeface="Wingdings"/>
-                <a:cs typeface="Wingdings"/>
-              </a:rPr>
-              <a:t></a:t>
-            </a:r>
-            <a:endParaRPr lang="zh-CN" altLang="en-US" dirty="0"/>
-          </a:p>
-        </p:txBody>
-      </p:sp>
-      <p:sp>
-        <p:nvSpPr>
-          <p:cNvPr id="25" name="矩形 24"/>
-          <p:cNvSpPr/>
-          <p:nvPr/>
-        </p:nvSpPr>
-        <p:spPr>
-          <a:xfrm>
-            <a:off x="2987694" y="4257014"/>
-            <a:ext cx="390364" cy="369332"/>
-          </a:xfrm>
-          <a:prstGeom prst="rect">
-            <a:avLst/>
-          </a:prstGeom>
-        </p:spPr>
-        <p:txBody>
-          <a:bodyPr wrap="none">
-            <a:spAutoFit/>
-          </a:bodyPr>
-          <a:lstStyle/>
-          <a:p>
-            <a:r>
-              <a:rPr lang="zh-CN" altLang="en-US" b="0" i="0" dirty="0" smtClean="0">
-                <a:latin typeface="Wingdings"/>
-                <a:ea typeface="Wingdings"/>
-                <a:cs typeface="Wingdings"/>
-              </a:rPr>
-              <a:t></a:t>
-            </a:r>
-            <a:endParaRPr lang="zh-CN" altLang="en-US" dirty="0"/>
           </a:p>
         </p:txBody>
       </p:sp>
     </p:spTree>
     <p:extLst>
       <p:ext uri="{BB962C8B-B14F-4D97-AF65-F5344CB8AC3E}">
-        <p14:creationId xmlns:p14="http://schemas.microsoft.com/office/powerpoint/2010/main" val="4128685436"/>
+        <p14:creationId xmlns:p14="http://schemas.microsoft.com/office/powerpoint/2010/main" val="2407334755"/>
       </p:ext>
     </p:extLst>
   </p:cSld>
@@ -10239,7 +11172,7 @@
   <p:timing>
     <p:tnLst>
       <p:par>
-        <p:cTn id="1" dur="indefinite" restart="never" nodeType="tmRoot"/>
+        <p:cTn xmlns:p14="http://schemas.microsoft.com/office/powerpoint/2010/main" id="1" dur="indefinite" restart="never" nodeType="tmRoot"/>
       </p:par>
     </p:tnLst>
   </p:timing>
@@ -10280,7 +11213,7 @@
           <a:p>
             <a:r>
               <a:rPr kumimoji="1" lang="zh-CN" altLang="en-US" dirty="0" smtClean="0"/>
-              <a:t>登录</a:t>
+              <a:t>管理单个项目</a:t>
             </a:r>
             <a:endParaRPr kumimoji="1" lang="zh-CN" altLang="en-US" dirty="0"/>
           </a:p>
@@ -10294,159 +11227,8 @@
         </p:nvSpPr>
         <p:spPr>
           <a:xfrm>
-            <a:off x="3611783" y="2010620"/>
-            <a:ext cx="2184709" cy="408127"/>
-          </a:xfrm>
-          <a:prstGeom prst="rect">
-            <a:avLst/>
-          </a:prstGeom>
-          <a:noFill/>
-        </p:spPr>
-        <p:style>
-          <a:lnRef idx="1">
-            <a:schemeClr val="accent1"/>
-          </a:lnRef>
-          <a:fillRef idx="3">
-            <a:schemeClr val="accent1"/>
-          </a:fillRef>
-          <a:effectRef idx="2">
-            <a:schemeClr val="accent1"/>
-          </a:effectRef>
-          <a:fontRef idx="minor">
-            <a:schemeClr val="lt1"/>
-          </a:fontRef>
-        </p:style>
-        <p:txBody>
-          <a:bodyPr lIns="36000" rIns="36000" rtlCol="0" anchor="ctr"/>
-          <a:lstStyle/>
-          <a:p>
-            <a:r>
-              <a:rPr kumimoji="1" lang="zh-CN" altLang="en-US" sz="1600" dirty="0" smtClean="0">
-                <a:solidFill>
-                  <a:srgbClr val="7F7F7F"/>
-                </a:solidFill>
-              </a:rPr>
-              <a:t>用户名或手机号或邮箱</a:t>
-            </a:r>
-            <a:endParaRPr kumimoji="1" lang="zh-CN" altLang="en-US" sz="1600" dirty="0">
-              <a:solidFill>
-                <a:srgbClr val="7F7F7F"/>
-              </a:solidFill>
-            </a:endParaRPr>
-          </a:p>
-        </p:txBody>
-      </p:sp>
-      <p:sp>
-        <p:nvSpPr>
-          <p:cNvPr id="6" name="矩形 5"/>
-          <p:cNvSpPr/>
-          <p:nvPr/>
-        </p:nvSpPr>
-        <p:spPr>
-          <a:xfrm>
-            <a:off x="3611783" y="2892558"/>
-            <a:ext cx="2184709" cy="408127"/>
-          </a:xfrm>
-          <a:prstGeom prst="rect">
-            <a:avLst/>
-          </a:prstGeom>
-          <a:noFill/>
-        </p:spPr>
-        <p:style>
-          <a:lnRef idx="1">
-            <a:schemeClr val="accent1"/>
-          </a:lnRef>
-          <a:fillRef idx="3">
-            <a:schemeClr val="accent1"/>
-          </a:fillRef>
-          <a:effectRef idx="2">
-            <a:schemeClr val="accent1"/>
-          </a:effectRef>
-          <a:fontRef idx="minor">
-            <a:schemeClr val="lt1"/>
-          </a:fontRef>
-        </p:style>
-        <p:txBody>
-          <a:bodyPr lIns="36000" rIns="36000" rtlCol="0" anchor="ctr"/>
-          <a:lstStyle/>
-          <a:p>
-            <a:r>
-              <a:rPr kumimoji="1" lang="zh-CN" altLang="en-US" sz="1600" dirty="0" smtClean="0">
-                <a:solidFill>
-                  <a:srgbClr val="7F7F7F"/>
-                </a:solidFill>
-              </a:rPr>
-              <a:t>密码</a:t>
-            </a:r>
-            <a:endParaRPr kumimoji="1" lang="zh-CN" altLang="en-US" sz="1600" dirty="0">
-              <a:solidFill>
-                <a:srgbClr val="7F7F7F"/>
-              </a:solidFill>
-            </a:endParaRPr>
-          </a:p>
-        </p:txBody>
-      </p:sp>
-      <p:sp>
-        <p:nvSpPr>
-          <p:cNvPr id="7" name="矩形 6"/>
-          <p:cNvSpPr/>
-          <p:nvPr/>
-        </p:nvSpPr>
-        <p:spPr>
-          <a:xfrm>
-            <a:off x="3700696" y="3682906"/>
-            <a:ext cx="630871" cy="408127"/>
-          </a:xfrm>
-          <a:prstGeom prst="rect">
-            <a:avLst/>
-          </a:prstGeom>
-          <a:noFill/>
-        </p:spPr>
-        <p:style>
-          <a:lnRef idx="1">
-            <a:schemeClr val="accent1"/>
-          </a:lnRef>
-          <a:fillRef idx="3">
-            <a:schemeClr val="accent1"/>
-          </a:fillRef>
-          <a:effectRef idx="2">
-            <a:schemeClr val="accent1"/>
-          </a:effectRef>
-          <a:fontRef idx="minor">
-            <a:schemeClr val="lt1"/>
-          </a:fontRef>
-        </p:style>
-        <p:txBody>
-          <a:bodyPr lIns="36000" rIns="36000" rtlCol="0" anchor="ctr"/>
-          <a:lstStyle/>
-          <a:p>
-            <a:pPr algn="ctr"/>
-            <a:r>
-              <a:rPr kumimoji="1" lang="zh-CN" altLang="en-US" dirty="0" smtClean="0">
-                <a:solidFill>
-                  <a:srgbClr val="008000"/>
-                </a:solidFill>
-              </a:rPr>
-              <a:t>登录</a:t>
-            </a:r>
-            <a:endParaRPr kumimoji="1" lang="zh-CN" altLang="en-US" dirty="0">
-              <a:solidFill>
-                <a:srgbClr val="008000"/>
-              </a:solidFill>
-            </a:endParaRPr>
-          </a:p>
-        </p:txBody>
-      </p:sp>
-      <p:sp>
-        <p:nvSpPr>
-          <p:cNvPr id="8" name="矩形 7"/>
-          <p:cNvSpPr/>
-          <p:nvPr/>
-        </p:nvSpPr>
-        <p:spPr>
-          <a:xfrm>
-            <a:off x="4613253" y="3714169"/>
-            <a:ext cx="1371692" cy="408127"/>
+            <a:off x="2953763" y="1995686"/>
+            <a:ext cx="525973" cy="408127"/>
           </a:xfrm>
           <a:prstGeom prst="rect">
             <a:avLst/>
@@ -10476,22 +11258,319 @@
           <a:p>
             <a:pPr algn="ctr"/>
             <a:r>
-              <a:rPr kumimoji="1" lang="zh-CN" altLang="en-US" sz="1400" dirty="0" smtClean="0">
+              <a:rPr kumimoji="1" lang="zh-CN" altLang="en-US" dirty="0" smtClean="0">
                 <a:solidFill>
                   <a:srgbClr val="008000"/>
                 </a:solidFill>
               </a:rPr>
-              <a:t>没有账号？</a:t>
-            </a:r>
-            <a:r>
-              <a:rPr kumimoji="1" lang="zh-CN" altLang="en-US" sz="1400" u="sng" dirty="0" smtClean="0">
+              <a:t>名字</a:t>
+            </a:r>
+            <a:endParaRPr kumimoji="1" lang="zh-CN" altLang="en-US" dirty="0">
+              <a:solidFill>
+                <a:srgbClr val="008000"/>
+              </a:solidFill>
+            </a:endParaRPr>
+          </a:p>
+        </p:txBody>
+      </p:sp>
+      <p:sp>
+        <p:nvSpPr>
+          <p:cNvPr id="5" name="矩形 4"/>
+          <p:cNvSpPr/>
+          <p:nvPr/>
+        </p:nvSpPr>
+        <p:spPr>
+          <a:xfrm>
+            <a:off x="3611783" y="2010620"/>
+            <a:ext cx="1955587" cy="408127"/>
+          </a:xfrm>
+          <a:prstGeom prst="rect">
+            <a:avLst/>
+          </a:prstGeom>
+          <a:noFill/>
+        </p:spPr>
+        <p:style>
+          <a:lnRef idx="1">
+            <a:schemeClr val="accent1"/>
+          </a:lnRef>
+          <a:fillRef idx="3">
+            <a:schemeClr val="accent1"/>
+          </a:fillRef>
+          <a:effectRef idx="2">
+            <a:schemeClr val="accent1"/>
+          </a:effectRef>
+          <a:fontRef idx="minor">
+            <a:schemeClr val="lt1"/>
+          </a:fontRef>
+        </p:style>
+        <p:txBody>
+          <a:bodyPr lIns="36000" rIns="36000" rtlCol="0" anchor="ctr"/>
+          <a:lstStyle/>
+          <a:p>
+            <a:r>
+              <a:rPr kumimoji="1" lang="zh-CN" altLang="en-US" dirty="0" smtClean="0">
+                <a:solidFill>
+                  <a:schemeClr val="tx1"/>
+                </a:solidFill>
+              </a:rPr>
+              <a:t>每天</a:t>
+            </a:r>
+            <a:r>
+              <a:rPr kumimoji="1" lang="en-US" altLang="zh-CN" dirty="0" smtClean="0">
+                <a:solidFill>
+                  <a:schemeClr val="tx1"/>
+                </a:solidFill>
+              </a:rPr>
+              <a:t>100</a:t>
+            </a:r>
+            <a:r>
+              <a:rPr kumimoji="1" lang="zh-CN" altLang="en-US" dirty="0" smtClean="0">
+                <a:solidFill>
+                  <a:schemeClr val="tx1"/>
+                </a:solidFill>
+              </a:rPr>
+              <a:t>行代码</a:t>
+            </a:r>
+            <a:endParaRPr kumimoji="1" lang="zh-CN" altLang="en-US" dirty="0">
+              <a:solidFill>
+                <a:schemeClr val="tx1"/>
+              </a:solidFill>
+            </a:endParaRPr>
+          </a:p>
+        </p:txBody>
+      </p:sp>
+      <p:sp>
+        <p:nvSpPr>
+          <p:cNvPr id="6" name="矩形 5"/>
+          <p:cNvSpPr/>
+          <p:nvPr/>
+        </p:nvSpPr>
+        <p:spPr>
+          <a:xfrm>
+            <a:off x="3525035" y="2729016"/>
+            <a:ext cx="758729" cy="408127"/>
+          </a:xfrm>
+          <a:prstGeom prst="rect">
+            <a:avLst/>
+          </a:prstGeom>
+          <a:noFill/>
+          <a:ln>
+            <a:noFill/>
+          </a:ln>
+        </p:spPr>
+        <p:style>
+          <a:lnRef idx="1">
+            <a:schemeClr val="accent1"/>
+          </a:lnRef>
+          <a:fillRef idx="3">
+            <a:schemeClr val="accent1"/>
+          </a:fillRef>
+          <a:effectRef idx="2">
+            <a:schemeClr val="accent1"/>
+          </a:effectRef>
+          <a:fontRef idx="minor">
+            <a:schemeClr val="lt1"/>
+          </a:fontRef>
+        </p:style>
+        <p:txBody>
+          <a:bodyPr lIns="36000" rIns="36000" rtlCol="0" anchor="ctr"/>
+          <a:lstStyle/>
+          <a:p>
+            <a:pPr algn="ctr"/>
+            <a:r>
+              <a:rPr kumimoji="1" lang="zh-CN" altLang="en-US" dirty="0" smtClean="0">
+                <a:solidFill>
+                  <a:srgbClr val="FF0000"/>
+                </a:solidFill>
+              </a:rPr>
+              <a:t>好习惯</a:t>
+            </a:r>
+            <a:endParaRPr kumimoji="1" lang="zh-CN" altLang="en-US" dirty="0">
+              <a:solidFill>
+                <a:srgbClr val="FF0000"/>
+              </a:solidFill>
+            </a:endParaRPr>
+          </a:p>
+        </p:txBody>
+      </p:sp>
+      <p:sp>
+        <p:nvSpPr>
+          <p:cNvPr id="7" name="矩形 6"/>
+          <p:cNvSpPr/>
+          <p:nvPr/>
+        </p:nvSpPr>
+        <p:spPr>
+          <a:xfrm>
+            <a:off x="4798931" y="2705786"/>
+            <a:ext cx="758729" cy="408127"/>
+          </a:xfrm>
+          <a:prstGeom prst="rect">
+            <a:avLst/>
+          </a:prstGeom>
+          <a:noFill/>
+          <a:ln>
+            <a:noFill/>
+          </a:ln>
+        </p:spPr>
+        <p:style>
+          <a:lnRef idx="1">
+            <a:schemeClr val="accent1"/>
+          </a:lnRef>
+          <a:fillRef idx="3">
+            <a:schemeClr val="accent1"/>
+          </a:fillRef>
+          <a:effectRef idx="2">
+            <a:schemeClr val="accent1"/>
+          </a:effectRef>
+          <a:fontRef idx="minor">
+            <a:schemeClr val="lt1"/>
+          </a:fontRef>
+        </p:style>
+        <p:txBody>
+          <a:bodyPr lIns="36000" rIns="36000" rtlCol="0" anchor="ctr"/>
+          <a:lstStyle/>
+          <a:p>
+            <a:pPr algn="ctr"/>
+            <a:r>
+              <a:rPr kumimoji="1" lang="zh-CN" altLang="en-US" dirty="0" smtClean="0">
+                <a:solidFill>
+                  <a:srgbClr val="000090"/>
+                </a:solidFill>
+              </a:rPr>
+              <a:t>坏习惯</a:t>
+            </a:r>
+            <a:endParaRPr kumimoji="1" lang="zh-CN" altLang="en-US" dirty="0">
+              <a:solidFill>
+                <a:srgbClr val="000090"/>
+              </a:solidFill>
+            </a:endParaRPr>
+          </a:p>
+        </p:txBody>
+      </p:sp>
+      <p:sp>
+        <p:nvSpPr>
+          <p:cNvPr id="8" name="矩形 7"/>
+          <p:cNvSpPr/>
+          <p:nvPr/>
+        </p:nvSpPr>
+        <p:spPr>
+          <a:xfrm>
+            <a:off x="4412484" y="2757913"/>
+            <a:ext cx="390364" cy="369332"/>
+          </a:xfrm>
+          <a:prstGeom prst="rect">
+            <a:avLst/>
+          </a:prstGeom>
+        </p:spPr>
+        <p:txBody>
+          <a:bodyPr wrap="none">
+            <a:spAutoFit/>
+          </a:bodyPr>
+          <a:lstStyle/>
+          <a:p>
+            <a:r>
+              <a:rPr lang="zh-CN" altLang="en-US" b="0" i="0" dirty="0" smtClean="0">
+                <a:solidFill>
+                  <a:srgbClr val="7F7F7F"/>
+                </a:solidFill>
+                <a:latin typeface="Wingdings"/>
+                <a:ea typeface="Wingdings"/>
+                <a:cs typeface="Wingdings"/>
+              </a:rPr>
+              <a:t></a:t>
+            </a:r>
+            <a:endParaRPr lang="zh-CN" altLang="en-US" dirty="0">
+              <a:solidFill>
+                <a:srgbClr val="7F7F7F"/>
+              </a:solidFill>
+            </a:endParaRPr>
+          </a:p>
+        </p:txBody>
+      </p:sp>
+      <p:sp>
+        <p:nvSpPr>
+          <p:cNvPr id="9" name="矩形 8"/>
+          <p:cNvSpPr/>
+          <p:nvPr/>
+        </p:nvSpPr>
+        <p:spPr>
+          <a:xfrm>
+            <a:off x="3089372" y="2753617"/>
+            <a:ext cx="390364" cy="369332"/>
+          </a:xfrm>
+          <a:prstGeom prst="rect">
+            <a:avLst/>
+          </a:prstGeom>
+        </p:spPr>
+        <p:txBody>
+          <a:bodyPr wrap="none">
+            <a:spAutoFit/>
+          </a:bodyPr>
+          <a:lstStyle/>
+          <a:p>
+            <a:r>
+              <a:rPr lang="zh-CN" altLang="en-US" b="0" i="0" dirty="0" smtClean="0">
+                <a:solidFill>
+                  <a:srgbClr val="7F7F7F"/>
+                </a:solidFill>
+                <a:latin typeface="Wingdings"/>
+                <a:ea typeface="Wingdings"/>
+                <a:cs typeface="Wingdings"/>
+              </a:rPr>
+              <a:t></a:t>
+            </a:r>
+            <a:endParaRPr lang="zh-CN" altLang="en-US" dirty="0">
+              <a:solidFill>
+                <a:srgbClr val="7F7F7F"/>
+              </a:solidFill>
+            </a:endParaRPr>
+          </a:p>
+        </p:txBody>
+      </p:sp>
+      <p:sp>
+        <p:nvSpPr>
+          <p:cNvPr id="10" name="矩形 9"/>
+          <p:cNvSpPr/>
+          <p:nvPr/>
+        </p:nvSpPr>
+        <p:spPr>
+          <a:xfrm>
+            <a:off x="3129077" y="6009563"/>
+            <a:ext cx="661666" cy="408127"/>
+          </a:xfrm>
+          <a:prstGeom prst="rect">
+            <a:avLst/>
+          </a:prstGeom>
+          <a:noFill/>
+        </p:spPr>
+        <p:style>
+          <a:lnRef idx="1">
+            <a:schemeClr val="accent1"/>
+          </a:lnRef>
+          <a:fillRef idx="3">
+            <a:schemeClr val="accent1"/>
+          </a:fillRef>
+          <a:effectRef idx="2">
+            <a:schemeClr val="accent1"/>
+          </a:effectRef>
+          <a:fontRef idx="minor">
+            <a:schemeClr val="lt1"/>
+          </a:fontRef>
+        </p:style>
+        <p:txBody>
+          <a:bodyPr lIns="36000" rIns="36000" rtlCol="0" anchor="ctr"/>
+          <a:lstStyle/>
+          <a:p>
+            <a:pPr algn="ctr"/>
+            <a:r>
+              <a:rPr kumimoji="1" lang="zh-CN" altLang="en-US" dirty="0" smtClean="0">
                 <a:solidFill>
                   <a:srgbClr val="008000"/>
                 </a:solidFill>
               </a:rPr>
-              <a:t>注册</a:t>
-            </a:r>
-            <a:endParaRPr kumimoji="1" lang="zh-CN" altLang="en-US" sz="1400" u="sng" dirty="0">
+              <a:t>取消</a:t>
+            </a:r>
+            <a:endParaRPr kumimoji="1" lang="zh-CN" altLang="en-US" dirty="0">
               <a:solidFill>
                 <a:srgbClr val="008000"/>
               </a:solidFill>
@@ -10499,10 +11578,789 @@
           </a:p>
         </p:txBody>
       </p:sp>
+      <p:sp>
+        <p:nvSpPr>
+          <p:cNvPr id="11" name="矩形 10"/>
+          <p:cNvSpPr/>
+          <p:nvPr/>
+        </p:nvSpPr>
+        <p:spPr>
+          <a:xfrm>
+            <a:off x="4906963" y="6011429"/>
+            <a:ext cx="630871" cy="408127"/>
+          </a:xfrm>
+          <a:prstGeom prst="rect">
+            <a:avLst/>
+          </a:prstGeom>
+          <a:noFill/>
+        </p:spPr>
+        <p:style>
+          <a:lnRef idx="1">
+            <a:schemeClr val="accent1"/>
+          </a:lnRef>
+          <a:fillRef idx="3">
+            <a:schemeClr val="accent1"/>
+          </a:fillRef>
+          <a:effectRef idx="2">
+            <a:schemeClr val="accent1"/>
+          </a:effectRef>
+          <a:fontRef idx="minor">
+            <a:schemeClr val="lt1"/>
+          </a:fontRef>
+        </p:style>
+        <p:txBody>
+          <a:bodyPr lIns="36000" rIns="36000" rtlCol="0" anchor="ctr"/>
+          <a:lstStyle/>
+          <a:p>
+            <a:pPr algn="ctr"/>
+            <a:r>
+              <a:rPr kumimoji="1" lang="zh-CN" altLang="en-US" dirty="0" smtClean="0">
+                <a:solidFill>
+                  <a:srgbClr val="008000"/>
+                </a:solidFill>
+              </a:rPr>
+              <a:t>保存</a:t>
+            </a:r>
+            <a:endParaRPr kumimoji="1" lang="zh-CN" altLang="en-US" dirty="0">
+              <a:solidFill>
+                <a:srgbClr val="008000"/>
+              </a:solidFill>
+            </a:endParaRPr>
+          </a:p>
+        </p:txBody>
+      </p:sp>
+      <p:sp>
+        <p:nvSpPr>
+          <p:cNvPr id="12" name="矩形 11"/>
+          <p:cNvSpPr/>
+          <p:nvPr/>
+        </p:nvSpPr>
+        <p:spPr>
+          <a:xfrm>
+            <a:off x="2823406" y="3165576"/>
+            <a:ext cx="1176034" cy="408127"/>
+          </a:xfrm>
+          <a:prstGeom prst="rect">
+            <a:avLst/>
+          </a:prstGeom>
+          <a:noFill/>
+          <a:ln>
+            <a:noFill/>
+          </a:ln>
+        </p:spPr>
+        <p:style>
+          <a:lnRef idx="1">
+            <a:schemeClr val="accent1"/>
+          </a:lnRef>
+          <a:fillRef idx="3">
+            <a:schemeClr val="accent1"/>
+          </a:fillRef>
+          <a:effectRef idx="2">
+            <a:schemeClr val="accent1"/>
+          </a:effectRef>
+          <a:fontRef idx="minor">
+            <a:schemeClr val="lt1"/>
+          </a:fontRef>
+        </p:style>
+        <p:txBody>
+          <a:bodyPr lIns="36000" rIns="36000" rtlCol="0" anchor="ctr"/>
+          <a:lstStyle/>
+          <a:p>
+            <a:pPr algn="ctr"/>
+            <a:r>
+              <a:rPr kumimoji="1" lang="zh-CN" altLang="en-US" strike="sngStrike" dirty="0" smtClean="0">
+                <a:solidFill>
+                  <a:srgbClr val="008000"/>
+                </a:solidFill>
+              </a:rPr>
+              <a:t>休息时间</a:t>
+            </a:r>
+            <a:endParaRPr kumimoji="1" lang="zh-CN" altLang="en-US" strike="sngStrike" dirty="0">
+              <a:solidFill>
+                <a:srgbClr val="008000"/>
+              </a:solidFill>
+            </a:endParaRPr>
+          </a:p>
+        </p:txBody>
+      </p:sp>
+      <p:sp>
+        <p:nvSpPr>
+          <p:cNvPr id="13" name="矩形 12"/>
+          <p:cNvSpPr/>
+          <p:nvPr/>
+        </p:nvSpPr>
+        <p:spPr>
+          <a:xfrm>
+            <a:off x="2978234" y="3612165"/>
+            <a:ext cx="624105" cy="408127"/>
+          </a:xfrm>
+          <a:prstGeom prst="rect">
+            <a:avLst/>
+          </a:prstGeom>
+          <a:noFill/>
+          <a:ln>
+            <a:noFill/>
+          </a:ln>
+        </p:spPr>
+        <p:style>
+          <a:lnRef idx="1">
+            <a:schemeClr val="accent1"/>
+          </a:lnRef>
+          <a:fillRef idx="3">
+            <a:schemeClr val="accent1"/>
+          </a:fillRef>
+          <a:effectRef idx="2">
+            <a:schemeClr val="accent1"/>
+          </a:effectRef>
+          <a:fontRef idx="minor">
+            <a:schemeClr val="lt1"/>
+          </a:fontRef>
+        </p:style>
+        <p:txBody>
+          <a:bodyPr lIns="36000" rIns="36000" rtlCol="0" anchor="ctr"/>
+          <a:lstStyle/>
+          <a:p>
+            <a:pPr algn="ctr"/>
+            <a:r>
+              <a:rPr lang="zh-CN" altLang="en-US" sz="1400" b="0" i="0" strike="sngStrike" dirty="0" smtClean="0">
+                <a:solidFill>
+                  <a:schemeClr val="tx1"/>
+                </a:solidFill>
+                <a:latin typeface="ＭＳ ゴシック"/>
+                <a:ea typeface="ＭＳ ゴシック"/>
+                <a:cs typeface="ＭＳ ゴシック"/>
+              </a:rPr>
+              <a:t>☐</a:t>
+            </a:r>
+            <a:r>
+              <a:rPr kumimoji="1" lang="zh-CN" altLang="en-US" sz="1400" strike="sngStrike" dirty="0" smtClean="0">
+                <a:solidFill>
+                  <a:srgbClr val="008000"/>
+                </a:solidFill>
+              </a:rPr>
+              <a:t>周一</a:t>
+            </a:r>
+            <a:endParaRPr kumimoji="1" lang="zh-CN" altLang="en-US" sz="1400" strike="sngStrike" dirty="0">
+              <a:solidFill>
+                <a:srgbClr val="008000"/>
+              </a:solidFill>
+            </a:endParaRPr>
+          </a:p>
+        </p:txBody>
+      </p:sp>
+      <p:sp>
+        <p:nvSpPr>
+          <p:cNvPr id="14" name="矩形 13"/>
+          <p:cNvSpPr/>
+          <p:nvPr/>
+        </p:nvSpPr>
+        <p:spPr>
+          <a:xfrm>
+            <a:off x="5814729" y="3612165"/>
+            <a:ext cx="624105" cy="408127"/>
+          </a:xfrm>
+          <a:prstGeom prst="rect">
+            <a:avLst/>
+          </a:prstGeom>
+          <a:noFill/>
+          <a:ln>
+            <a:noFill/>
+          </a:ln>
+        </p:spPr>
+        <p:style>
+          <a:lnRef idx="1">
+            <a:schemeClr val="accent1"/>
+          </a:lnRef>
+          <a:fillRef idx="3">
+            <a:schemeClr val="accent1"/>
+          </a:fillRef>
+          <a:effectRef idx="2">
+            <a:schemeClr val="accent1"/>
+          </a:effectRef>
+          <a:fontRef idx="minor">
+            <a:schemeClr val="lt1"/>
+          </a:fontRef>
+        </p:style>
+        <p:txBody>
+          <a:bodyPr lIns="36000" rIns="36000" rtlCol="0" anchor="ctr"/>
+          <a:lstStyle/>
+          <a:p>
+            <a:pPr algn="ctr"/>
+            <a:r>
+              <a:rPr lang="zh-CN" altLang="en-US" sz="1400" b="0" i="0" strike="sngStrike" dirty="0" smtClean="0">
+                <a:solidFill>
+                  <a:srgbClr val="000000"/>
+                </a:solidFill>
+                <a:latin typeface="Wingdings"/>
+                <a:ea typeface="Wingdings"/>
+                <a:cs typeface="Wingdings"/>
+              </a:rPr>
+              <a:t></a:t>
+            </a:r>
+            <a:r>
+              <a:rPr kumimoji="1" lang="zh-CN" altLang="en-US" sz="1400" strike="sngStrike" dirty="0" smtClean="0">
+                <a:solidFill>
+                  <a:srgbClr val="008000"/>
+                </a:solidFill>
+              </a:rPr>
+              <a:t>周六</a:t>
+            </a:r>
+            <a:endParaRPr kumimoji="1" lang="zh-CN" altLang="en-US" sz="1400" strike="sngStrike" dirty="0">
+              <a:solidFill>
+                <a:srgbClr val="008000"/>
+              </a:solidFill>
+            </a:endParaRPr>
+          </a:p>
+        </p:txBody>
+      </p:sp>
+      <p:sp>
+        <p:nvSpPr>
+          <p:cNvPr id="15" name="矩形 14"/>
+          <p:cNvSpPr/>
+          <p:nvPr/>
+        </p:nvSpPr>
+        <p:spPr>
+          <a:xfrm>
+            <a:off x="6354748" y="3612165"/>
+            <a:ext cx="624105" cy="408127"/>
+          </a:xfrm>
+          <a:prstGeom prst="rect">
+            <a:avLst/>
+          </a:prstGeom>
+          <a:noFill/>
+          <a:ln>
+            <a:noFill/>
+          </a:ln>
+        </p:spPr>
+        <p:style>
+          <a:lnRef idx="1">
+            <a:schemeClr val="accent1"/>
+          </a:lnRef>
+          <a:fillRef idx="3">
+            <a:schemeClr val="accent1"/>
+          </a:fillRef>
+          <a:effectRef idx="2">
+            <a:schemeClr val="accent1"/>
+          </a:effectRef>
+          <a:fontRef idx="minor">
+            <a:schemeClr val="lt1"/>
+          </a:fontRef>
+        </p:style>
+        <p:txBody>
+          <a:bodyPr lIns="36000" rIns="36000" rtlCol="0" anchor="ctr"/>
+          <a:lstStyle/>
+          <a:p>
+            <a:pPr algn="ctr"/>
+            <a:r>
+              <a:rPr lang="zh-CN" altLang="en-US" sz="1400" b="0" i="0" strike="sngStrike" dirty="0" smtClean="0">
+                <a:solidFill>
+                  <a:srgbClr val="000000"/>
+                </a:solidFill>
+                <a:latin typeface="Wingdings"/>
+                <a:ea typeface="Wingdings"/>
+                <a:cs typeface="Wingdings"/>
+              </a:rPr>
+              <a:t></a:t>
+            </a:r>
+            <a:r>
+              <a:rPr kumimoji="1" lang="zh-CN" altLang="en-US" sz="1400" strike="sngStrike" dirty="0" smtClean="0">
+                <a:solidFill>
+                  <a:srgbClr val="008000"/>
+                </a:solidFill>
+              </a:rPr>
+              <a:t>周日</a:t>
+            </a:r>
+            <a:endParaRPr kumimoji="1" lang="zh-CN" altLang="en-US" sz="1400" strike="sngStrike" dirty="0">
+              <a:solidFill>
+                <a:srgbClr val="008000"/>
+              </a:solidFill>
+            </a:endParaRPr>
+          </a:p>
+        </p:txBody>
+      </p:sp>
+      <p:sp>
+        <p:nvSpPr>
+          <p:cNvPr id="16" name="矩形 15"/>
+          <p:cNvSpPr/>
+          <p:nvPr/>
+        </p:nvSpPr>
+        <p:spPr>
+          <a:xfrm>
+            <a:off x="3518254" y="3612165"/>
+            <a:ext cx="624105" cy="408127"/>
+          </a:xfrm>
+          <a:prstGeom prst="rect">
+            <a:avLst/>
+          </a:prstGeom>
+          <a:noFill/>
+          <a:ln>
+            <a:noFill/>
+          </a:ln>
+        </p:spPr>
+        <p:style>
+          <a:lnRef idx="1">
+            <a:schemeClr val="accent1"/>
+          </a:lnRef>
+          <a:fillRef idx="3">
+            <a:schemeClr val="accent1"/>
+          </a:fillRef>
+          <a:effectRef idx="2">
+            <a:schemeClr val="accent1"/>
+          </a:effectRef>
+          <a:fontRef idx="minor">
+            <a:schemeClr val="lt1"/>
+          </a:fontRef>
+        </p:style>
+        <p:txBody>
+          <a:bodyPr lIns="36000" rIns="36000" rtlCol="0" anchor="ctr"/>
+          <a:lstStyle/>
+          <a:p>
+            <a:pPr algn="ctr"/>
+            <a:r>
+              <a:rPr lang="zh-CN" altLang="en-US" sz="1400" b="0" i="0" strike="sngStrike" dirty="0" smtClean="0">
+                <a:solidFill>
+                  <a:schemeClr val="tx1"/>
+                </a:solidFill>
+                <a:latin typeface="ＭＳ ゴシック"/>
+                <a:ea typeface="ＭＳ ゴシック"/>
+                <a:cs typeface="ＭＳ ゴシック"/>
+              </a:rPr>
+              <a:t>☐</a:t>
+            </a:r>
+            <a:r>
+              <a:rPr kumimoji="1" lang="zh-CN" altLang="en-US" sz="1400" strike="sngStrike" dirty="0" smtClean="0">
+                <a:solidFill>
+                  <a:srgbClr val="008000"/>
+                </a:solidFill>
+              </a:rPr>
+              <a:t>周二</a:t>
+            </a:r>
+            <a:endParaRPr kumimoji="1" lang="zh-CN" altLang="en-US" sz="1400" strike="sngStrike" dirty="0">
+              <a:solidFill>
+                <a:srgbClr val="008000"/>
+              </a:solidFill>
+            </a:endParaRPr>
+          </a:p>
+        </p:txBody>
+      </p:sp>
+      <p:sp>
+        <p:nvSpPr>
+          <p:cNvPr id="17" name="矩形 16"/>
+          <p:cNvSpPr/>
+          <p:nvPr/>
+        </p:nvSpPr>
+        <p:spPr>
+          <a:xfrm>
+            <a:off x="4058274" y="3612165"/>
+            <a:ext cx="624105" cy="408127"/>
+          </a:xfrm>
+          <a:prstGeom prst="rect">
+            <a:avLst/>
+          </a:prstGeom>
+          <a:noFill/>
+          <a:ln>
+            <a:noFill/>
+          </a:ln>
+        </p:spPr>
+        <p:style>
+          <a:lnRef idx="1">
+            <a:schemeClr val="accent1"/>
+          </a:lnRef>
+          <a:fillRef idx="3">
+            <a:schemeClr val="accent1"/>
+          </a:fillRef>
+          <a:effectRef idx="2">
+            <a:schemeClr val="accent1"/>
+          </a:effectRef>
+          <a:fontRef idx="minor">
+            <a:schemeClr val="lt1"/>
+          </a:fontRef>
+        </p:style>
+        <p:txBody>
+          <a:bodyPr lIns="36000" rIns="36000" rtlCol="0" anchor="ctr"/>
+          <a:lstStyle/>
+          <a:p>
+            <a:pPr algn="ctr"/>
+            <a:r>
+              <a:rPr lang="zh-CN" altLang="en-US" sz="1400" b="0" i="0" strike="sngStrike" dirty="0" smtClean="0">
+                <a:solidFill>
+                  <a:schemeClr val="tx1"/>
+                </a:solidFill>
+                <a:latin typeface="ＭＳ ゴシック"/>
+                <a:ea typeface="ＭＳ ゴシック"/>
+                <a:cs typeface="ＭＳ ゴシック"/>
+              </a:rPr>
+              <a:t>☐</a:t>
+            </a:r>
+            <a:r>
+              <a:rPr kumimoji="1" lang="zh-CN" altLang="en-US" sz="1400" strike="sngStrike" dirty="0" smtClean="0">
+                <a:solidFill>
+                  <a:srgbClr val="008000"/>
+                </a:solidFill>
+              </a:rPr>
+              <a:t>周三</a:t>
+            </a:r>
+            <a:endParaRPr kumimoji="1" lang="zh-CN" altLang="en-US" sz="1400" strike="sngStrike" dirty="0">
+              <a:solidFill>
+                <a:srgbClr val="008000"/>
+              </a:solidFill>
+            </a:endParaRPr>
+          </a:p>
+        </p:txBody>
+      </p:sp>
+      <p:sp>
+        <p:nvSpPr>
+          <p:cNvPr id="18" name="矩形 17"/>
+          <p:cNvSpPr/>
+          <p:nvPr/>
+        </p:nvSpPr>
+        <p:spPr>
+          <a:xfrm>
+            <a:off x="4598294" y="3612165"/>
+            <a:ext cx="624105" cy="408127"/>
+          </a:xfrm>
+          <a:prstGeom prst="rect">
+            <a:avLst/>
+          </a:prstGeom>
+          <a:noFill/>
+          <a:ln>
+            <a:noFill/>
+          </a:ln>
+        </p:spPr>
+        <p:style>
+          <a:lnRef idx="1">
+            <a:schemeClr val="accent1"/>
+          </a:lnRef>
+          <a:fillRef idx="3">
+            <a:schemeClr val="accent1"/>
+          </a:fillRef>
+          <a:effectRef idx="2">
+            <a:schemeClr val="accent1"/>
+          </a:effectRef>
+          <a:fontRef idx="minor">
+            <a:schemeClr val="lt1"/>
+          </a:fontRef>
+        </p:style>
+        <p:txBody>
+          <a:bodyPr lIns="36000" rIns="36000" rtlCol="0" anchor="ctr"/>
+          <a:lstStyle/>
+          <a:p>
+            <a:pPr algn="ctr"/>
+            <a:r>
+              <a:rPr lang="zh-CN" altLang="en-US" sz="1400" b="0" i="0" strike="sngStrike" dirty="0" smtClean="0">
+                <a:solidFill>
+                  <a:schemeClr val="tx1"/>
+                </a:solidFill>
+                <a:latin typeface="ＭＳ ゴシック"/>
+                <a:ea typeface="ＭＳ ゴシック"/>
+                <a:cs typeface="ＭＳ ゴシック"/>
+              </a:rPr>
+              <a:t>☐</a:t>
+            </a:r>
+            <a:r>
+              <a:rPr kumimoji="1" lang="zh-CN" altLang="en-US" sz="1400" strike="sngStrike" dirty="0" smtClean="0">
+                <a:solidFill>
+                  <a:srgbClr val="008000"/>
+                </a:solidFill>
+              </a:rPr>
+              <a:t>周四</a:t>
+            </a:r>
+            <a:endParaRPr kumimoji="1" lang="zh-CN" altLang="en-US" sz="1400" strike="sngStrike" dirty="0">
+              <a:solidFill>
+                <a:srgbClr val="008000"/>
+              </a:solidFill>
+            </a:endParaRPr>
+          </a:p>
+        </p:txBody>
+      </p:sp>
+      <p:sp>
+        <p:nvSpPr>
+          <p:cNvPr id="19" name="矩形 18"/>
+          <p:cNvSpPr/>
+          <p:nvPr/>
+        </p:nvSpPr>
+        <p:spPr>
+          <a:xfrm>
+            <a:off x="5240676" y="3599961"/>
+            <a:ext cx="624105" cy="408127"/>
+          </a:xfrm>
+          <a:prstGeom prst="rect">
+            <a:avLst/>
+          </a:prstGeom>
+          <a:noFill/>
+          <a:ln>
+            <a:noFill/>
+          </a:ln>
+        </p:spPr>
+        <p:style>
+          <a:lnRef idx="1">
+            <a:schemeClr val="accent1"/>
+          </a:lnRef>
+          <a:fillRef idx="3">
+            <a:schemeClr val="accent1"/>
+          </a:fillRef>
+          <a:effectRef idx="2">
+            <a:schemeClr val="accent1"/>
+          </a:effectRef>
+          <a:fontRef idx="minor">
+            <a:schemeClr val="lt1"/>
+          </a:fontRef>
+        </p:style>
+        <p:txBody>
+          <a:bodyPr lIns="36000" rIns="36000" rtlCol="0" anchor="ctr"/>
+          <a:lstStyle/>
+          <a:p>
+            <a:pPr algn="ctr"/>
+            <a:r>
+              <a:rPr lang="zh-CN" altLang="en-US" sz="1400" b="0" i="0" strike="sngStrike" dirty="0" smtClean="0">
+                <a:solidFill>
+                  <a:schemeClr val="tx1"/>
+                </a:solidFill>
+                <a:latin typeface="ＭＳ ゴシック"/>
+                <a:ea typeface="ＭＳ ゴシック"/>
+                <a:cs typeface="ＭＳ ゴシック"/>
+              </a:rPr>
+              <a:t>☐</a:t>
+            </a:r>
+            <a:r>
+              <a:rPr kumimoji="1" lang="zh-CN" altLang="en-US" sz="1400" strike="sngStrike" dirty="0" smtClean="0">
+                <a:solidFill>
+                  <a:srgbClr val="008000"/>
+                </a:solidFill>
+              </a:rPr>
+              <a:t>周五</a:t>
+            </a:r>
+            <a:endParaRPr kumimoji="1" lang="zh-CN" altLang="en-US" sz="1400" strike="sngStrike" dirty="0">
+              <a:solidFill>
+                <a:srgbClr val="008000"/>
+              </a:solidFill>
+            </a:endParaRPr>
+          </a:p>
+        </p:txBody>
+      </p:sp>
+      <p:sp>
+        <p:nvSpPr>
+          <p:cNvPr id="21" name="椭圆形标注 20"/>
+          <p:cNvSpPr/>
+          <p:nvPr/>
+        </p:nvSpPr>
+        <p:spPr>
+          <a:xfrm>
+            <a:off x="6438833" y="2705786"/>
+            <a:ext cx="1316845" cy="612648"/>
+          </a:xfrm>
+          <a:prstGeom prst="wedgeEllipseCallout">
+            <a:avLst>
+              <a:gd name="adj1" fmla="val -114205"/>
+              <a:gd name="adj2" fmla="val -14681"/>
+            </a:avLst>
+          </a:prstGeom>
+        </p:spPr>
+        <p:style>
+          <a:lnRef idx="1">
+            <a:schemeClr val="accent1"/>
+          </a:lnRef>
+          <a:fillRef idx="3">
+            <a:schemeClr val="accent1"/>
+          </a:fillRef>
+          <a:effectRef idx="2">
+            <a:schemeClr val="accent1"/>
+          </a:effectRef>
+          <a:fontRef idx="minor">
+            <a:schemeClr val="lt1"/>
+          </a:fontRef>
+        </p:style>
+        <p:txBody>
+          <a:bodyPr rtlCol="0" anchor="ctr"/>
+          <a:lstStyle/>
+          <a:p>
+            <a:pPr algn="ctr"/>
+            <a:r>
+              <a:rPr kumimoji="1" lang="zh-CN" altLang="en-US" dirty="0" smtClean="0"/>
+              <a:t>不可编辑</a:t>
+            </a:r>
+            <a:endParaRPr kumimoji="1" lang="zh-CN" altLang="en-US" dirty="0"/>
+          </a:p>
+        </p:txBody>
+      </p:sp>
+      <p:sp>
+        <p:nvSpPr>
+          <p:cNvPr id="22" name="矩形 21"/>
+          <p:cNvSpPr/>
+          <p:nvPr/>
+        </p:nvSpPr>
+        <p:spPr>
+          <a:xfrm>
+            <a:off x="3423357" y="4232413"/>
+            <a:ext cx="758729" cy="408127"/>
+          </a:xfrm>
+          <a:prstGeom prst="rect">
+            <a:avLst/>
+          </a:prstGeom>
+          <a:noFill/>
+          <a:ln>
+            <a:noFill/>
+          </a:ln>
+        </p:spPr>
+        <p:style>
+          <a:lnRef idx="1">
+            <a:schemeClr val="accent1"/>
+          </a:lnRef>
+          <a:fillRef idx="3">
+            <a:schemeClr val="accent1"/>
+          </a:fillRef>
+          <a:effectRef idx="2">
+            <a:schemeClr val="accent1"/>
+          </a:effectRef>
+          <a:fontRef idx="minor">
+            <a:schemeClr val="lt1"/>
+          </a:fontRef>
+        </p:style>
+        <p:txBody>
+          <a:bodyPr lIns="36000" rIns="36000" rtlCol="0" anchor="ctr"/>
+          <a:lstStyle/>
+          <a:p>
+            <a:pPr algn="ctr"/>
+            <a:r>
+              <a:rPr kumimoji="1" lang="zh-CN" altLang="en-US" dirty="0" smtClean="0">
+                <a:solidFill>
+                  <a:schemeClr val="tx1"/>
+                </a:solidFill>
+              </a:rPr>
+              <a:t>启用</a:t>
+            </a:r>
+            <a:endParaRPr kumimoji="1" lang="zh-CN" altLang="en-US" dirty="0">
+              <a:solidFill>
+                <a:schemeClr val="tx1"/>
+              </a:solidFill>
+            </a:endParaRPr>
+          </a:p>
+        </p:txBody>
+      </p:sp>
+      <p:sp>
+        <p:nvSpPr>
+          <p:cNvPr id="23" name="矩形 22"/>
+          <p:cNvSpPr/>
+          <p:nvPr/>
+        </p:nvSpPr>
+        <p:spPr>
+          <a:xfrm>
+            <a:off x="4697253" y="4209183"/>
+            <a:ext cx="758729" cy="408127"/>
+          </a:xfrm>
+          <a:prstGeom prst="rect">
+            <a:avLst/>
+          </a:prstGeom>
+          <a:noFill/>
+          <a:ln>
+            <a:noFill/>
+          </a:ln>
+        </p:spPr>
+        <p:style>
+          <a:lnRef idx="1">
+            <a:schemeClr val="accent1"/>
+          </a:lnRef>
+          <a:fillRef idx="3">
+            <a:schemeClr val="accent1"/>
+          </a:fillRef>
+          <a:effectRef idx="2">
+            <a:schemeClr val="accent1"/>
+          </a:effectRef>
+          <a:fontRef idx="minor">
+            <a:schemeClr val="lt1"/>
+          </a:fontRef>
+        </p:style>
+        <p:txBody>
+          <a:bodyPr lIns="36000" rIns="36000" rtlCol="0" anchor="ctr"/>
+          <a:lstStyle/>
+          <a:p>
+            <a:pPr algn="ctr"/>
+            <a:r>
+              <a:rPr kumimoji="1" lang="zh-CN" altLang="en-US" dirty="0" smtClean="0">
+                <a:solidFill>
+                  <a:srgbClr val="000000"/>
+                </a:solidFill>
+              </a:rPr>
+              <a:t>停用</a:t>
+            </a:r>
+            <a:endParaRPr kumimoji="1" lang="zh-CN" altLang="en-US" dirty="0">
+              <a:solidFill>
+                <a:srgbClr val="000000"/>
+              </a:solidFill>
+            </a:endParaRPr>
+          </a:p>
+        </p:txBody>
+      </p:sp>
+      <p:sp>
+        <p:nvSpPr>
+          <p:cNvPr id="24" name="矩形 23"/>
+          <p:cNvSpPr/>
+          <p:nvPr/>
+        </p:nvSpPr>
+        <p:spPr>
+          <a:xfrm>
+            <a:off x="4310806" y="4261310"/>
+            <a:ext cx="390364" cy="369332"/>
+          </a:xfrm>
+          <a:prstGeom prst="rect">
+            <a:avLst/>
+          </a:prstGeom>
+        </p:spPr>
+        <p:txBody>
+          <a:bodyPr wrap="none">
+            <a:spAutoFit/>
+          </a:bodyPr>
+          <a:lstStyle/>
+          <a:p>
+            <a:r>
+              <a:rPr lang="zh-CN" altLang="en-US" b="0" i="0" dirty="0" smtClean="0">
+                <a:latin typeface="Wingdings"/>
+                <a:ea typeface="Wingdings"/>
+                <a:cs typeface="Wingdings"/>
+              </a:rPr>
+              <a:t></a:t>
+            </a:r>
+            <a:endParaRPr lang="zh-CN" altLang="en-US" dirty="0"/>
+          </a:p>
+        </p:txBody>
+      </p:sp>
+      <p:sp>
+        <p:nvSpPr>
+          <p:cNvPr id="25" name="矩形 24"/>
+          <p:cNvSpPr/>
+          <p:nvPr/>
+        </p:nvSpPr>
+        <p:spPr>
+          <a:xfrm>
+            <a:off x="2987694" y="4257014"/>
+            <a:ext cx="390364" cy="369332"/>
+          </a:xfrm>
+          <a:prstGeom prst="rect">
+            <a:avLst/>
+          </a:prstGeom>
+        </p:spPr>
+        <p:txBody>
+          <a:bodyPr wrap="none">
+            <a:spAutoFit/>
+          </a:bodyPr>
+          <a:lstStyle/>
+          <a:p>
+            <a:r>
+              <a:rPr lang="zh-CN" altLang="en-US" b="0" i="0" dirty="0" smtClean="0">
+                <a:latin typeface="Wingdings"/>
+                <a:ea typeface="Wingdings"/>
+                <a:cs typeface="Wingdings"/>
+              </a:rPr>
+              <a:t></a:t>
+            </a:r>
+            <a:endParaRPr lang="zh-CN" altLang="en-US" dirty="0"/>
+          </a:p>
+        </p:txBody>
+      </p:sp>
     </p:spTree>
     <p:extLst>
       <p:ext uri="{BB962C8B-B14F-4D97-AF65-F5344CB8AC3E}">
-        <p14:creationId xmlns:p14="http://schemas.microsoft.com/office/powerpoint/2010/main" val="3257183095"/>
+        <p14:creationId xmlns:p14="http://schemas.microsoft.com/office/powerpoint/2010/main" val="4128685436"/>
       </p:ext>
     </p:extLst>
   </p:cSld>
@@ -10512,7 +12370,7 @@
   <p:timing>
     <p:tnLst>
       <p:par>
-        <p:cTn id="1" dur="indefinite" restart="never" nodeType="tmRoot"/>
+        <p:cTn xmlns:p14="http://schemas.microsoft.com/office/powerpoint/2010/main" id="1" dur="indefinite" restart="never" nodeType="tmRoot"/>
       </p:par>
     </p:tnLst>
   </p:timing>
@@ -10553,7 +12411,7 @@
           <a:p>
             <a:r>
               <a:rPr kumimoji="1" lang="zh-CN" altLang="en-US" dirty="0" smtClean="0"/>
-              <a:t>注册</a:t>
+              <a:t>登录</a:t>
             </a:r>
             <a:endParaRPr kumimoji="1" lang="zh-CN" altLang="en-US" dirty="0"/>
           </a:p>
@@ -10599,7 +12457,7 @@
                   <a:srgbClr val="7F7F7F"/>
                 </a:solidFill>
               </a:rPr>
-              <a:t>用户名</a:t>
+              <a:t>用户名或手机号或邮箱</a:t>
             </a:r>
             <a:endParaRPr kumimoji="1" lang="zh-CN" altLang="en-US" sz="1600" dirty="0">
               <a:solidFill>
@@ -10611,13 +12469,13 @@
       </p:sp>
       <p:sp>
         <p:nvSpPr>
-          <p:cNvPr id="5" name="矩形 4"/>
+          <p:cNvPr id="6" name="矩形 5"/>
           <p:cNvSpPr/>
           <p:nvPr/>
         </p:nvSpPr>
         <p:spPr>
           <a:xfrm>
-            <a:off x="3611783" y="3243818"/>
+            <a:off x="3611783" y="2892558"/>
             <a:ext cx="2184709" cy="408127"/>
           </a:xfrm>
           <a:prstGeom prst="rect">
@@ -10661,13 +12519,13 @@
       </p:sp>
       <p:sp>
         <p:nvSpPr>
-          <p:cNvPr id="6" name="矩形 5"/>
+          <p:cNvPr id="7" name="矩形 6"/>
           <p:cNvSpPr/>
           <p:nvPr/>
         </p:nvSpPr>
         <p:spPr>
           <a:xfrm>
-            <a:off x="3615551" y="4065153"/>
+            <a:off x="3700696" y="3682906"/>
             <a:ext cx="630871" cy="408127"/>
           </a:xfrm>
           <a:prstGeom prst="rect">
@@ -10700,7 +12558,7 @@
                   <a:srgbClr val="008000"/>
                 </a:solidFill>
               </a:rPr>
-              <a:t>注册</a:t>
+              <a:t>登录</a:t>
             </a:r>
             <a:endParaRPr kumimoji="1" lang="zh-CN" altLang="en-US" dirty="0">
               <a:solidFill>
@@ -10712,14 +12570,14 @@
       </p:sp>
       <p:sp>
         <p:nvSpPr>
-          <p:cNvPr id="7" name="矩形 6"/>
+          <p:cNvPr id="8" name="矩形 7"/>
           <p:cNvSpPr/>
           <p:nvPr/>
         </p:nvSpPr>
         <p:spPr>
           <a:xfrm>
-            <a:off x="4528108" y="4096416"/>
-            <a:ext cx="1439250" cy="408127"/>
+            <a:off x="4613253" y="3714169"/>
+            <a:ext cx="1371692" cy="408127"/>
           </a:xfrm>
           <a:prstGeom prst="rect">
             <a:avLst/>
@@ -10754,7 +12612,7 @@
                   <a:srgbClr val="008000"/>
                 </a:solidFill>
               </a:rPr>
-              <a:t>已有账号？</a:t>
+              <a:t>没有账号？</a:t>
             </a:r>
             <a:r>
               <a:rPr kumimoji="1" lang="zh-CN" altLang="en-US" sz="1400" u="sng" dirty="0" smtClean="0">
@@ -10762,7 +12620,7 @@
                   <a:srgbClr val="008000"/>
                 </a:solidFill>
               </a:rPr>
-              <a:t>登录</a:t>
+              <a:t>注册</a:t>
             </a:r>
             <a:endParaRPr kumimoji="1" lang="zh-CN" altLang="en-US" sz="1400" u="sng" dirty="0">
               <a:solidFill>
@@ -10772,60 +12630,10 @@
           </a:p>
         </p:txBody>
       </p:sp>
-      <p:sp>
-        <p:nvSpPr>
-          <p:cNvPr id="8" name="矩形 7"/>
-          <p:cNvSpPr/>
-          <p:nvPr/>
-        </p:nvSpPr>
-        <p:spPr>
-          <a:xfrm>
-            <a:off x="3615551" y="2608850"/>
-            <a:ext cx="2184709" cy="408127"/>
-          </a:xfrm>
-          <a:prstGeom prst="rect">
-            <a:avLst/>
-          </a:prstGeom>
-          <a:noFill/>
-        </p:spPr>
-        <p:style>
-          <a:lnRef idx="1">
-            <a:schemeClr val="accent1"/>
-          </a:lnRef>
-          <a:fillRef idx="3">
-            <a:schemeClr val="accent1"/>
-          </a:fillRef>
-          <a:effectRef idx="2">
-            <a:schemeClr val="accent1"/>
-          </a:effectRef>
-          <a:fontRef idx="minor">
-            <a:schemeClr val="lt1"/>
-          </a:fontRef>
-        </p:style>
-        <p:txBody>
-          <a:bodyPr lIns="36000" rIns="36000" rtlCol="0" anchor="ctr"/>
-          <a:lstStyle/>
-          <a:p>
-            <a:r>
-              <a:rPr kumimoji="1" lang="zh-CN" altLang="en-US" sz="1600" dirty="0" smtClean="0">
-                <a:solidFill>
-                  <a:srgbClr val="7F7F7F"/>
-                </a:solidFill>
-              </a:rPr>
-              <a:t>邮箱</a:t>
-            </a:r>
-            <a:endParaRPr kumimoji="1" lang="zh-CN" altLang="en-US" sz="1600" dirty="0">
-              <a:solidFill>
-                <a:srgbClr val="7F7F7F"/>
-              </a:solidFill>
-            </a:endParaRPr>
-          </a:p>
-        </p:txBody>
-      </p:sp>
     </p:spTree>
     <p:extLst>
       <p:ext uri="{BB962C8B-B14F-4D97-AF65-F5344CB8AC3E}">
-        <p14:creationId xmlns:p14="http://schemas.microsoft.com/office/powerpoint/2010/main" val="3236034073"/>
+        <p14:creationId xmlns:p14="http://schemas.microsoft.com/office/powerpoint/2010/main" val="3257183095"/>
       </p:ext>
     </p:extLst>
   </p:cSld>
@@ -10835,7 +12643,7 @@
   <p:timing>
     <p:tnLst>
       <p:par>
-        <p:cTn id="1" dur="indefinite" restart="never" nodeType="tmRoot"/>
+        <p:cTn xmlns:p14="http://schemas.microsoft.com/office/powerpoint/2010/main" id="1" dur="indefinite" restart="never" nodeType="tmRoot"/>
       </p:par>
     </p:tnLst>
   </p:timing>
